--- a/책봄.pptx
+++ b/책봄.pptx
@@ -10,8 +10,12 @@
     <p:sldId id="263" r:id="rId4"/>
     <p:sldId id="261" r:id="rId5"/>
     <p:sldId id="267" r:id="rId6"/>
-    <p:sldId id="268" r:id="rId7"/>
-    <p:sldId id="260" r:id="rId8"/>
+    <p:sldId id="269" r:id="rId7"/>
+    <p:sldId id="270" r:id="rId8"/>
+    <p:sldId id="271" r:id="rId9"/>
+    <p:sldId id="272" r:id="rId10"/>
+    <p:sldId id="268" r:id="rId11"/>
+    <p:sldId id="260" r:id="rId12"/>
   </p:sldIdLst>
   <p:sldSz cx="12192000" cy="6858000"/>
   <p:notesSz cx="6858000" cy="9144000"/>
@@ -260,7 +264,7 @@
           <a:p>
             <a:fld id="{AD298F7D-7C00-4A57-8C3B-C476117A915D}" type="datetimeFigureOut">
               <a:rPr lang="ko-KR" altLang="en-US" smtClean="0"/>
-              <a:t>2023-10-10</a:t>
+              <a:t>2023-10-11</a:t>
             </a:fld>
             <a:endParaRPr lang="ko-KR" altLang="en-US"/>
           </a:p>
@@ -430,7 +434,7 @@
           <a:p>
             <a:fld id="{AD298F7D-7C00-4A57-8C3B-C476117A915D}" type="datetimeFigureOut">
               <a:rPr lang="ko-KR" altLang="en-US" smtClean="0"/>
-              <a:t>2023-10-10</a:t>
+              <a:t>2023-10-11</a:t>
             </a:fld>
             <a:endParaRPr lang="ko-KR" altLang="en-US"/>
           </a:p>
@@ -610,7 +614,7 @@
           <a:p>
             <a:fld id="{AD298F7D-7C00-4A57-8C3B-C476117A915D}" type="datetimeFigureOut">
               <a:rPr lang="ko-KR" altLang="en-US" smtClean="0"/>
-              <a:t>2023-10-10</a:t>
+              <a:t>2023-10-11</a:t>
             </a:fld>
             <a:endParaRPr lang="ko-KR" altLang="en-US"/>
           </a:p>
@@ -780,7 +784,7 @@
           <a:p>
             <a:fld id="{AD298F7D-7C00-4A57-8C3B-C476117A915D}" type="datetimeFigureOut">
               <a:rPr lang="ko-KR" altLang="en-US" smtClean="0"/>
-              <a:t>2023-10-10</a:t>
+              <a:t>2023-10-11</a:t>
             </a:fld>
             <a:endParaRPr lang="ko-KR" altLang="en-US"/>
           </a:p>
@@ -1026,7 +1030,7 @@
           <a:p>
             <a:fld id="{AD298F7D-7C00-4A57-8C3B-C476117A915D}" type="datetimeFigureOut">
               <a:rPr lang="ko-KR" altLang="en-US" smtClean="0"/>
-              <a:t>2023-10-10</a:t>
+              <a:t>2023-10-11</a:t>
             </a:fld>
             <a:endParaRPr lang="ko-KR" altLang="en-US"/>
           </a:p>
@@ -1258,7 +1262,7 @@
           <a:p>
             <a:fld id="{AD298F7D-7C00-4A57-8C3B-C476117A915D}" type="datetimeFigureOut">
               <a:rPr lang="ko-KR" altLang="en-US" smtClean="0"/>
-              <a:t>2023-10-10</a:t>
+              <a:t>2023-10-11</a:t>
             </a:fld>
             <a:endParaRPr lang="ko-KR" altLang="en-US"/>
           </a:p>
@@ -1625,7 +1629,7 @@
           <a:p>
             <a:fld id="{AD298F7D-7C00-4A57-8C3B-C476117A915D}" type="datetimeFigureOut">
               <a:rPr lang="ko-KR" altLang="en-US" smtClean="0"/>
-              <a:t>2023-10-10</a:t>
+              <a:t>2023-10-11</a:t>
             </a:fld>
             <a:endParaRPr lang="ko-KR" altLang="en-US"/>
           </a:p>
@@ -1743,7 +1747,7 @@
           <a:p>
             <a:fld id="{AD298F7D-7C00-4A57-8C3B-C476117A915D}" type="datetimeFigureOut">
               <a:rPr lang="ko-KR" altLang="en-US" smtClean="0"/>
-              <a:t>2023-10-10</a:t>
+              <a:t>2023-10-11</a:t>
             </a:fld>
             <a:endParaRPr lang="ko-KR" altLang="en-US"/>
           </a:p>
@@ -1838,7 +1842,7 @@
           <a:p>
             <a:fld id="{AD298F7D-7C00-4A57-8C3B-C476117A915D}" type="datetimeFigureOut">
               <a:rPr lang="ko-KR" altLang="en-US" smtClean="0"/>
-              <a:t>2023-10-10</a:t>
+              <a:t>2023-10-11</a:t>
             </a:fld>
             <a:endParaRPr lang="ko-KR" altLang="en-US"/>
           </a:p>
@@ -2115,7 +2119,7 @@
           <a:p>
             <a:fld id="{AD298F7D-7C00-4A57-8C3B-C476117A915D}" type="datetimeFigureOut">
               <a:rPr lang="ko-KR" altLang="en-US" smtClean="0"/>
-              <a:t>2023-10-10</a:t>
+              <a:t>2023-10-11</a:t>
             </a:fld>
             <a:endParaRPr lang="ko-KR" altLang="en-US"/>
           </a:p>
@@ -2368,7 +2372,7 @@
           <a:p>
             <a:fld id="{AD298F7D-7C00-4A57-8C3B-C476117A915D}" type="datetimeFigureOut">
               <a:rPr lang="ko-KR" altLang="en-US" smtClean="0"/>
-              <a:t>2023-10-10</a:t>
+              <a:t>2023-10-11</a:t>
             </a:fld>
             <a:endParaRPr lang="ko-KR" altLang="en-US"/>
           </a:p>
@@ -2581,7 +2585,7 @@
           <a:p>
             <a:fld id="{AD298F7D-7C00-4A57-8C3B-C476117A915D}" type="datetimeFigureOut">
               <a:rPr lang="ko-KR" altLang="en-US" smtClean="0"/>
-              <a:t>2023-10-10</a:t>
+              <a:t>2023-10-11</a:t>
             </a:fld>
             <a:endParaRPr lang="ko-KR" altLang="en-US"/>
           </a:p>
@@ -3274,2839 +3278,7 @@
 </p:sld>
 </file>
 
-<file path=ppt/slides/slide2.xml><?xml version="1.0" encoding="utf-8"?>
-<p:sld xmlns:a="http://schemas.openxmlformats.org/drawingml/2006/main" xmlns:r="http://schemas.openxmlformats.org/officeDocument/2006/relationships" xmlns:p="http://schemas.openxmlformats.org/presentationml/2006/main">
-  <p:cSld>
-    <p:bg>
-      <p:bgPr>
-        <a:blipFill dpi="0" rotWithShape="1">
-          <a:blip r:embed="rId2">
-            <a:lum/>
-          </a:blip>
-          <a:srcRect/>
-          <a:stretch>
-            <a:fillRect l="-24000" r="-24000"/>
-          </a:stretch>
-        </a:blipFill>
-        <a:effectLst/>
-      </p:bgPr>
-    </p:bg>
-    <p:spTree>
-      <p:nvGrpSpPr>
-        <p:cNvPr id="1" name=""/>
-        <p:cNvGrpSpPr/>
-        <p:nvPr/>
-      </p:nvGrpSpPr>
-      <p:grpSpPr>
-        <a:xfrm>
-          <a:off x="0" y="0"/>
-          <a:ext cx="0" cy="0"/>
-          <a:chOff x="0" y="0"/>
-          <a:chExt cx="0" cy="0"/>
-        </a:xfrm>
-      </p:grpSpPr>
-      <p:sp>
-        <p:nvSpPr>
-          <p:cNvPr id="8" name="TextBox 7"/>
-          <p:cNvSpPr txBox="1"/>
-          <p:nvPr/>
-        </p:nvSpPr>
-        <p:spPr>
-          <a:xfrm>
-            <a:off x="5075959" y="672887"/>
-            <a:ext cx="2237509" cy="338554"/>
-          </a:xfrm>
-          <a:prstGeom prst="rect">
-            <a:avLst/>
-          </a:prstGeom>
-          <a:noFill/>
-        </p:spPr>
-        <p:txBody>
-          <a:bodyPr wrap="square" rtlCol="0">
-            <a:spAutoFit/>
-          </a:bodyPr>
-          <a:lstStyle/>
-          <a:p>
-            <a:r>
-              <a:rPr lang="ko-KR" altLang="en-US" sz="1600" dirty="0" smtClean="0">
-                <a:solidFill>
-                  <a:schemeClr val="accent2">
-                    <a:lumMod val="50000"/>
-                  </a:schemeClr>
-                </a:solidFill>
-                <a:latin typeface="경기천년제목 Light" panose="02020403020101020101" pitchFamily="18" charset="-127"/>
-                <a:ea typeface="경기천년제목 Light" panose="02020403020101020101" pitchFamily="18" charset="-127"/>
-              </a:rPr>
-              <a:t>사용한 프로그램 및 언어</a:t>
-            </a:r>
-            <a:endParaRPr lang="ko-KR" altLang="en-US" sz="1600" dirty="0">
-              <a:solidFill>
-                <a:schemeClr val="accent2">
-                  <a:lumMod val="50000"/>
-                </a:schemeClr>
-              </a:solidFill>
-              <a:latin typeface="경기천년제목 Light" panose="02020403020101020101" pitchFamily="18" charset="-127"/>
-              <a:ea typeface="경기천년제목 Light" panose="02020403020101020101" pitchFamily="18" charset="-127"/>
-            </a:endParaRPr>
-          </a:p>
-        </p:txBody>
-      </p:sp>
-      <p:sp>
-        <p:nvSpPr>
-          <p:cNvPr id="3" name="직사각형 2"/>
-          <p:cNvSpPr/>
-          <p:nvPr/>
-        </p:nvSpPr>
-        <p:spPr>
-          <a:xfrm>
-            <a:off x="0" y="916233"/>
-            <a:ext cx="12192000" cy="5941767"/>
-          </a:xfrm>
-          <a:prstGeom prst="rect">
-            <a:avLst/>
-          </a:prstGeom>
-          <a:solidFill>
-            <a:schemeClr val="bg1">
-              <a:alpha val="50000"/>
-            </a:schemeClr>
-          </a:solidFill>
-          <a:ln>
-            <a:noFill/>
-          </a:ln>
-        </p:spPr>
-        <p:style>
-          <a:lnRef idx="2">
-            <a:schemeClr val="accent1">
-              <a:shade val="50000"/>
-            </a:schemeClr>
-          </a:lnRef>
-          <a:fillRef idx="1">
-            <a:schemeClr val="accent1"/>
-          </a:fillRef>
-          <a:effectRef idx="0">
-            <a:schemeClr val="accent1"/>
-          </a:effectRef>
-          <a:fontRef idx="minor">
-            <a:schemeClr val="lt1"/>
-          </a:fontRef>
-        </p:style>
-        <p:txBody>
-          <a:bodyPr rtlCol="0" anchor="ctr"/>
-          <a:lstStyle/>
-          <a:p>
-            <a:pPr algn="ctr"/>
-            <a:endParaRPr lang="ko-KR" altLang="en-US"/>
-          </a:p>
-        </p:txBody>
-      </p:sp>
-      <p:sp>
-        <p:nvSpPr>
-          <p:cNvPr id="2" name="직사각형 1"/>
-          <p:cNvSpPr/>
-          <p:nvPr/>
-        </p:nvSpPr>
-        <p:spPr>
-          <a:xfrm>
-            <a:off x="0" y="0"/>
-            <a:ext cx="12192000" cy="920265"/>
-          </a:xfrm>
-          <a:prstGeom prst="rect">
-            <a:avLst/>
-          </a:prstGeom>
-          <a:solidFill>
-            <a:schemeClr val="bg1"/>
-          </a:solidFill>
-          <a:ln>
-            <a:noFill/>
-          </a:ln>
-        </p:spPr>
-        <p:style>
-          <a:lnRef idx="2">
-            <a:schemeClr val="accent1">
-              <a:shade val="50000"/>
-            </a:schemeClr>
-          </a:lnRef>
-          <a:fillRef idx="1">
-            <a:schemeClr val="accent1"/>
-          </a:fillRef>
-          <a:effectRef idx="0">
-            <a:schemeClr val="accent1"/>
-          </a:effectRef>
-          <a:fontRef idx="minor">
-            <a:schemeClr val="lt1"/>
-          </a:fontRef>
-        </p:style>
-        <p:txBody>
-          <a:bodyPr rtlCol="0" anchor="ctr"/>
-          <a:lstStyle/>
-          <a:p>
-            <a:pPr algn="ctr"/>
-            <a:endParaRPr lang="ko-KR" altLang="en-US"/>
-          </a:p>
-        </p:txBody>
-      </p:sp>
-      <p:sp>
-        <p:nvSpPr>
-          <p:cNvPr id="9" name="TextBox 8"/>
-          <p:cNvSpPr txBox="1"/>
-          <p:nvPr/>
-        </p:nvSpPr>
-        <p:spPr>
-          <a:xfrm>
-            <a:off x="814387" y="182549"/>
-            <a:ext cx="4768727" cy="523220"/>
-          </a:xfrm>
-          <a:prstGeom prst="rect">
-            <a:avLst/>
-          </a:prstGeom>
-          <a:noFill/>
-        </p:spPr>
-        <p:txBody>
-          <a:bodyPr wrap="square" rtlCol="0">
-            <a:spAutoFit/>
-          </a:bodyPr>
-          <a:lstStyle/>
-          <a:p>
-            <a:r>
-              <a:rPr lang="ko-KR" altLang="en-US" sz="2800" dirty="0" smtClean="0">
-                <a:latin typeface="경기천년제목 Medium" panose="02020603020101020101" pitchFamily="18" charset="-127"/>
-                <a:ea typeface="경기천년제목 Medium" panose="02020603020101020101" pitchFamily="18" charset="-127"/>
-              </a:rPr>
-              <a:t>프로젝트 소개 </a:t>
-            </a:r>
-            <a:r>
-              <a:rPr lang="en-US" altLang="ko-KR" dirty="0" smtClean="0">
-                <a:solidFill>
-                  <a:srgbClr val="86360E"/>
-                </a:solidFill>
-                <a:latin typeface="경기천년제목 Medium" panose="02020603020101020101" pitchFamily="18" charset="-127"/>
-                <a:ea typeface="경기천년제목 Medium" panose="02020603020101020101" pitchFamily="18" charset="-127"/>
-              </a:rPr>
-              <a:t>‘</a:t>
-            </a:r>
-            <a:r>
-              <a:rPr lang="ko-KR" altLang="en-US" dirty="0" smtClean="0">
-                <a:solidFill>
-                  <a:srgbClr val="86360E"/>
-                </a:solidFill>
-                <a:latin typeface="경기천년제목 Medium" panose="02020603020101020101" pitchFamily="18" charset="-127"/>
-                <a:ea typeface="경기천년제목 Medium" panose="02020603020101020101" pitchFamily="18" charset="-127"/>
-              </a:rPr>
-              <a:t>책</a:t>
-            </a:r>
-            <a:r>
-              <a:rPr lang="en-US" altLang="ko-KR" dirty="0" smtClean="0">
-                <a:solidFill>
-                  <a:srgbClr val="86360E"/>
-                </a:solidFill>
-                <a:latin typeface="경기천년제목 Medium" panose="02020603020101020101" pitchFamily="18" charset="-127"/>
-                <a:ea typeface="경기천년제목 Medium" panose="02020603020101020101" pitchFamily="18" charset="-127"/>
-              </a:rPr>
-              <a:t>, </a:t>
-            </a:r>
-            <a:r>
-              <a:rPr lang="ko-KR" altLang="en-US" dirty="0" smtClean="0">
-                <a:solidFill>
-                  <a:srgbClr val="86360E"/>
-                </a:solidFill>
-                <a:latin typeface="경기천년제목 Medium" panose="02020603020101020101" pitchFamily="18" charset="-127"/>
-                <a:ea typeface="경기천년제목 Medium" panose="02020603020101020101" pitchFamily="18" charset="-127"/>
-              </a:rPr>
-              <a:t>봄</a:t>
-            </a:r>
-            <a:r>
-              <a:rPr lang="en-US" altLang="ko-KR" dirty="0" smtClean="0">
-                <a:solidFill>
-                  <a:srgbClr val="86360E"/>
-                </a:solidFill>
-                <a:latin typeface="경기천년제목 Medium" panose="02020603020101020101" pitchFamily="18" charset="-127"/>
-                <a:ea typeface="경기천년제목 Medium" panose="02020603020101020101" pitchFamily="18" charset="-127"/>
-              </a:rPr>
-              <a:t>’</a:t>
-            </a:r>
-            <a:endParaRPr lang="ko-KR" altLang="en-US" dirty="0">
-              <a:solidFill>
-                <a:srgbClr val="86360E"/>
-              </a:solidFill>
-              <a:latin typeface="경기천년제목 Medium" panose="02020603020101020101" pitchFamily="18" charset="-127"/>
-              <a:ea typeface="경기천년제목 Medium" panose="02020603020101020101" pitchFamily="18" charset="-127"/>
-            </a:endParaRPr>
-          </a:p>
-        </p:txBody>
-      </p:sp>
-      <p:sp>
-        <p:nvSpPr>
-          <p:cNvPr id="12" name="직사각형 11"/>
-          <p:cNvSpPr/>
-          <p:nvPr/>
-        </p:nvSpPr>
-        <p:spPr>
-          <a:xfrm>
-            <a:off x="0" y="416553"/>
-            <a:ext cx="803564" cy="83127"/>
-          </a:xfrm>
-          <a:prstGeom prst="rect">
-            <a:avLst/>
-          </a:prstGeom>
-          <a:solidFill>
-            <a:srgbClr val="86360E"/>
-          </a:solidFill>
-          <a:ln>
-            <a:noFill/>
-          </a:ln>
-        </p:spPr>
-        <p:style>
-          <a:lnRef idx="2">
-            <a:schemeClr val="accent1">
-              <a:shade val="50000"/>
-            </a:schemeClr>
-          </a:lnRef>
-          <a:fillRef idx="1">
-            <a:schemeClr val="accent1"/>
-          </a:fillRef>
-          <a:effectRef idx="0">
-            <a:schemeClr val="accent1"/>
-          </a:effectRef>
-          <a:fontRef idx="minor">
-            <a:schemeClr val="lt1"/>
-          </a:fontRef>
-        </p:style>
-        <p:txBody>
-          <a:bodyPr rtlCol="0" anchor="ctr"/>
-          <a:lstStyle/>
-          <a:p>
-            <a:pPr algn="ctr"/>
-            <a:endParaRPr lang="ko-KR" altLang="en-US"/>
-          </a:p>
-        </p:txBody>
-      </p:sp>
-      <p:pic>
-        <p:nvPicPr>
-          <p:cNvPr id="5" name="그림 4"/>
-          <p:cNvPicPr>
-            <a:picLocks noChangeAspect="1"/>
-          </p:cNvPicPr>
-          <p:nvPr/>
-        </p:nvPicPr>
-        <p:blipFill>
-          <a:blip r:embed="rId3">
-            <a:extLst>
-              <a:ext uri="{28A0092B-C50C-407E-A947-70E740481C1C}">
-                <a14:useLocalDpi xmlns:a14="http://schemas.microsoft.com/office/drawing/2010/main" val="0"/>
-              </a:ext>
-            </a:extLst>
-          </a:blip>
-          <a:stretch>
-            <a:fillRect/>
-          </a:stretch>
-        </p:blipFill>
-        <p:spPr>
-          <a:xfrm>
-            <a:off x="803564" y="2856950"/>
-            <a:ext cx="4120662" cy="2060331"/>
-          </a:xfrm>
-          <a:prstGeom prst="rect">
-            <a:avLst/>
-          </a:prstGeom>
-        </p:spPr>
-      </p:pic>
-      <p:pic>
-        <p:nvPicPr>
-          <p:cNvPr id="6" name="그림 5"/>
-          <p:cNvPicPr>
-            <a:picLocks noChangeAspect="1"/>
-          </p:cNvPicPr>
-          <p:nvPr/>
-        </p:nvPicPr>
-        <p:blipFill rotWithShape="1">
-          <a:blip r:embed="rId4">
-            <a:extLst>
-              <a:ext uri="{28A0092B-C50C-407E-A947-70E740481C1C}">
-                <a14:useLocalDpi xmlns:a14="http://schemas.microsoft.com/office/drawing/2010/main" val="0"/>
-              </a:ext>
-            </a:extLst>
-          </a:blip>
-          <a:srcRect l="18985" t="27952" r="20971" b="24808"/>
-          <a:stretch/>
-        </p:blipFill>
-        <p:spPr>
-          <a:xfrm>
-            <a:off x="7362359" y="2849398"/>
-            <a:ext cx="2391507" cy="1881553"/>
-          </a:xfrm>
-          <a:prstGeom prst="rect">
-            <a:avLst/>
-          </a:prstGeom>
-        </p:spPr>
-      </p:pic>
-    </p:spTree>
-    <p:extLst>
-      <p:ext uri="{BB962C8B-B14F-4D97-AF65-F5344CB8AC3E}">
-        <p14:creationId xmlns:p14="http://schemas.microsoft.com/office/powerpoint/2010/main" val="1713563990"/>
-      </p:ext>
-    </p:extLst>
-  </p:cSld>
-  <p:clrMapOvr>
-    <a:masterClrMapping/>
-  </p:clrMapOvr>
-  <p:timing>
-    <p:tnLst>
-      <p:par>
-        <p:cTn id="1" dur="indefinite" restart="never" nodeType="tmRoot"/>
-      </p:par>
-    </p:tnLst>
-  </p:timing>
-</p:sld>
-</file>
-
-<file path=ppt/slides/slide3.xml><?xml version="1.0" encoding="utf-8"?>
-<p:sld xmlns:a="http://schemas.openxmlformats.org/drawingml/2006/main" xmlns:r="http://schemas.openxmlformats.org/officeDocument/2006/relationships" xmlns:p="http://schemas.openxmlformats.org/presentationml/2006/main">
-  <p:cSld>
-    <p:spTree>
-      <p:nvGrpSpPr>
-        <p:cNvPr id="1" name=""/>
-        <p:cNvGrpSpPr/>
-        <p:nvPr/>
-      </p:nvGrpSpPr>
-      <p:grpSpPr>
-        <a:xfrm>
-          <a:off x="0" y="0"/>
-          <a:ext cx="0" cy="0"/>
-          <a:chOff x="0" y="0"/>
-          <a:chExt cx="0" cy="0"/>
-        </a:xfrm>
-      </p:grpSpPr>
-      <p:sp>
-        <p:nvSpPr>
-          <p:cNvPr id="4" name="TextBox 3"/>
-          <p:cNvSpPr txBox="1"/>
-          <p:nvPr/>
-        </p:nvSpPr>
-        <p:spPr>
-          <a:xfrm>
-            <a:off x="5345721" y="195119"/>
-            <a:ext cx="1524000" cy="523220"/>
-          </a:xfrm>
-          <a:prstGeom prst="rect">
-            <a:avLst/>
-          </a:prstGeom>
-          <a:noFill/>
-        </p:spPr>
-        <p:txBody>
-          <a:bodyPr wrap="square" rtlCol="0">
-            <a:spAutoFit/>
-          </a:bodyPr>
-          <a:lstStyle/>
-          <a:p>
-            <a:r>
-              <a:rPr lang="ko-KR" altLang="en-US" sz="2800" dirty="0" smtClean="0">
-                <a:latin typeface="경기천년제목 Medium" panose="02020603020101020101" pitchFamily="18" charset="-127"/>
-                <a:ea typeface="경기천년제목 Medium" panose="02020603020101020101" pitchFamily="18" charset="-127"/>
-              </a:rPr>
-              <a:t>팀원 소개</a:t>
-            </a:r>
-            <a:endParaRPr lang="ko-KR" altLang="en-US" sz="2800" dirty="0">
-              <a:latin typeface="경기천년제목 Medium" panose="02020603020101020101" pitchFamily="18" charset="-127"/>
-              <a:ea typeface="경기천년제목 Medium" panose="02020603020101020101" pitchFamily="18" charset="-127"/>
-            </a:endParaRPr>
-          </a:p>
-        </p:txBody>
-      </p:sp>
-      <p:sp>
-        <p:nvSpPr>
-          <p:cNvPr id="5" name="액자 4"/>
-          <p:cNvSpPr/>
-          <p:nvPr/>
-        </p:nvSpPr>
-        <p:spPr>
-          <a:xfrm>
-            <a:off x="76200" y="71294"/>
-            <a:ext cx="12039600" cy="6720031"/>
-          </a:xfrm>
-          <a:prstGeom prst="frame">
-            <a:avLst>
-              <a:gd name="adj1" fmla="val 959"/>
-            </a:avLst>
-          </a:prstGeom>
-          <a:solidFill>
-            <a:srgbClr val="86360E"/>
-          </a:solidFill>
-          <a:ln>
-            <a:noFill/>
-          </a:ln>
-        </p:spPr>
-        <p:style>
-          <a:lnRef idx="2">
-            <a:schemeClr val="accent1">
-              <a:shade val="50000"/>
-            </a:schemeClr>
-          </a:lnRef>
-          <a:fillRef idx="1">
-            <a:schemeClr val="accent1"/>
-          </a:fillRef>
-          <a:effectRef idx="0">
-            <a:schemeClr val="accent1"/>
-          </a:effectRef>
-          <a:fontRef idx="minor">
-            <a:schemeClr val="lt1"/>
-          </a:fontRef>
-        </p:style>
-        <p:txBody>
-          <a:bodyPr rtlCol="0" anchor="ctr"/>
-          <a:lstStyle/>
-          <a:p>
-            <a:pPr algn="ctr"/>
-            <a:endParaRPr lang="ko-KR" altLang="en-US">
-              <a:solidFill>
-                <a:schemeClr val="tx1"/>
-              </a:solidFill>
-            </a:endParaRPr>
-          </a:p>
-        </p:txBody>
-      </p:sp>
-      <p:sp>
-        <p:nvSpPr>
-          <p:cNvPr id="8" name="TextBox 7"/>
-          <p:cNvSpPr txBox="1"/>
-          <p:nvPr/>
-        </p:nvSpPr>
-        <p:spPr>
-          <a:xfrm>
-            <a:off x="5347117" y="646511"/>
-            <a:ext cx="1644295" cy="338554"/>
-          </a:xfrm>
-          <a:prstGeom prst="rect">
-            <a:avLst/>
-          </a:prstGeom>
-          <a:noFill/>
-        </p:spPr>
-        <p:txBody>
-          <a:bodyPr wrap="square" rtlCol="0">
-            <a:spAutoFit/>
-          </a:bodyPr>
-          <a:lstStyle/>
-          <a:p>
-            <a:r>
-              <a:rPr lang="ko-KR" altLang="en-US" sz="1600" smtClean="0">
-                <a:solidFill>
-                  <a:schemeClr val="accent2">
-                    <a:lumMod val="50000"/>
-                  </a:schemeClr>
-                </a:solidFill>
-                <a:latin typeface="경기천년제목 Light" panose="02020403020101020101" pitchFamily="18" charset="-127"/>
-                <a:ea typeface="경기천년제목 Light" panose="02020403020101020101" pitchFamily="18" charset="-127"/>
-              </a:rPr>
-              <a:t>팀원 소개 및 역할</a:t>
-            </a:r>
-            <a:endParaRPr lang="ko-KR" altLang="en-US" sz="1600" dirty="0">
-              <a:solidFill>
-                <a:schemeClr val="accent2">
-                  <a:lumMod val="50000"/>
-                </a:schemeClr>
-              </a:solidFill>
-              <a:latin typeface="경기천년제목 Light" panose="02020403020101020101" pitchFamily="18" charset="-127"/>
-              <a:ea typeface="경기천년제목 Light" panose="02020403020101020101" pitchFamily="18" charset="-127"/>
-            </a:endParaRPr>
-          </a:p>
-        </p:txBody>
-      </p:sp>
-      <p:sp>
-        <p:nvSpPr>
-          <p:cNvPr id="3" name="양쪽 모서리가 둥근 사각형 2"/>
-          <p:cNvSpPr/>
-          <p:nvPr/>
-        </p:nvSpPr>
-        <p:spPr>
-          <a:xfrm>
-            <a:off x="581891" y="1560282"/>
-            <a:ext cx="2335878" cy="4596938"/>
-          </a:xfrm>
-          <a:prstGeom prst="round2SameRect">
-            <a:avLst/>
-          </a:prstGeom>
-          <a:noFill/>
-          <a:ln w="38100">
-            <a:solidFill>
-              <a:srgbClr val="86360E"/>
-            </a:solidFill>
-          </a:ln>
-        </p:spPr>
-        <p:style>
-          <a:lnRef idx="2">
-            <a:schemeClr val="accent1">
-              <a:shade val="50000"/>
-            </a:schemeClr>
-          </a:lnRef>
-          <a:fillRef idx="1">
-            <a:schemeClr val="accent1"/>
-          </a:fillRef>
-          <a:effectRef idx="0">
-            <a:schemeClr val="accent1"/>
-          </a:effectRef>
-          <a:fontRef idx="minor">
-            <a:schemeClr val="lt1"/>
-          </a:fontRef>
-        </p:style>
-        <p:txBody>
-          <a:bodyPr rtlCol="0" anchor="ctr"/>
-          <a:lstStyle/>
-          <a:p>
-            <a:pPr algn="ctr"/>
-            <a:r>
-              <a:rPr lang="ko-KR" altLang="en-US" b="1" dirty="0" err="1" smtClean="0">
-                <a:solidFill>
-                  <a:schemeClr val="tx1"/>
-                </a:solidFill>
-              </a:rPr>
-              <a:t>장민경</a:t>
-            </a:r>
-            <a:endParaRPr lang="en-US" altLang="ko-KR" b="1" dirty="0" smtClean="0">
-              <a:solidFill>
-                <a:schemeClr val="tx1"/>
-              </a:solidFill>
-            </a:endParaRPr>
-          </a:p>
-          <a:p>
-            <a:pPr algn="ctr"/>
-            <a:r>
-              <a:rPr lang="ko-KR" altLang="en-US" dirty="0" smtClean="0">
-                <a:solidFill>
-                  <a:schemeClr val="tx1"/>
-                </a:solidFill>
-              </a:rPr>
-              <a:t>커뮤니티</a:t>
-            </a:r>
-            <a:endParaRPr lang="en-US" altLang="ko-KR" dirty="0" smtClean="0">
-              <a:solidFill>
-                <a:schemeClr val="tx1"/>
-              </a:solidFill>
-            </a:endParaRPr>
-          </a:p>
-          <a:p>
-            <a:pPr algn="ctr"/>
-            <a:r>
-              <a:rPr lang="en-US" altLang="ko-KR" dirty="0" smtClean="0">
-                <a:solidFill>
-                  <a:schemeClr val="tx1"/>
-                </a:solidFill>
-              </a:rPr>
-              <a:t>(</a:t>
-            </a:r>
-            <a:r>
-              <a:rPr lang="ko-KR" altLang="en-US" smtClean="0">
-                <a:solidFill>
-                  <a:schemeClr val="tx1"/>
-                </a:solidFill>
-              </a:rPr>
-              <a:t>자유게시판</a:t>
-            </a:r>
-            <a:endParaRPr lang="en-US" altLang="ko-KR" dirty="0" smtClean="0">
-              <a:solidFill>
-                <a:schemeClr val="tx1"/>
-              </a:solidFill>
-            </a:endParaRPr>
-          </a:p>
-          <a:p>
-            <a:pPr algn="ctr"/>
-            <a:r>
-              <a:rPr lang="ko-KR" altLang="en-US" dirty="0" err="1" smtClean="0">
-                <a:solidFill>
-                  <a:schemeClr val="tx1"/>
-                </a:solidFill>
-              </a:rPr>
-              <a:t>리뷰게시판</a:t>
-            </a:r>
-            <a:r>
-              <a:rPr lang="en-US" altLang="ko-KR" smtClean="0">
-                <a:solidFill>
-                  <a:schemeClr val="tx1"/>
-                </a:solidFill>
-              </a:rPr>
-              <a:t>)</a:t>
-            </a:r>
-          </a:p>
-          <a:p>
-            <a:pPr algn="ctr"/>
-            <a:r>
-              <a:rPr lang="ko-KR" altLang="en-US" smtClean="0">
-                <a:solidFill>
-                  <a:schemeClr val="tx1"/>
-                </a:solidFill>
-              </a:rPr>
-              <a:t>게시글</a:t>
-            </a:r>
-            <a:endParaRPr lang="en-US" altLang="ko-KR" smtClean="0">
-              <a:solidFill>
-                <a:schemeClr val="tx1"/>
-              </a:solidFill>
-            </a:endParaRPr>
-          </a:p>
-          <a:p>
-            <a:pPr algn="ctr"/>
-            <a:r>
-              <a:rPr lang="ko-KR" altLang="en-US" smtClean="0">
-                <a:solidFill>
-                  <a:schemeClr val="tx1"/>
-                </a:solidFill>
-              </a:rPr>
-              <a:t>댓글</a:t>
-            </a:r>
-            <a:endParaRPr lang="ko-KR" altLang="en-US" dirty="0">
-              <a:solidFill>
-                <a:schemeClr val="tx1"/>
-              </a:solidFill>
-            </a:endParaRPr>
-          </a:p>
-        </p:txBody>
-      </p:sp>
-      <p:sp>
-        <p:nvSpPr>
-          <p:cNvPr id="9" name="양쪽 모서리가 둥근 사각형 8"/>
-          <p:cNvSpPr/>
-          <p:nvPr/>
-        </p:nvSpPr>
-        <p:spPr>
-          <a:xfrm>
-            <a:off x="3423460" y="1560282"/>
-            <a:ext cx="2335878" cy="4596938"/>
-          </a:xfrm>
-          <a:prstGeom prst="round2SameRect">
-            <a:avLst/>
-          </a:prstGeom>
-          <a:noFill/>
-          <a:ln w="38100">
-            <a:solidFill>
-              <a:srgbClr val="86360E"/>
-            </a:solidFill>
-          </a:ln>
-        </p:spPr>
-        <p:style>
-          <a:lnRef idx="2">
-            <a:schemeClr val="accent1">
-              <a:shade val="50000"/>
-            </a:schemeClr>
-          </a:lnRef>
-          <a:fillRef idx="1">
-            <a:schemeClr val="accent1"/>
-          </a:fillRef>
-          <a:effectRef idx="0">
-            <a:schemeClr val="accent1"/>
-          </a:effectRef>
-          <a:fontRef idx="minor">
-            <a:schemeClr val="lt1"/>
-          </a:fontRef>
-        </p:style>
-        <p:txBody>
-          <a:bodyPr rtlCol="0" anchor="ctr"/>
-          <a:lstStyle/>
-          <a:p>
-            <a:pPr algn="ctr"/>
-            <a:r>
-              <a:rPr lang="ko-KR" altLang="en-US" b="1" dirty="0" smtClean="0">
-                <a:solidFill>
-                  <a:schemeClr val="tx1"/>
-                </a:solidFill>
-              </a:rPr>
-              <a:t>조계인</a:t>
-            </a:r>
-            <a:endParaRPr lang="en-US" altLang="ko-KR" b="1" dirty="0" smtClean="0">
-              <a:solidFill>
-                <a:schemeClr val="tx1"/>
-              </a:solidFill>
-            </a:endParaRPr>
-          </a:p>
-          <a:p>
-            <a:pPr algn="ctr"/>
-            <a:r>
-              <a:rPr lang="en-US" altLang="ko-KR" dirty="0" err="1" smtClean="0">
-                <a:solidFill>
-                  <a:schemeClr val="tx1"/>
-                </a:solidFill>
-              </a:rPr>
-              <a:t>Ebook</a:t>
-            </a:r>
-            <a:endParaRPr lang="en-US" altLang="ko-KR" dirty="0" smtClean="0">
-              <a:solidFill>
-                <a:schemeClr val="tx1"/>
-              </a:solidFill>
-            </a:endParaRPr>
-          </a:p>
-          <a:p>
-            <a:pPr algn="ctr"/>
-            <a:r>
-              <a:rPr lang="ko-KR" altLang="en-US" dirty="0" smtClean="0">
-                <a:solidFill>
-                  <a:schemeClr val="tx1"/>
-                </a:solidFill>
-              </a:rPr>
-              <a:t>에피소드</a:t>
-            </a:r>
-            <a:endParaRPr lang="en-US" altLang="ko-KR" dirty="0" smtClean="0">
-              <a:solidFill>
-                <a:schemeClr val="tx1"/>
-              </a:solidFill>
-            </a:endParaRPr>
-          </a:p>
-          <a:p>
-            <a:pPr algn="ctr"/>
-            <a:r>
-              <a:rPr lang="ko-KR" altLang="en-US" dirty="0" smtClean="0">
-                <a:solidFill>
-                  <a:schemeClr val="tx1"/>
-                </a:solidFill>
-              </a:rPr>
-              <a:t>좋아요</a:t>
-            </a:r>
-            <a:endParaRPr lang="en-US" altLang="ko-KR" dirty="0" smtClean="0">
-              <a:solidFill>
-                <a:schemeClr val="tx1"/>
-              </a:solidFill>
-            </a:endParaRPr>
-          </a:p>
-          <a:p>
-            <a:pPr algn="ctr"/>
-            <a:r>
-              <a:rPr lang="ko-KR" altLang="en-US" smtClean="0">
-                <a:solidFill>
-                  <a:schemeClr val="tx1"/>
-                </a:solidFill>
-              </a:rPr>
-              <a:t>보관함</a:t>
-            </a:r>
-            <a:endParaRPr lang="ko-KR" altLang="en-US" dirty="0">
-              <a:solidFill>
-                <a:schemeClr val="tx1"/>
-              </a:solidFill>
-            </a:endParaRPr>
-          </a:p>
-        </p:txBody>
-      </p:sp>
-      <p:sp>
-        <p:nvSpPr>
-          <p:cNvPr id="10" name="양쪽 모서리가 둥근 사각형 9"/>
-          <p:cNvSpPr/>
-          <p:nvPr/>
-        </p:nvSpPr>
-        <p:spPr>
-          <a:xfrm>
-            <a:off x="6265029" y="1560282"/>
-            <a:ext cx="2335878" cy="4596938"/>
-          </a:xfrm>
-          <a:prstGeom prst="round2SameRect">
-            <a:avLst/>
-          </a:prstGeom>
-          <a:noFill/>
-          <a:ln w="38100">
-            <a:solidFill>
-              <a:srgbClr val="86360E"/>
-            </a:solidFill>
-          </a:ln>
-        </p:spPr>
-        <p:style>
-          <a:lnRef idx="2">
-            <a:schemeClr val="accent1">
-              <a:shade val="50000"/>
-            </a:schemeClr>
-          </a:lnRef>
-          <a:fillRef idx="1">
-            <a:schemeClr val="accent1"/>
-          </a:fillRef>
-          <a:effectRef idx="0">
-            <a:schemeClr val="accent1"/>
-          </a:effectRef>
-          <a:fontRef idx="minor">
-            <a:schemeClr val="lt1"/>
-          </a:fontRef>
-        </p:style>
-        <p:txBody>
-          <a:bodyPr rtlCol="0" anchor="ctr"/>
-          <a:lstStyle/>
-          <a:p>
-            <a:pPr algn="ctr"/>
-            <a:r>
-              <a:rPr lang="ko-KR" altLang="en-US" b="1" dirty="0" err="1" smtClean="0">
-                <a:solidFill>
-                  <a:schemeClr val="tx1"/>
-                </a:solidFill>
-              </a:rPr>
-              <a:t>강은비</a:t>
-            </a:r>
-            <a:endParaRPr lang="en-US" altLang="ko-KR" b="1" dirty="0" smtClean="0">
-              <a:solidFill>
-                <a:schemeClr val="tx1"/>
-              </a:solidFill>
-            </a:endParaRPr>
-          </a:p>
-          <a:p>
-            <a:pPr algn="ctr"/>
-            <a:r>
-              <a:rPr lang="ko-KR" altLang="en-US" dirty="0" smtClean="0">
-                <a:solidFill>
-                  <a:schemeClr val="tx1"/>
-                </a:solidFill>
-              </a:rPr>
-              <a:t>책</a:t>
-            </a:r>
-            <a:endParaRPr lang="en-US" altLang="ko-KR" dirty="0" smtClean="0">
-              <a:solidFill>
-                <a:schemeClr val="tx1"/>
-              </a:solidFill>
-            </a:endParaRPr>
-          </a:p>
-          <a:p>
-            <a:pPr algn="ctr"/>
-            <a:r>
-              <a:rPr lang="ko-KR" altLang="en-US" smtClean="0">
-                <a:solidFill>
-                  <a:schemeClr val="tx1"/>
-                </a:solidFill>
-              </a:rPr>
-              <a:t>책댓글</a:t>
-            </a:r>
-            <a:endParaRPr lang="en-US" altLang="ko-KR" smtClean="0">
-              <a:solidFill>
-                <a:schemeClr val="tx1"/>
-              </a:solidFill>
-            </a:endParaRPr>
-          </a:p>
-          <a:p>
-            <a:pPr algn="ctr"/>
-            <a:r>
-              <a:rPr lang="ko-KR" altLang="en-US" smtClean="0">
-                <a:solidFill>
-                  <a:schemeClr val="tx1"/>
-                </a:solidFill>
-              </a:rPr>
-              <a:t>장바구니</a:t>
-            </a:r>
-            <a:endParaRPr lang="en-US" altLang="ko-KR" smtClean="0">
-              <a:solidFill>
-                <a:schemeClr val="tx1"/>
-              </a:solidFill>
-            </a:endParaRPr>
-          </a:p>
-          <a:p>
-            <a:pPr algn="ctr"/>
-            <a:r>
-              <a:rPr lang="ko-KR" altLang="en-US" smtClean="0">
-                <a:solidFill>
-                  <a:schemeClr val="tx1"/>
-                </a:solidFill>
-              </a:rPr>
-              <a:t>주문</a:t>
-            </a:r>
-            <a:endParaRPr lang="ko-KR" altLang="en-US" dirty="0">
-              <a:solidFill>
-                <a:schemeClr val="tx1"/>
-              </a:solidFill>
-            </a:endParaRPr>
-          </a:p>
-        </p:txBody>
-      </p:sp>
-      <p:sp>
-        <p:nvSpPr>
-          <p:cNvPr id="11" name="양쪽 모서리가 둥근 사각형 10"/>
-          <p:cNvSpPr/>
-          <p:nvPr/>
-        </p:nvSpPr>
-        <p:spPr>
-          <a:xfrm>
-            <a:off x="9106598" y="1560282"/>
-            <a:ext cx="2335878" cy="4596938"/>
-          </a:xfrm>
-          <a:prstGeom prst="round2SameRect">
-            <a:avLst/>
-          </a:prstGeom>
-          <a:noFill/>
-          <a:ln w="38100">
-            <a:solidFill>
-              <a:srgbClr val="86360E"/>
-            </a:solidFill>
-          </a:ln>
-        </p:spPr>
-        <p:style>
-          <a:lnRef idx="2">
-            <a:schemeClr val="accent1">
-              <a:shade val="50000"/>
-            </a:schemeClr>
-          </a:lnRef>
-          <a:fillRef idx="1">
-            <a:schemeClr val="accent1"/>
-          </a:fillRef>
-          <a:effectRef idx="0">
-            <a:schemeClr val="accent1"/>
-          </a:effectRef>
-          <a:fontRef idx="minor">
-            <a:schemeClr val="lt1"/>
-          </a:fontRef>
-        </p:style>
-        <p:txBody>
-          <a:bodyPr rtlCol="0" anchor="ctr"/>
-          <a:lstStyle/>
-          <a:p>
-            <a:pPr algn="ctr"/>
-            <a:r>
-              <a:rPr lang="ko-KR" altLang="en-US" b="1" dirty="0" smtClean="0">
-                <a:solidFill>
-                  <a:schemeClr val="tx1"/>
-                </a:solidFill>
-              </a:rPr>
-              <a:t>박중현</a:t>
-            </a:r>
-            <a:endParaRPr lang="en-US" altLang="ko-KR" b="1" dirty="0" smtClean="0">
-              <a:solidFill>
-                <a:schemeClr val="tx1"/>
-              </a:solidFill>
-            </a:endParaRPr>
-          </a:p>
-          <a:p>
-            <a:pPr algn="ctr"/>
-            <a:r>
-              <a:rPr lang="ko-KR" altLang="en-US" dirty="0" smtClean="0">
-                <a:solidFill>
-                  <a:schemeClr val="tx1"/>
-                </a:solidFill>
-              </a:rPr>
-              <a:t>팀장</a:t>
-            </a:r>
-            <a:endParaRPr lang="en-US" altLang="ko-KR" smtClean="0">
-              <a:solidFill>
-                <a:schemeClr val="tx1"/>
-              </a:solidFill>
-            </a:endParaRPr>
-          </a:p>
-          <a:p>
-            <a:pPr algn="ctr"/>
-            <a:r>
-              <a:rPr lang="ko-KR" altLang="en-US" smtClean="0">
-                <a:solidFill>
-                  <a:schemeClr val="tx1"/>
-                </a:solidFill>
-              </a:rPr>
-              <a:t>로그인</a:t>
-            </a:r>
-            <a:endParaRPr lang="en-US" altLang="ko-KR" smtClean="0">
-              <a:solidFill>
-                <a:schemeClr val="tx1"/>
-              </a:solidFill>
-            </a:endParaRPr>
-          </a:p>
-          <a:p>
-            <a:pPr algn="ctr"/>
-            <a:r>
-              <a:rPr lang="ko-KR" altLang="en-US" smtClean="0">
-                <a:solidFill>
-                  <a:schemeClr val="tx1"/>
-                </a:solidFill>
-              </a:rPr>
-              <a:t>고객센터</a:t>
-            </a:r>
-            <a:endParaRPr lang="en-US" altLang="ko-KR" smtClean="0">
-              <a:solidFill>
-                <a:schemeClr val="tx1"/>
-              </a:solidFill>
-            </a:endParaRPr>
-          </a:p>
-          <a:p>
-            <a:pPr algn="ctr"/>
-            <a:r>
-              <a:rPr lang="ko-KR" altLang="en-US" smtClean="0">
-                <a:solidFill>
-                  <a:schemeClr val="tx1"/>
-                </a:solidFill>
-              </a:rPr>
-              <a:t>이용권</a:t>
-            </a:r>
-            <a:endParaRPr lang="ko-KR" altLang="en-US" dirty="0">
-              <a:solidFill>
-                <a:schemeClr val="tx1"/>
-              </a:solidFill>
-            </a:endParaRPr>
-          </a:p>
-        </p:txBody>
-      </p:sp>
-    </p:spTree>
-    <p:extLst>
-      <p:ext uri="{BB962C8B-B14F-4D97-AF65-F5344CB8AC3E}">
-        <p14:creationId xmlns:p14="http://schemas.microsoft.com/office/powerpoint/2010/main" val="1834651386"/>
-      </p:ext>
-    </p:extLst>
-  </p:cSld>
-  <p:clrMapOvr>
-    <a:masterClrMapping/>
-  </p:clrMapOvr>
-  <p:timing>
-    <p:tnLst>
-      <p:par>
-        <p:cTn id="1" dur="indefinite" restart="never" nodeType="tmRoot"/>
-      </p:par>
-    </p:tnLst>
-  </p:timing>
-</p:sld>
-</file>
-
-<file path=ppt/slides/slide4.xml><?xml version="1.0" encoding="utf-8"?>
-<p:sld xmlns:a="http://schemas.openxmlformats.org/drawingml/2006/main" xmlns:r="http://schemas.openxmlformats.org/officeDocument/2006/relationships" xmlns:p="http://schemas.openxmlformats.org/presentationml/2006/main">
-  <p:cSld>
-    <p:bg>
-      <p:bgPr>
-        <a:blipFill dpi="0" rotWithShape="1">
-          <a:blip r:embed="rId2">
-            <a:lum/>
-          </a:blip>
-          <a:srcRect/>
-          <a:stretch>
-            <a:fillRect l="-24000" r="-24000"/>
-          </a:stretch>
-        </a:blipFill>
-        <a:effectLst/>
-      </p:bgPr>
-    </p:bg>
-    <p:spTree>
-      <p:nvGrpSpPr>
-        <p:cNvPr id="1" name=""/>
-        <p:cNvGrpSpPr/>
-        <p:nvPr/>
-      </p:nvGrpSpPr>
-      <p:grpSpPr>
-        <a:xfrm>
-          <a:off x="0" y="0"/>
-          <a:ext cx="0" cy="0"/>
-          <a:chOff x="0" y="0"/>
-          <a:chExt cx="0" cy="0"/>
-        </a:xfrm>
-      </p:grpSpPr>
-      <p:sp>
-        <p:nvSpPr>
-          <p:cNvPr id="8" name="TextBox 7"/>
-          <p:cNvSpPr txBox="1"/>
-          <p:nvPr/>
-        </p:nvSpPr>
-        <p:spPr>
-          <a:xfrm>
-            <a:off x="5075959" y="672887"/>
-            <a:ext cx="2237509" cy="338554"/>
-          </a:xfrm>
-          <a:prstGeom prst="rect">
-            <a:avLst/>
-          </a:prstGeom>
-          <a:noFill/>
-        </p:spPr>
-        <p:txBody>
-          <a:bodyPr wrap="square" rtlCol="0">
-            <a:spAutoFit/>
-          </a:bodyPr>
-          <a:lstStyle/>
-          <a:p>
-            <a:r>
-              <a:rPr lang="ko-KR" altLang="en-US" sz="1600" dirty="0" smtClean="0">
-                <a:solidFill>
-                  <a:schemeClr val="accent2">
-                    <a:lumMod val="50000"/>
-                  </a:schemeClr>
-                </a:solidFill>
-                <a:latin typeface="경기천년제목 Light" panose="02020403020101020101" pitchFamily="18" charset="-127"/>
-                <a:ea typeface="경기천년제목 Light" panose="02020403020101020101" pitchFamily="18" charset="-127"/>
-              </a:rPr>
-              <a:t>사용한 프로그램 및 언어</a:t>
-            </a:r>
-            <a:endParaRPr lang="ko-KR" altLang="en-US" sz="1600" dirty="0">
-              <a:solidFill>
-                <a:schemeClr val="accent2">
-                  <a:lumMod val="50000"/>
-                </a:schemeClr>
-              </a:solidFill>
-              <a:latin typeface="경기천년제목 Light" panose="02020403020101020101" pitchFamily="18" charset="-127"/>
-              <a:ea typeface="경기천년제목 Light" panose="02020403020101020101" pitchFamily="18" charset="-127"/>
-            </a:endParaRPr>
-          </a:p>
-        </p:txBody>
-      </p:sp>
-      <p:sp>
-        <p:nvSpPr>
-          <p:cNvPr id="3" name="직사각형 2"/>
-          <p:cNvSpPr/>
-          <p:nvPr/>
-        </p:nvSpPr>
-        <p:spPr>
-          <a:xfrm>
-            <a:off x="0" y="916233"/>
-            <a:ext cx="12192000" cy="5941767"/>
-          </a:xfrm>
-          <a:prstGeom prst="rect">
-            <a:avLst/>
-          </a:prstGeom>
-          <a:solidFill>
-            <a:schemeClr val="tx1">
-              <a:alpha val="50000"/>
-            </a:schemeClr>
-          </a:solidFill>
-          <a:ln>
-            <a:noFill/>
-          </a:ln>
-        </p:spPr>
-        <p:style>
-          <a:lnRef idx="2">
-            <a:schemeClr val="accent1">
-              <a:shade val="50000"/>
-            </a:schemeClr>
-          </a:lnRef>
-          <a:fillRef idx="1">
-            <a:schemeClr val="accent1"/>
-          </a:fillRef>
-          <a:effectRef idx="0">
-            <a:schemeClr val="accent1"/>
-          </a:effectRef>
-          <a:fontRef idx="minor">
-            <a:schemeClr val="lt1"/>
-          </a:fontRef>
-        </p:style>
-        <p:txBody>
-          <a:bodyPr rtlCol="0" anchor="ctr"/>
-          <a:lstStyle/>
-          <a:p>
-            <a:pPr algn="ctr"/>
-            <a:endParaRPr lang="ko-KR" altLang="en-US"/>
-          </a:p>
-        </p:txBody>
-      </p:sp>
-      <p:sp>
-        <p:nvSpPr>
-          <p:cNvPr id="2" name="직사각형 1"/>
-          <p:cNvSpPr/>
-          <p:nvPr/>
-        </p:nvSpPr>
-        <p:spPr>
-          <a:xfrm>
-            <a:off x="0" y="0"/>
-            <a:ext cx="12192000" cy="920265"/>
-          </a:xfrm>
-          <a:prstGeom prst="rect">
-            <a:avLst/>
-          </a:prstGeom>
-          <a:solidFill>
-            <a:schemeClr val="bg1"/>
-          </a:solidFill>
-          <a:ln>
-            <a:noFill/>
-          </a:ln>
-        </p:spPr>
-        <p:style>
-          <a:lnRef idx="2">
-            <a:schemeClr val="accent1">
-              <a:shade val="50000"/>
-            </a:schemeClr>
-          </a:lnRef>
-          <a:fillRef idx="1">
-            <a:schemeClr val="accent1"/>
-          </a:fillRef>
-          <a:effectRef idx="0">
-            <a:schemeClr val="accent1"/>
-          </a:effectRef>
-          <a:fontRef idx="minor">
-            <a:schemeClr val="lt1"/>
-          </a:fontRef>
-        </p:style>
-        <p:txBody>
-          <a:bodyPr rtlCol="0" anchor="ctr"/>
-          <a:lstStyle/>
-          <a:p>
-            <a:pPr algn="ctr"/>
-            <a:endParaRPr lang="ko-KR" altLang="en-US"/>
-          </a:p>
-        </p:txBody>
-      </p:sp>
-      <p:sp>
-        <p:nvSpPr>
-          <p:cNvPr id="9" name="TextBox 8"/>
-          <p:cNvSpPr txBox="1"/>
-          <p:nvPr/>
-        </p:nvSpPr>
-        <p:spPr>
-          <a:xfrm>
-            <a:off x="814388" y="182549"/>
-            <a:ext cx="5385933" cy="523220"/>
-          </a:xfrm>
-          <a:prstGeom prst="rect">
-            <a:avLst/>
-          </a:prstGeom>
-          <a:noFill/>
-        </p:spPr>
-        <p:txBody>
-          <a:bodyPr wrap="square" rtlCol="0">
-            <a:spAutoFit/>
-          </a:bodyPr>
-          <a:lstStyle/>
-          <a:p>
-            <a:r>
-              <a:rPr lang="ko-KR" altLang="en-US" sz="2800" dirty="0" smtClean="0">
-                <a:latin typeface="경기천년제목 Medium" panose="02020603020101020101" pitchFamily="18" charset="-127"/>
-                <a:ea typeface="경기천년제목 Medium" panose="02020603020101020101" pitchFamily="18" charset="-127"/>
-              </a:rPr>
-              <a:t>기술</a:t>
-            </a:r>
-            <a:r>
-              <a:rPr lang="en-US" altLang="ko-KR" sz="2800" dirty="0" smtClean="0">
-                <a:latin typeface="경기천년제목 Medium" panose="02020603020101020101" pitchFamily="18" charset="-127"/>
-                <a:ea typeface="경기천년제목 Medium" panose="02020603020101020101" pitchFamily="18" charset="-127"/>
-              </a:rPr>
-              <a:t> </a:t>
-            </a:r>
-            <a:r>
-              <a:rPr lang="ko-KR" altLang="en-US" sz="2800" dirty="0" smtClean="0">
-                <a:latin typeface="경기천년제목 Medium" panose="02020603020101020101" pitchFamily="18" charset="-127"/>
-                <a:ea typeface="경기천년제목 Medium" panose="02020603020101020101" pitchFamily="18" charset="-127"/>
-              </a:rPr>
-              <a:t>스택 </a:t>
-            </a:r>
-            <a:r>
-              <a:rPr lang="en-US" altLang="ko-KR" dirty="0" smtClean="0">
-                <a:solidFill>
-                  <a:srgbClr val="86360E"/>
-                </a:solidFill>
-                <a:latin typeface="경기천년제목 Medium" panose="02020603020101020101" pitchFamily="18" charset="-127"/>
-                <a:ea typeface="경기천년제목 Medium" panose="02020603020101020101" pitchFamily="18" charset="-127"/>
-              </a:rPr>
-              <a:t>FRONT_END, BACK_END, TOOLS</a:t>
-            </a:r>
-            <a:endParaRPr lang="ko-KR" altLang="en-US" dirty="0">
-              <a:solidFill>
-                <a:srgbClr val="86360E"/>
-              </a:solidFill>
-              <a:latin typeface="경기천년제목 Medium" panose="02020603020101020101" pitchFamily="18" charset="-127"/>
-              <a:ea typeface="경기천년제목 Medium" panose="02020603020101020101" pitchFamily="18" charset="-127"/>
-            </a:endParaRPr>
-          </a:p>
-        </p:txBody>
-      </p:sp>
-      <p:sp>
-        <p:nvSpPr>
-          <p:cNvPr id="12" name="직사각형 11"/>
-          <p:cNvSpPr/>
-          <p:nvPr/>
-        </p:nvSpPr>
-        <p:spPr>
-          <a:xfrm>
-            <a:off x="0" y="416553"/>
-            <a:ext cx="803564" cy="83127"/>
-          </a:xfrm>
-          <a:prstGeom prst="rect">
-            <a:avLst/>
-          </a:prstGeom>
-          <a:solidFill>
-            <a:srgbClr val="86360E"/>
-          </a:solidFill>
-          <a:ln>
-            <a:noFill/>
-          </a:ln>
-        </p:spPr>
-        <p:style>
-          <a:lnRef idx="2">
-            <a:schemeClr val="accent1">
-              <a:shade val="50000"/>
-            </a:schemeClr>
-          </a:lnRef>
-          <a:fillRef idx="1">
-            <a:schemeClr val="accent1"/>
-          </a:fillRef>
-          <a:effectRef idx="0">
-            <a:schemeClr val="accent1"/>
-          </a:effectRef>
-          <a:fontRef idx="minor">
-            <a:schemeClr val="lt1"/>
-          </a:fontRef>
-        </p:style>
-        <p:txBody>
-          <a:bodyPr rtlCol="0" anchor="ctr"/>
-          <a:lstStyle/>
-          <a:p>
-            <a:pPr algn="ctr"/>
-            <a:endParaRPr lang="ko-KR" altLang="en-US"/>
-          </a:p>
-        </p:txBody>
-      </p:sp>
-      <p:sp>
-        <p:nvSpPr>
-          <p:cNvPr id="15" name="오각형 14"/>
-          <p:cNvSpPr/>
-          <p:nvPr/>
-        </p:nvSpPr>
-        <p:spPr>
-          <a:xfrm>
-            <a:off x="1841274" y="1120382"/>
-            <a:ext cx="3347172" cy="304800"/>
-          </a:xfrm>
-          <a:prstGeom prst="homePlate">
-            <a:avLst/>
-          </a:prstGeom>
-          <a:solidFill>
-            <a:schemeClr val="bg1"/>
-          </a:solidFill>
-          <a:ln>
-            <a:noFill/>
-          </a:ln>
-          <a:effectLst>
-            <a:innerShdw blurRad="63500" dist="50800" dir="5400000">
-              <a:prstClr val="black">
-                <a:alpha val="50000"/>
-              </a:prstClr>
-            </a:innerShdw>
-          </a:effectLst>
-        </p:spPr>
-        <p:style>
-          <a:lnRef idx="2">
-            <a:schemeClr val="accent1">
-              <a:shade val="50000"/>
-            </a:schemeClr>
-          </a:lnRef>
-          <a:fillRef idx="1">
-            <a:schemeClr val="accent1"/>
-          </a:fillRef>
-          <a:effectRef idx="0">
-            <a:schemeClr val="accent1"/>
-          </a:effectRef>
-          <a:fontRef idx="minor">
-            <a:schemeClr val="lt1"/>
-          </a:fontRef>
-        </p:style>
-        <p:txBody>
-          <a:bodyPr rtlCol="0" anchor="ctr"/>
-          <a:lstStyle/>
-          <a:p>
-            <a:pPr algn="ctr"/>
-            <a:endParaRPr lang="ko-KR" altLang="en-US"/>
-          </a:p>
-        </p:txBody>
-      </p:sp>
-      <p:sp>
-        <p:nvSpPr>
-          <p:cNvPr id="16" name="오각형 15"/>
-          <p:cNvSpPr/>
-          <p:nvPr/>
-        </p:nvSpPr>
-        <p:spPr>
-          <a:xfrm>
-            <a:off x="1841274" y="4916522"/>
-            <a:ext cx="3347172" cy="304800"/>
-          </a:xfrm>
-          <a:prstGeom prst="homePlate">
-            <a:avLst/>
-          </a:prstGeom>
-          <a:solidFill>
-            <a:schemeClr val="bg1"/>
-          </a:solidFill>
-          <a:ln>
-            <a:noFill/>
-          </a:ln>
-          <a:effectLst>
-            <a:innerShdw blurRad="63500" dist="50800" dir="5400000">
-              <a:prstClr val="black">
-                <a:alpha val="50000"/>
-              </a:prstClr>
-            </a:innerShdw>
-          </a:effectLst>
-        </p:spPr>
-        <p:style>
-          <a:lnRef idx="2">
-            <a:schemeClr val="accent1">
-              <a:shade val="50000"/>
-            </a:schemeClr>
-          </a:lnRef>
-          <a:fillRef idx="1">
-            <a:schemeClr val="accent1"/>
-          </a:fillRef>
-          <a:effectRef idx="0">
-            <a:schemeClr val="accent1"/>
-          </a:effectRef>
-          <a:fontRef idx="minor">
-            <a:schemeClr val="lt1"/>
-          </a:fontRef>
-        </p:style>
-        <p:txBody>
-          <a:bodyPr rtlCol="0" anchor="ctr"/>
-          <a:lstStyle/>
-          <a:p>
-            <a:pPr algn="ctr"/>
-            <a:endParaRPr lang="ko-KR" altLang="en-US"/>
-          </a:p>
-        </p:txBody>
-      </p:sp>
-      <p:sp>
-        <p:nvSpPr>
-          <p:cNvPr id="17" name="TextBox 16"/>
-          <p:cNvSpPr txBox="1"/>
-          <p:nvPr/>
-        </p:nvSpPr>
-        <p:spPr>
-          <a:xfrm>
-            <a:off x="2789267" y="1085720"/>
-            <a:ext cx="3731491" cy="369332"/>
-          </a:xfrm>
-          <a:prstGeom prst="rect">
-            <a:avLst/>
-          </a:prstGeom>
-          <a:noFill/>
-        </p:spPr>
-        <p:txBody>
-          <a:bodyPr wrap="square" rtlCol="0">
-            <a:spAutoFit/>
-          </a:bodyPr>
-          <a:lstStyle/>
-          <a:p>
-            <a:r>
-              <a:rPr lang="en-US" altLang="ko-KR" dirty="0" smtClean="0"/>
-              <a:t>FRONT-END</a:t>
-            </a:r>
-            <a:endParaRPr lang="ko-KR" altLang="en-US" dirty="0"/>
-          </a:p>
-        </p:txBody>
-      </p:sp>
-      <p:sp>
-        <p:nvSpPr>
-          <p:cNvPr id="18" name="TextBox 17"/>
-          <p:cNvSpPr txBox="1"/>
-          <p:nvPr/>
-        </p:nvSpPr>
-        <p:spPr>
-          <a:xfrm>
-            <a:off x="3079527" y="4884256"/>
-            <a:ext cx="1232475" cy="369332"/>
-          </a:xfrm>
-          <a:prstGeom prst="rect">
-            <a:avLst/>
-          </a:prstGeom>
-          <a:noFill/>
-        </p:spPr>
-        <p:txBody>
-          <a:bodyPr wrap="square" rtlCol="0">
-            <a:spAutoFit/>
-          </a:bodyPr>
-          <a:lstStyle/>
-          <a:p>
-            <a:r>
-              <a:rPr lang="en-US" altLang="ko-KR" dirty="0" smtClean="0"/>
-              <a:t>TOOLS</a:t>
-            </a:r>
-            <a:endParaRPr lang="ko-KR" altLang="en-US" dirty="0"/>
-          </a:p>
-        </p:txBody>
-      </p:sp>
-      <p:sp>
-        <p:nvSpPr>
-          <p:cNvPr id="22" name="모서리가 둥근 직사각형 21"/>
-          <p:cNvSpPr/>
-          <p:nvPr/>
-        </p:nvSpPr>
-        <p:spPr>
-          <a:xfrm>
-            <a:off x="1837214" y="1601542"/>
-            <a:ext cx="1224000" cy="1224000"/>
-          </a:xfrm>
-          <a:prstGeom prst="roundRect">
-            <a:avLst/>
-          </a:prstGeom>
-          <a:solidFill>
-            <a:schemeClr val="bg1"/>
-          </a:solidFill>
-          <a:ln w="31750">
-            <a:solidFill>
-              <a:schemeClr val="bg1">
-                <a:lumMod val="50000"/>
-              </a:schemeClr>
-            </a:solidFill>
-          </a:ln>
-        </p:spPr>
-        <p:style>
-          <a:lnRef idx="2">
-            <a:schemeClr val="accent1">
-              <a:shade val="50000"/>
-            </a:schemeClr>
-          </a:lnRef>
-          <a:fillRef idx="1">
-            <a:schemeClr val="accent1"/>
-          </a:fillRef>
-          <a:effectRef idx="0">
-            <a:schemeClr val="accent1"/>
-          </a:effectRef>
-          <a:fontRef idx="minor">
-            <a:schemeClr val="lt1"/>
-          </a:fontRef>
-        </p:style>
-        <p:txBody>
-          <a:bodyPr rtlCol="0" anchor="ctr"/>
-          <a:lstStyle/>
-          <a:p>
-            <a:pPr algn="ctr"/>
-            <a:endParaRPr lang="ko-KR" altLang="en-US"/>
-          </a:p>
-        </p:txBody>
-      </p:sp>
-      <p:sp>
-        <p:nvSpPr>
-          <p:cNvPr id="40" name="오각형 39"/>
-          <p:cNvSpPr/>
-          <p:nvPr/>
-        </p:nvSpPr>
-        <p:spPr>
-          <a:xfrm>
-            <a:off x="1841274" y="3004298"/>
-            <a:ext cx="3347172" cy="304800"/>
-          </a:xfrm>
-          <a:prstGeom prst="homePlate">
-            <a:avLst/>
-          </a:prstGeom>
-          <a:solidFill>
-            <a:schemeClr val="bg1"/>
-          </a:solidFill>
-          <a:ln>
-            <a:noFill/>
-          </a:ln>
-          <a:effectLst>
-            <a:innerShdw blurRad="63500" dist="50800" dir="5400000">
-              <a:prstClr val="black">
-                <a:alpha val="50000"/>
-              </a:prstClr>
-            </a:innerShdw>
-          </a:effectLst>
-        </p:spPr>
-        <p:style>
-          <a:lnRef idx="2">
-            <a:schemeClr val="accent1">
-              <a:shade val="50000"/>
-            </a:schemeClr>
-          </a:lnRef>
-          <a:fillRef idx="1">
-            <a:schemeClr val="accent1"/>
-          </a:fillRef>
-          <a:effectRef idx="0">
-            <a:schemeClr val="accent1"/>
-          </a:effectRef>
-          <a:fontRef idx="minor">
-            <a:schemeClr val="lt1"/>
-          </a:fontRef>
-        </p:style>
-        <p:txBody>
-          <a:bodyPr rtlCol="0" anchor="ctr"/>
-          <a:lstStyle/>
-          <a:p>
-            <a:pPr algn="ctr"/>
-            <a:endParaRPr lang="ko-KR" altLang="en-US"/>
-          </a:p>
-        </p:txBody>
-      </p:sp>
-      <p:sp>
-        <p:nvSpPr>
-          <p:cNvPr id="41" name="TextBox 40"/>
-          <p:cNvSpPr txBox="1"/>
-          <p:nvPr/>
-        </p:nvSpPr>
-        <p:spPr>
-          <a:xfrm>
-            <a:off x="2762654" y="2972032"/>
-            <a:ext cx="2339288" cy="369332"/>
-          </a:xfrm>
-          <a:prstGeom prst="rect">
-            <a:avLst/>
-          </a:prstGeom>
-          <a:noFill/>
-        </p:spPr>
-        <p:txBody>
-          <a:bodyPr wrap="square" rtlCol="0">
-            <a:spAutoFit/>
-          </a:bodyPr>
-          <a:lstStyle/>
-          <a:p>
-            <a:r>
-              <a:rPr lang="en-US" altLang="ko-KR" dirty="0"/>
-              <a:t>BACK-END</a:t>
-            </a:r>
-            <a:endParaRPr lang="ko-KR" altLang="en-US" dirty="0"/>
-          </a:p>
-        </p:txBody>
-      </p:sp>
-      <p:sp>
-        <p:nvSpPr>
-          <p:cNvPr id="42" name="모서리가 둥근 직사각형 41"/>
-          <p:cNvSpPr/>
-          <p:nvPr/>
-        </p:nvSpPr>
-        <p:spPr>
-          <a:xfrm>
-            <a:off x="1855527" y="3485240"/>
-            <a:ext cx="1224000" cy="1224000"/>
-          </a:xfrm>
-          <a:prstGeom prst="roundRect">
-            <a:avLst/>
-          </a:prstGeom>
-          <a:solidFill>
-            <a:schemeClr val="bg1"/>
-          </a:solidFill>
-          <a:ln w="31750">
-            <a:solidFill>
-              <a:schemeClr val="bg1">
-                <a:lumMod val="50000"/>
-              </a:schemeClr>
-            </a:solidFill>
-          </a:ln>
-        </p:spPr>
-        <p:style>
-          <a:lnRef idx="2">
-            <a:schemeClr val="accent1">
-              <a:shade val="50000"/>
-            </a:schemeClr>
-          </a:lnRef>
-          <a:fillRef idx="1">
-            <a:schemeClr val="accent1"/>
-          </a:fillRef>
-          <a:effectRef idx="0">
-            <a:schemeClr val="accent1"/>
-          </a:effectRef>
-          <a:fontRef idx="minor">
-            <a:schemeClr val="lt1"/>
-          </a:fontRef>
-        </p:style>
-        <p:txBody>
-          <a:bodyPr rtlCol="0" anchor="ctr"/>
-          <a:lstStyle/>
-          <a:p>
-            <a:pPr algn="ctr"/>
-            <a:endParaRPr lang="ko-KR" altLang="en-US"/>
-          </a:p>
-        </p:txBody>
-      </p:sp>
-      <p:sp>
-        <p:nvSpPr>
-          <p:cNvPr id="43" name="모서리가 둥근 직사각형 42"/>
-          <p:cNvSpPr/>
-          <p:nvPr/>
-        </p:nvSpPr>
-        <p:spPr>
-          <a:xfrm>
-            <a:off x="1837214" y="5400502"/>
-            <a:ext cx="1224000" cy="1224000"/>
-          </a:xfrm>
-          <a:prstGeom prst="roundRect">
-            <a:avLst/>
-          </a:prstGeom>
-          <a:solidFill>
-            <a:schemeClr val="bg1"/>
-          </a:solidFill>
-          <a:ln w="31750">
-            <a:solidFill>
-              <a:schemeClr val="bg1">
-                <a:lumMod val="50000"/>
-              </a:schemeClr>
-            </a:solidFill>
-          </a:ln>
-        </p:spPr>
-        <p:style>
-          <a:lnRef idx="2">
-            <a:schemeClr val="accent1">
-              <a:shade val="50000"/>
-            </a:schemeClr>
-          </a:lnRef>
-          <a:fillRef idx="1">
-            <a:schemeClr val="accent1"/>
-          </a:fillRef>
-          <a:effectRef idx="0">
-            <a:schemeClr val="accent1"/>
-          </a:effectRef>
-          <a:fontRef idx="minor">
-            <a:schemeClr val="lt1"/>
-          </a:fontRef>
-        </p:style>
-        <p:txBody>
-          <a:bodyPr rtlCol="0" anchor="ctr"/>
-          <a:lstStyle/>
-          <a:p>
-            <a:pPr algn="ctr"/>
-            <a:endParaRPr lang="ko-KR" altLang="en-US"/>
-          </a:p>
-        </p:txBody>
-      </p:sp>
-      <p:sp>
-        <p:nvSpPr>
-          <p:cNvPr id="44" name="모서리가 둥근 직사각형 43"/>
-          <p:cNvSpPr/>
-          <p:nvPr/>
-        </p:nvSpPr>
-        <p:spPr>
-          <a:xfrm>
-            <a:off x="3291583" y="1600277"/>
-            <a:ext cx="1224000" cy="1224000"/>
-          </a:xfrm>
-          <a:prstGeom prst="roundRect">
-            <a:avLst/>
-          </a:prstGeom>
-          <a:solidFill>
-            <a:schemeClr val="bg1"/>
-          </a:solidFill>
-          <a:ln w="31750">
-            <a:solidFill>
-              <a:schemeClr val="bg1">
-                <a:lumMod val="50000"/>
-              </a:schemeClr>
-            </a:solidFill>
-          </a:ln>
-        </p:spPr>
-        <p:style>
-          <a:lnRef idx="2">
-            <a:schemeClr val="accent1">
-              <a:shade val="50000"/>
-            </a:schemeClr>
-          </a:lnRef>
-          <a:fillRef idx="1">
-            <a:schemeClr val="accent1"/>
-          </a:fillRef>
-          <a:effectRef idx="0">
-            <a:schemeClr val="accent1"/>
-          </a:effectRef>
-          <a:fontRef idx="minor">
-            <a:schemeClr val="lt1"/>
-          </a:fontRef>
-        </p:style>
-        <p:txBody>
-          <a:bodyPr rtlCol="0" anchor="ctr"/>
-          <a:lstStyle/>
-          <a:p>
-            <a:pPr algn="ctr"/>
-            <a:endParaRPr lang="ko-KR" altLang="en-US"/>
-          </a:p>
-        </p:txBody>
-      </p:sp>
-      <p:sp>
-        <p:nvSpPr>
-          <p:cNvPr id="45" name="모서리가 둥근 직사각형 44"/>
-          <p:cNvSpPr/>
-          <p:nvPr/>
-        </p:nvSpPr>
-        <p:spPr>
-          <a:xfrm>
-            <a:off x="4745952" y="1600277"/>
-            <a:ext cx="1224000" cy="1224000"/>
-          </a:xfrm>
-          <a:prstGeom prst="roundRect">
-            <a:avLst/>
-          </a:prstGeom>
-          <a:solidFill>
-            <a:schemeClr val="bg1"/>
-          </a:solidFill>
-          <a:ln w="31750">
-            <a:solidFill>
-              <a:schemeClr val="bg1">
-                <a:lumMod val="50000"/>
-              </a:schemeClr>
-            </a:solidFill>
-          </a:ln>
-        </p:spPr>
-        <p:style>
-          <a:lnRef idx="2">
-            <a:schemeClr val="accent1">
-              <a:shade val="50000"/>
-            </a:schemeClr>
-          </a:lnRef>
-          <a:fillRef idx="1">
-            <a:schemeClr val="accent1"/>
-          </a:fillRef>
-          <a:effectRef idx="0">
-            <a:schemeClr val="accent1"/>
-          </a:effectRef>
-          <a:fontRef idx="minor">
-            <a:schemeClr val="lt1"/>
-          </a:fontRef>
-        </p:style>
-        <p:txBody>
-          <a:bodyPr rtlCol="0" anchor="ctr"/>
-          <a:lstStyle/>
-          <a:p>
-            <a:pPr algn="ctr"/>
-            <a:endParaRPr lang="ko-KR" altLang="en-US"/>
-          </a:p>
-        </p:txBody>
-      </p:sp>
-      <p:sp>
-        <p:nvSpPr>
-          <p:cNvPr id="47" name="모서리가 둥근 직사각형 46"/>
-          <p:cNvSpPr/>
-          <p:nvPr/>
-        </p:nvSpPr>
-        <p:spPr>
-          <a:xfrm>
-            <a:off x="6200321" y="1600277"/>
-            <a:ext cx="1224000" cy="1224000"/>
-          </a:xfrm>
-          <a:prstGeom prst="roundRect">
-            <a:avLst/>
-          </a:prstGeom>
-          <a:solidFill>
-            <a:schemeClr val="bg1"/>
-          </a:solidFill>
-          <a:ln w="31750">
-            <a:solidFill>
-              <a:schemeClr val="bg1">
-                <a:lumMod val="50000"/>
-              </a:schemeClr>
-            </a:solidFill>
-          </a:ln>
-        </p:spPr>
-        <p:style>
-          <a:lnRef idx="2">
-            <a:schemeClr val="accent1">
-              <a:shade val="50000"/>
-            </a:schemeClr>
-          </a:lnRef>
-          <a:fillRef idx="1">
-            <a:schemeClr val="accent1"/>
-          </a:fillRef>
-          <a:effectRef idx="0">
-            <a:schemeClr val="accent1"/>
-          </a:effectRef>
-          <a:fontRef idx="minor">
-            <a:schemeClr val="lt1"/>
-          </a:fontRef>
-        </p:style>
-        <p:txBody>
-          <a:bodyPr rtlCol="0" anchor="ctr"/>
-          <a:lstStyle/>
-          <a:p>
-            <a:pPr algn="ctr"/>
-            <a:endParaRPr lang="ko-KR" altLang="en-US"/>
-          </a:p>
-        </p:txBody>
-      </p:sp>
-      <p:sp>
-        <p:nvSpPr>
-          <p:cNvPr id="51" name="모서리가 둥근 직사각형 50"/>
-          <p:cNvSpPr/>
-          <p:nvPr/>
-        </p:nvSpPr>
-        <p:spPr>
-          <a:xfrm>
-            <a:off x="3291583" y="3490979"/>
-            <a:ext cx="1224000" cy="1224000"/>
-          </a:xfrm>
-          <a:prstGeom prst="roundRect">
-            <a:avLst/>
-          </a:prstGeom>
-          <a:solidFill>
-            <a:schemeClr val="bg1"/>
-          </a:solidFill>
-          <a:ln w="31750">
-            <a:solidFill>
-              <a:schemeClr val="bg1">
-                <a:lumMod val="50000"/>
-              </a:schemeClr>
-            </a:solidFill>
-          </a:ln>
-        </p:spPr>
-        <p:style>
-          <a:lnRef idx="2">
-            <a:schemeClr val="accent1">
-              <a:shade val="50000"/>
-            </a:schemeClr>
-          </a:lnRef>
-          <a:fillRef idx="1">
-            <a:schemeClr val="accent1"/>
-          </a:fillRef>
-          <a:effectRef idx="0">
-            <a:schemeClr val="accent1"/>
-          </a:effectRef>
-          <a:fontRef idx="minor">
-            <a:schemeClr val="lt1"/>
-          </a:fontRef>
-        </p:style>
-        <p:txBody>
-          <a:bodyPr rtlCol="0" anchor="ctr"/>
-          <a:lstStyle/>
-          <a:p>
-            <a:pPr algn="ctr"/>
-            <a:endParaRPr lang="ko-KR" altLang="en-US"/>
-          </a:p>
-        </p:txBody>
-      </p:sp>
-      <p:sp>
-        <p:nvSpPr>
-          <p:cNvPr id="52" name="모서리가 둥근 직사각형 51"/>
-          <p:cNvSpPr/>
-          <p:nvPr/>
-        </p:nvSpPr>
-        <p:spPr>
-          <a:xfrm>
-            <a:off x="4745952" y="3489714"/>
-            <a:ext cx="1224000" cy="1224000"/>
-          </a:xfrm>
-          <a:prstGeom prst="roundRect">
-            <a:avLst/>
-          </a:prstGeom>
-          <a:solidFill>
-            <a:schemeClr val="bg1"/>
-          </a:solidFill>
-          <a:ln w="31750">
-            <a:solidFill>
-              <a:schemeClr val="bg1">
-                <a:lumMod val="50000"/>
-              </a:schemeClr>
-            </a:solidFill>
-          </a:ln>
-        </p:spPr>
-        <p:style>
-          <a:lnRef idx="2">
-            <a:schemeClr val="accent1">
-              <a:shade val="50000"/>
-            </a:schemeClr>
-          </a:lnRef>
-          <a:fillRef idx="1">
-            <a:schemeClr val="accent1"/>
-          </a:fillRef>
-          <a:effectRef idx="0">
-            <a:schemeClr val="accent1"/>
-          </a:effectRef>
-          <a:fontRef idx="minor">
-            <a:schemeClr val="lt1"/>
-          </a:fontRef>
-        </p:style>
-        <p:txBody>
-          <a:bodyPr rtlCol="0" anchor="ctr"/>
-          <a:lstStyle/>
-          <a:p>
-            <a:pPr algn="ctr"/>
-            <a:endParaRPr lang="ko-KR" altLang="en-US"/>
-          </a:p>
-        </p:txBody>
-      </p:sp>
-      <p:sp>
-        <p:nvSpPr>
-          <p:cNvPr id="57" name="모서리가 둥근 직사각형 56"/>
-          <p:cNvSpPr/>
-          <p:nvPr/>
-        </p:nvSpPr>
-        <p:spPr>
-          <a:xfrm>
-            <a:off x="3291583" y="5403022"/>
-            <a:ext cx="1224000" cy="1224000"/>
-          </a:xfrm>
-          <a:prstGeom prst="roundRect">
-            <a:avLst/>
-          </a:prstGeom>
-          <a:solidFill>
-            <a:schemeClr val="bg1"/>
-          </a:solidFill>
-          <a:ln w="31750">
-            <a:solidFill>
-              <a:schemeClr val="bg1">
-                <a:lumMod val="50000"/>
-              </a:schemeClr>
-            </a:solidFill>
-          </a:ln>
-        </p:spPr>
-        <p:style>
-          <a:lnRef idx="2">
-            <a:schemeClr val="accent1">
-              <a:shade val="50000"/>
-            </a:schemeClr>
-          </a:lnRef>
-          <a:fillRef idx="1">
-            <a:schemeClr val="accent1"/>
-          </a:fillRef>
-          <a:effectRef idx="0">
-            <a:schemeClr val="accent1"/>
-          </a:effectRef>
-          <a:fontRef idx="minor">
-            <a:schemeClr val="lt1"/>
-          </a:fontRef>
-        </p:style>
-        <p:txBody>
-          <a:bodyPr rtlCol="0" anchor="ctr"/>
-          <a:lstStyle/>
-          <a:p>
-            <a:pPr algn="ctr"/>
-            <a:endParaRPr lang="ko-KR" altLang="en-US"/>
-          </a:p>
-        </p:txBody>
-      </p:sp>
-      <p:sp>
-        <p:nvSpPr>
-          <p:cNvPr id="58" name="모서리가 둥근 직사각형 57"/>
-          <p:cNvSpPr/>
-          <p:nvPr/>
-        </p:nvSpPr>
-        <p:spPr>
-          <a:xfrm>
-            <a:off x="4745952" y="5401757"/>
-            <a:ext cx="1224000" cy="1224000"/>
-          </a:xfrm>
-          <a:prstGeom prst="roundRect">
-            <a:avLst/>
-          </a:prstGeom>
-          <a:solidFill>
-            <a:schemeClr val="bg1"/>
-          </a:solidFill>
-          <a:ln w="31750">
-            <a:solidFill>
-              <a:schemeClr val="bg1">
-                <a:lumMod val="50000"/>
-              </a:schemeClr>
-            </a:solidFill>
-          </a:ln>
-        </p:spPr>
-        <p:style>
-          <a:lnRef idx="2">
-            <a:schemeClr val="accent1">
-              <a:shade val="50000"/>
-            </a:schemeClr>
-          </a:lnRef>
-          <a:fillRef idx="1">
-            <a:schemeClr val="accent1"/>
-          </a:fillRef>
-          <a:effectRef idx="0">
-            <a:schemeClr val="accent1"/>
-          </a:effectRef>
-          <a:fontRef idx="minor">
-            <a:schemeClr val="lt1"/>
-          </a:fontRef>
-        </p:style>
-        <p:txBody>
-          <a:bodyPr rtlCol="0" anchor="ctr"/>
-          <a:lstStyle/>
-          <a:p>
-            <a:pPr algn="ctr"/>
-            <a:endParaRPr lang="ko-KR" altLang="en-US"/>
-          </a:p>
-        </p:txBody>
-      </p:sp>
-      <p:sp>
-        <p:nvSpPr>
-          <p:cNvPr id="59" name="모서리가 둥근 직사각형 58"/>
-          <p:cNvSpPr/>
-          <p:nvPr/>
-        </p:nvSpPr>
-        <p:spPr>
-          <a:xfrm>
-            <a:off x="6200321" y="5401757"/>
-            <a:ext cx="1224000" cy="1224000"/>
-          </a:xfrm>
-          <a:prstGeom prst="roundRect">
-            <a:avLst/>
-          </a:prstGeom>
-          <a:solidFill>
-            <a:schemeClr val="bg1"/>
-          </a:solidFill>
-          <a:ln w="31750">
-            <a:solidFill>
-              <a:schemeClr val="bg1">
-                <a:lumMod val="50000"/>
-              </a:schemeClr>
-            </a:solidFill>
-          </a:ln>
-        </p:spPr>
-        <p:style>
-          <a:lnRef idx="2">
-            <a:schemeClr val="accent1">
-              <a:shade val="50000"/>
-            </a:schemeClr>
-          </a:lnRef>
-          <a:fillRef idx="1">
-            <a:schemeClr val="accent1"/>
-          </a:fillRef>
-          <a:effectRef idx="0">
-            <a:schemeClr val="accent1"/>
-          </a:effectRef>
-          <a:fontRef idx="minor">
-            <a:schemeClr val="lt1"/>
-          </a:fontRef>
-        </p:style>
-        <p:txBody>
-          <a:bodyPr rtlCol="0" anchor="ctr"/>
-          <a:lstStyle/>
-          <a:p>
-            <a:pPr algn="ctr"/>
-            <a:endParaRPr lang="ko-KR" altLang="en-US"/>
-          </a:p>
-        </p:txBody>
-      </p:sp>
-      <p:pic>
-        <p:nvPicPr>
-          <p:cNvPr id="19" name="그림 18"/>
-          <p:cNvPicPr>
-            <a:picLocks noChangeAspect="1"/>
-          </p:cNvPicPr>
-          <p:nvPr/>
-        </p:nvPicPr>
-        <p:blipFill>
-          <a:blip r:embed="rId3" cstate="print">
-            <a:extLst>
-              <a:ext uri="{28A0092B-C50C-407E-A947-70E740481C1C}">
-                <a14:useLocalDpi xmlns:a14="http://schemas.microsoft.com/office/drawing/2010/main" val="0"/>
-              </a:ext>
-            </a:extLst>
-          </a:blip>
-          <a:stretch>
-            <a:fillRect/>
-          </a:stretch>
-        </p:blipFill>
-        <p:spPr>
-          <a:xfrm>
-            <a:off x="1953914" y="1745398"/>
-            <a:ext cx="990600" cy="990600"/>
-          </a:xfrm>
-          <a:prstGeom prst="rect">
-            <a:avLst/>
-          </a:prstGeom>
-          <a:ln>
-            <a:noFill/>
-          </a:ln>
-          <a:effectLst>
-            <a:outerShdw blurRad="292100" dist="139700" dir="2700000" algn="tl" rotWithShape="0">
-              <a:srgbClr val="333333">
-                <a:alpha val="65000"/>
-              </a:srgbClr>
-            </a:outerShdw>
-          </a:effectLst>
-        </p:spPr>
-      </p:pic>
-      <p:pic>
-        <p:nvPicPr>
-          <p:cNvPr id="63" name="그림 62"/>
-          <p:cNvPicPr>
-            <a:picLocks noChangeAspect="1"/>
-          </p:cNvPicPr>
-          <p:nvPr/>
-        </p:nvPicPr>
-        <p:blipFill>
-          <a:blip r:embed="rId4" cstate="print">
-            <a:extLst>
-              <a:ext uri="{28A0092B-C50C-407E-A947-70E740481C1C}">
-                <a14:useLocalDpi xmlns:a14="http://schemas.microsoft.com/office/drawing/2010/main" val="0"/>
-              </a:ext>
-            </a:extLst>
-          </a:blip>
-          <a:stretch>
-            <a:fillRect/>
-          </a:stretch>
-        </p:blipFill>
-        <p:spPr>
-          <a:xfrm>
-            <a:off x="3304824" y="1619888"/>
-            <a:ext cx="1210759" cy="1210759"/>
-          </a:xfrm>
-          <a:prstGeom prst="rect">
-            <a:avLst/>
-          </a:prstGeom>
-        </p:spPr>
-      </p:pic>
-      <p:pic>
-        <p:nvPicPr>
-          <p:cNvPr id="64" name="그림 63"/>
-          <p:cNvPicPr>
-            <a:picLocks noChangeAspect="1"/>
-          </p:cNvPicPr>
-          <p:nvPr/>
-        </p:nvPicPr>
-        <p:blipFill>
-          <a:blip r:embed="rId5" cstate="print">
-            <a:extLst>
-              <a:ext uri="{28A0092B-C50C-407E-A947-70E740481C1C}">
-                <a14:useLocalDpi xmlns:a14="http://schemas.microsoft.com/office/drawing/2010/main" val="0"/>
-              </a:ext>
-            </a:extLst>
-          </a:blip>
-          <a:stretch>
-            <a:fillRect/>
-          </a:stretch>
-        </p:blipFill>
-        <p:spPr>
-          <a:xfrm>
-            <a:off x="4849995" y="1635045"/>
-            <a:ext cx="1005896" cy="1152349"/>
-          </a:xfrm>
-          <a:prstGeom prst="rect">
-            <a:avLst/>
-          </a:prstGeom>
-        </p:spPr>
-      </p:pic>
-      <p:pic>
-        <p:nvPicPr>
-          <p:cNvPr id="65" name="그림 64"/>
-          <p:cNvPicPr>
-            <a:picLocks noChangeAspect="1"/>
-          </p:cNvPicPr>
-          <p:nvPr/>
-        </p:nvPicPr>
-        <p:blipFill>
-          <a:blip r:embed="rId6" cstate="print">
-            <a:extLst>
-              <a:ext uri="{28A0092B-C50C-407E-A947-70E740481C1C}">
-                <a14:useLocalDpi xmlns:a14="http://schemas.microsoft.com/office/drawing/2010/main" val="0"/>
-              </a:ext>
-            </a:extLst>
-          </a:blip>
-          <a:stretch>
-            <a:fillRect/>
-          </a:stretch>
-        </p:blipFill>
-        <p:spPr>
-          <a:xfrm>
-            <a:off x="6255555" y="1752054"/>
-            <a:ext cx="1132554" cy="951169"/>
-          </a:xfrm>
-          <a:prstGeom prst="rect">
-            <a:avLst/>
-          </a:prstGeom>
-        </p:spPr>
-      </p:pic>
-      <p:pic>
-        <p:nvPicPr>
-          <p:cNvPr id="66" name="그림 65"/>
-          <p:cNvPicPr>
-            <a:picLocks noChangeAspect="1"/>
-          </p:cNvPicPr>
-          <p:nvPr/>
-        </p:nvPicPr>
-        <p:blipFill>
-          <a:blip r:embed="rId7" cstate="print">
-            <a:extLst>
-              <a:ext uri="{28A0092B-C50C-407E-A947-70E740481C1C}">
-                <a14:useLocalDpi xmlns:a14="http://schemas.microsoft.com/office/drawing/2010/main" val="0"/>
-              </a:ext>
-            </a:extLst>
-          </a:blip>
-          <a:stretch>
-            <a:fillRect/>
-          </a:stretch>
-        </p:blipFill>
-        <p:spPr>
-          <a:xfrm>
-            <a:off x="1926755" y="3569505"/>
-            <a:ext cx="1075718" cy="1075718"/>
-          </a:xfrm>
-          <a:prstGeom prst="rect">
-            <a:avLst/>
-          </a:prstGeom>
-        </p:spPr>
-      </p:pic>
-      <p:pic>
-        <p:nvPicPr>
-          <p:cNvPr id="67" name="그림 66"/>
-          <p:cNvPicPr>
-            <a:picLocks noChangeAspect="1"/>
-          </p:cNvPicPr>
-          <p:nvPr/>
-        </p:nvPicPr>
-        <p:blipFill>
-          <a:blip r:embed="rId8" cstate="print">
-            <a:extLst>
-              <a:ext uri="{28A0092B-C50C-407E-A947-70E740481C1C}">
-                <a14:useLocalDpi xmlns:a14="http://schemas.microsoft.com/office/drawing/2010/main" val="0"/>
-              </a:ext>
-            </a:extLst>
-          </a:blip>
-          <a:stretch>
-            <a:fillRect/>
-          </a:stretch>
-        </p:blipFill>
-        <p:spPr>
-          <a:xfrm>
-            <a:off x="3442436" y="3605148"/>
-            <a:ext cx="986326" cy="986326"/>
-          </a:xfrm>
-          <a:prstGeom prst="rect">
-            <a:avLst/>
-          </a:prstGeom>
-        </p:spPr>
-      </p:pic>
-      <p:pic>
-        <p:nvPicPr>
-          <p:cNvPr id="68" name="그림 67"/>
-          <p:cNvPicPr>
-            <a:picLocks noChangeAspect="1"/>
-          </p:cNvPicPr>
-          <p:nvPr/>
-        </p:nvPicPr>
-        <p:blipFill>
-          <a:blip r:embed="rId9" cstate="print">
-            <a:extLst>
-              <a:ext uri="{28A0092B-C50C-407E-A947-70E740481C1C}">
-                <a14:useLocalDpi xmlns:a14="http://schemas.microsoft.com/office/drawing/2010/main" val="0"/>
-              </a:ext>
-            </a:extLst>
-          </a:blip>
-          <a:stretch>
-            <a:fillRect/>
-          </a:stretch>
-        </p:blipFill>
-        <p:spPr>
-          <a:xfrm>
-            <a:off x="4892031" y="3637280"/>
-            <a:ext cx="945754" cy="945754"/>
-          </a:xfrm>
-          <a:prstGeom prst="rect">
-            <a:avLst/>
-          </a:prstGeom>
-        </p:spPr>
-      </p:pic>
-      <p:pic>
-        <p:nvPicPr>
-          <p:cNvPr id="70" name="그림 69"/>
-          <p:cNvPicPr>
-            <a:picLocks noChangeAspect="1"/>
-          </p:cNvPicPr>
-          <p:nvPr/>
-        </p:nvPicPr>
-        <p:blipFill>
-          <a:blip r:embed="rId10" cstate="print">
-            <a:extLst>
-              <a:ext uri="{28A0092B-C50C-407E-A947-70E740481C1C}">
-                <a14:useLocalDpi xmlns:a14="http://schemas.microsoft.com/office/drawing/2010/main" val="0"/>
-              </a:ext>
-            </a:extLst>
-          </a:blip>
-          <a:stretch>
-            <a:fillRect/>
-          </a:stretch>
-        </p:blipFill>
-        <p:spPr>
-          <a:xfrm>
-            <a:off x="1908649" y="5504007"/>
-            <a:ext cx="1071307" cy="1071307"/>
-          </a:xfrm>
-          <a:prstGeom prst="rect">
-            <a:avLst/>
-          </a:prstGeom>
-        </p:spPr>
-      </p:pic>
-      <p:pic>
-        <p:nvPicPr>
-          <p:cNvPr id="71" name="그림 70"/>
-          <p:cNvPicPr>
-            <a:picLocks noChangeAspect="1"/>
-          </p:cNvPicPr>
-          <p:nvPr/>
-        </p:nvPicPr>
-        <p:blipFill>
-          <a:blip r:embed="rId11" cstate="print">
-            <a:extLst>
-              <a:ext uri="{28A0092B-C50C-407E-A947-70E740481C1C}">
-                <a14:useLocalDpi xmlns:a14="http://schemas.microsoft.com/office/drawing/2010/main" val="0"/>
-              </a:ext>
-            </a:extLst>
-          </a:blip>
-          <a:stretch>
-            <a:fillRect/>
-          </a:stretch>
-        </p:blipFill>
-        <p:spPr>
-          <a:xfrm>
-            <a:off x="3151584" y="5236504"/>
-            <a:ext cx="1544087" cy="1544087"/>
-          </a:xfrm>
-          <a:prstGeom prst="rect">
-            <a:avLst/>
-          </a:prstGeom>
-        </p:spPr>
-      </p:pic>
-      <p:pic>
-        <p:nvPicPr>
-          <p:cNvPr id="72" name="그림 71"/>
-          <p:cNvPicPr>
-            <a:picLocks noChangeAspect="1"/>
-          </p:cNvPicPr>
-          <p:nvPr/>
-        </p:nvPicPr>
-        <p:blipFill>
-          <a:blip r:embed="rId12" cstate="print">
-            <a:extLst>
-              <a:ext uri="{28A0092B-C50C-407E-A947-70E740481C1C}">
-                <a14:useLocalDpi xmlns:a14="http://schemas.microsoft.com/office/drawing/2010/main" val="0"/>
-              </a:ext>
-            </a:extLst>
-          </a:blip>
-          <a:stretch>
-            <a:fillRect/>
-          </a:stretch>
-        </p:blipFill>
-        <p:spPr>
-          <a:xfrm>
-            <a:off x="4816125" y="5459764"/>
-            <a:ext cx="1097566" cy="1097566"/>
-          </a:xfrm>
-          <a:prstGeom prst="rect">
-            <a:avLst/>
-          </a:prstGeom>
-        </p:spPr>
-      </p:pic>
-      <p:pic>
-        <p:nvPicPr>
-          <p:cNvPr id="73" name="그림 72"/>
-          <p:cNvPicPr>
-            <a:picLocks noChangeAspect="1"/>
-          </p:cNvPicPr>
-          <p:nvPr/>
-        </p:nvPicPr>
-        <p:blipFill>
-          <a:blip r:embed="rId13" cstate="print">
-            <a:extLst>
-              <a:ext uri="{28A0092B-C50C-407E-A947-70E740481C1C}">
-                <a14:useLocalDpi xmlns:a14="http://schemas.microsoft.com/office/drawing/2010/main" val="0"/>
-              </a:ext>
-            </a:extLst>
-          </a:blip>
-          <a:stretch>
-            <a:fillRect/>
-          </a:stretch>
-        </p:blipFill>
-        <p:spPr>
-          <a:xfrm>
-            <a:off x="6255555" y="5722990"/>
-            <a:ext cx="1125775" cy="659704"/>
-          </a:xfrm>
-          <a:prstGeom prst="rect">
-            <a:avLst/>
-          </a:prstGeom>
-        </p:spPr>
-      </p:pic>
-    </p:spTree>
-    <p:extLst>
-      <p:ext uri="{BB962C8B-B14F-4D97-AF65-F5344CB8AC3E}">
-        <p14:creationId xmlns:p14="http://schemas.microsoft.com/office/powerpoint/2010/main" val="4143007214"/>
-      </p:ext>
-    </p:extLst>
-  </p:cSld>
-  <p:clrMapOvr>
-    <a:masterClrMapping/>
-  </p:clrMapOvr>
-  <p:timing>
-    <p:tnLst>
-      <p:par>
-        <p:cTn id="1" dur="indefinite" restart="never" nodeType="tmRoot"/>
-      </p:par>
-    </p:tnLst>
-  </p:timing>
-</p:sld>
-</file>
-
-<file path=ppt/slides/slide5.xml><?xml version="1.0" encoding="utf-8"?>
-<p:sld xmlns:a="http://schemas.openxmlformats.org/drawingml/2006/main" xmlns:r="http://schemas.openxmlformats.org/officeDocument/2006/relationships" xmlns:p="http://schemas.openxmlformats.org/presentationml/2006/main">
-  <p:cSld>
-    <p:bg>
-      <p:bgPr>
-        <a:blipFill dpi="0" rotWithShape="1">
-          <a:blip r:embed="rId2">
-            <a:lum/>
-          </a:blip>
-          <a:srcRect/>
-          <a:stretch>
-            <a:fillRect l="-24000" r="-24000"/>
-          </a:stretch>
-        </a:blipFill>
-        <a:effectLst/>
-      </p:bgPr>
-    </p:bg>
-    <p:spTree>
-      <p:nvGrpSpPr>
-        <p:cNvPr id="1" name=""/>
-        <p:cNvGrpSpPr/>
-        <p:nvPr/>
-      </p:nvGrpSpPr>
-      <p:grpSpPr>
-        <a:xfrm>
-          <a:off x="0" y="0"/>
-          <a:ext cx="0" cy="0"/>
-          <a:chOff x="0" y="0"/>
-          <a:chExt cx="0" cy="0"/>
-        </a:xfrm>
-      </p:grpSpPr>
-      <p:sp>
-        <p:nvSpPr>
-          <p:cNvPr id="46" name="직사각형 45"/>
-          <p:cNvSpPr/>
-          <p:nvPr/>
-        </p:nvSpPr>
-        <p:spPr>
-          <a:xfrm>
-            <a:off x="0" y="916233"/>
-            <a:ext cx="12192000" cy="5941767"/>
-          </a:xfrm>
-          <a:prstGeom prst="rect">
-            <a:avLst/>
-          </a:prstGeom>
-          <a:solidFill>
-            <a:schemeClr val="bg1">
-              <a:alpha val="50000"/>
-            </a:schemeClr>
-          </a:solidFill>
-          <a:ln>
-            <a:noFill/>
-          </a:ln>
-        </p:spPr>
-        <p:style>
-          <a:lnRef idx="2">
-            <a:schemeClr val="accent1">
-              <a:shade val="50000"/>
-            </a:schemeClr>
-          </a:lnRef>
-          <a:fillRef idx="1">
-            <a:schemeClr val="accent1"/>
-          </a:fillRef>
-          <a:effectRef idx="0">
-            <a:schemeClr val="accent1"/>
-          </a:effectRef>
-          <a:fontRef idx="minor">
-            <a:schemeClr val="lt1"/>
-          </a:fontRef>
-        </p:style>
-        <p:txBody>
-          <a:bodyPr rtlCol="0" anchor="ctr"/>
-          <a:lstStyle/>
-          <a:p>
-            <a:pPr algn="ctr"/>
-            <a:endParaRPr lang="ko-KR" altLang="en-US"/>
-          </a:p>
-        </p:txBody>
-      </p:sp>
-      <p:sp>
-        <p:nvSpPr>
-          <p:cNvPr id="8" name="TextBox 7"/>
-          <p:cNvSpPr txBox="1"/>
-          <p:nvPr/>
-        </p:nvSpPr>
-        <p:spPr>
-          <a:xfrm>
-            <a:off x="5075959" y="672887"/>
-            <a:ext cx="2237509" cy="338554"/>
-          </a:xfrm>
-          <a:prstGeom prst="rect">
-            <a:avLst/>
-          </a:prstGeom>
-          <a:noFill/>
-        </p:spPr>
-        <p:txBody>
-          <a:bodyPr wrap="square" rtlCol="0">
-            <a:spAutoFit/>
-          </a:bodyPr>
-          <a:lstStyle/>
-          <a:p>
-            <a:r>
-              <a:rPr lang="ko-KR" altLang="en-US" sz="1600" dirty="0" smtClean="0">
-                <a:solidFill>
-                  <a:schemeClr val="accent2">
-                    <a:lumMod val="50000"/>
-                  </a:schemeClr>
-                </a:solidFill>
-                <a:latin typeface="경기천년제목 Light" panose="02020403020101020101" pitchFamily="18" charset="-127"/>
-                <a:ea typeface="경기천년제목 Light" panose="02020403020101020101" pitchFamily="18" charset="-127"/>
-              </a:rPr>
-              <a:t>사용한 프로그램 및 언어</a:t>
-            </a:r>
-            <a:endParaRPr lang="ko-KR" altLang="en-US" sz="1600" dirty="0">
-              <a:solidFill>
-                <a:schemeClr val="accent2">
-                  <a:lumMod val="50000"/>
-                </a:schemeClr>
-              </a:solidFill>
-              <a:latin typeface="경기천년제목 Light" panose="02020403020101020101" pitchFamily="18" charset="-127"/>
-              <a:ea typeface="경기천년제목 Light" panose="02020403020101020101" pitchFamily="18" charset="-127"/>
-            </a:endParaRPr>
-          </a:p>
-        </p:txBody>
-      </p:sp>
-      <p:sp>
-        <p:nvSpPr>
-          <p:cNvPr id="2" name="직사각형 1"/>
-          <p:cNvSpPr/>
-          <p:nvPr/>
-        </p:nvSpPr>
-        <p:spPr>
-          <a:xfrm>
-            <a:off x="0" y="0"/>
-            <a:ext cx="12192000" cy="920265"/>
-          </a:xfrm>
-          <a:prstGeom prst="rect">
-            <a:avLst/>
-          </a:prstGeom>
-          <a:solidFill>
-            <a:schemeClr val="bg1"/>
-          </a:solidFill>
-          <a:ln>
-            <a:noFill/>
-          </a:ln>
-        </p:spPr>
-        <p:style>
-          <a:lnRef idx="2">
-            <a:schemeClr val="accent1">
-              <a:shade val="50000"/>
-            </a:schemeClr>
-          </a:lnRef>
-          <a:fillRef idx="1">
-            <a:schemeClr val="accent1"/>
-          </a:fillRef>
-          <a:effectRef idx="0">
-            <a:schemeClr val="accent1"/>
-          </a:effectRef>
-          <a:fontRef idx="minor">
-            <a:schemeClr val="lt1"/>
-          </a:fontRef>
-        </p:style>
-        <p:txBody>
-          <a:bodyPr rtlCol="0" anchor="ctr"/>
-          <a:lstStyle/>
-          <a:p>
-            <a:pPr algn="ctr"/>
-            <a:endParaRPr lang="ko-KR" altLang="en-US"/>
-          </a:p>
-        </p:txBody>
-      </p:sp>
-      <p:sp>
-        <p:nvSpPr>
-          <p:cNvPr id="9" name="TextBox 8"/>
-          <p:cNvSpPr txBox="1"/>
-          <p:nvPr/>
-        </p:nvSpPr>
-        <p:spPr>
-          <a:xfrm>
-            <a:off x="814388" y="182549"/>
-            <a:ext cx="4909404" cy="523220"/>
-          </a:xfrm>
-          <a:prstGeom prst="rect">
-            <a:avLst/>
-          </a:prstGeom>
-          <a:noFill/>
-        </p:spPr>
-        <p:txBody>
-          <a:bodyPr wrap="square" rtlCol="0">
-            <a:spAutoFit/>
-          </a:bodyPr>
-          <a:lstStyle/>
-          <a:p>
-            <a:r>
-              <a:rPr lang="ko-KR" altLang="en-US" sz="2800" dirty="0" smtClean="0">
-                <a:latin typeface="경기천년제목 Medium" panose="02020603020101020101" pitchFamily="18" charset="-127"/>
-                <a:ea typeface="경기천년제목 Medium" panose="02020603020101020101" pitchFamily="18" charset="-127"/>
-              </a:rPr>
-              <a:t>프로젝트 설계 </a:t>
-            </a:r>
-            <a:r>
-              <a:rPr lang="en-US" altLang="ko-KR" dirty="0" smtClean="0">
-                <a:solidFill>
-                  <a:srgbClr val="86360E"/>
-                </a:solidFill>
-                <a:latin typeface="경기천년제목 Medium" panose="02020603020101020101" pitchFamily="18" charset="-127"/>
-                <a:ea typeface="경기천년제목 Medium" panose="02020603020101020101" pitchFamily="18" charset="-127"/>
-              </a:rPr>
-              <a:t>ERD</a:t>
-            </a:r>
-            <a:endParaRPr lang="ko-KR" altLang="en-US" dirty="0">
-              <a:solidFill>
-                <a:srgbClr val="86360E"/>
-              </a:solidFill>
-              <a:latin typeface="경기천년제목 Medium" panose="02020603020101020101" pitchFamily="18" charset="-127"/>
-              <a:ea typeface="경기천년제목 Medium" panose="02020603020101020101" pitchFamily="18" charset="-127"/>
-            </a:endParaRPr>
-          </a:p>
-        </p:txBody>
-      </p:sp>
-      <p:sp>
-        <p:nvSpPr>
-          <p:cNvPr id="12" name="직사각형 11"/>
-          <p:cNvSpPr/>
-          <p:nvPr/>
-        </p:nvSpPr>
-        <p:spPr>
-          <a:xfrm>
-            <a:off x="0" y="416553"/>
-            <a:ext cx="803564" cy="83127"/>
-          </a:xfrm>
-          <a:prstGeom prst="rect">
-            <a:avLst/>
-          </a:prstGeom>
-          <a:solidFill>
-            <a:srgbClr val="86360E"/>
-          </a:solidFill>
-          <a:ln>
-            <a:noFill/>
-          </a:ln>
-        </p:spPr>
-        <p:style>
-          <a:lnRef idx="2">
-            <a:schemeClr val="accent1">
-              <a:shade val="50000"/>
-            </a:schemeClr>
-          </a:lnRef>
-          <a:fillRef idx="1">
-            <a:schemeClr val="accent1"/>
-          </a:fillRef>
-          <a:effectRef idx="0">
-            <a:schemeClr val="accent1"/>
-          </a:effectRef>
-          <a:fontRef idx="minor">
-            <a:schemeClr val="lt1"/>
-          </a:fontRef>
-        </p:style>
-        <p:txBody>
-          <a:bodyPr rtlCol="0" anchor="ctr"/>
-          <a:lstStyle/>
-          <a:p>
-            <a:pPr algn="ctr"/>
-            <a:endParaRPr lang="ko-KR" altLang="en-US"/>
-          </a:p>
-        </p:txBody>
-      </p:sp>
-      <p:pic>
-        <p:nvPicPr>
-          <p:cNvPr id="3" name="그림 2"/>
-          <p:cNvPicPr>
-            <a:picLocks noChangeAspect="1"/>
-          </p:cNvPicPr>
-          <p:nvPr/>
-        </p:nvPicPr>
-        <p:blipFill>
-          <a:blip r:embed="rId3">
-            <a:extLst>
-              <a:ext uri="{BEBA8EAE-BF5A-486C-A8C5-ECC9F3942E4B}">
-                <a14:imgProps xmlns:a14="http://schemas.microsoft.com/office/drawing/2010/main">
-                  <a14:imgLayer r:embed="rId4">
-                    <a14:imgEffect>
-                      <a14:sharpenSoften amount="5000"/>
-                    </a14:imgEffect>
-                  </a14:imgLayer>
-                </a14:imgProps>
-              </a:ext>
-            </a:extLst>
-          </a:blip>
-          <a:stretch>
-            <a:fillRect/>
-          </a:stretch>
-        </p:blipFill>
-        <p:spPr>
-          <a:xfrm>
-            <a:off x="0" y="888318"/>
-            <a:ext cx="12192000" cy="6056756"/>
-          </a:xfrm>
-          <a:prstGeom prst="rect">
-            <a:avLst/>
-          </a:prstGeom>
-        </p:spPr>
-      </p:pic>
-    </p:spTree>
-    <p:extLst>
-      <p:ext uri="{BB962C8B-B14F-4D97-AF65-F5344CB8AC3E}">
-        <p14:creationId xmlns:p14="http://schemas.microsoft.com/office/powerpoint/2010/main" val="3389645633"/>
-      </p:ext>
-    </p:extLst>
-  </p:cSld>
-  <p:clrMapOvr>
-    <a:masterClrMapping/>
-  </p:clrMapOvr>
-  <p:timing>
-    <p:tnLst>
-      <p:par>
-        <p:cTn id="1" dur="indefinite" restart="never" nodeType="tmRoot"/>
-      </p:par>
-    </p:tnLst>
-  </p:timing>
-</p:sld>
-</file>
-
-<file path=ppt/slides/slide6.xml><?xml version="1.0" encoding="utf-8"?>
+<file path=ppt/slides/slide10.xml><?xml version="1.0" encoding="utf-8"?>
 <p:sld xmlns:a="http://schemas.openxmlformats.org/drawingml/2006/main" xmlns:r="http://schemas.openxmlformats.org/officeDocument/2006/relationships" xmlns:p="http://schemas.openxmlformats.org/presentationml/2006/main" showMasterSp="0">
   <p:cSld>
     <p:bg>
@@ -6210,7 +3382,7 @@
                 <a:latin typeface="경기천년제목 Medium" panose="02020603020101020101" pitchFamily="18" charset="-127"/>
                 <a:ea typeface="경기천년제목 Medium" panose="02020603020101020101" pitchFamily="18" charset="-127"/>
               </a:rPr>
-              <a:t>프로젝트 구현 기술 및 시연</a:t>
+              <a:t>시연</a:t>
             </a:r>
             <a:endParaRPr lang="ko-KR" altLang="en-US" sz="4400" b="1" dirty="0">
               <a:latin typeface="경기천년제목 Medium" panose="02020603020101020101" pitchFamily="18" charset="-127"/>
@@ -6399,7 +3571,7 @@
 </p:sld>
 </file>
 
-<file path=ppt/slides/slide7.xml><?xml version="1.0" encoding="utf-8"?>
+<file path=ppt/slides/slide11.xml><?xml version="1.0" encoding="utf-8"?>
 <p:sld xmlns:a="http://schemas.openxmlformats.org/drawingml/2006/main" xmlns:r="http://schemas.openxmlformats.org/officeDocument/2006/relationships" xmlns:p="http://schemas.openxmlformats.org/presentationml/2006/main" showMasterSp="0">
   <p:cSld>
     <p:bg>
@@ -6572,49 +3744,13 @@
           <a:lstStyle/>
           <a:p>
             <a:r>
-              <a:rPr lang="en-US" altLang="ko-KR" sz="4400" b="1" dirty="0" smtClean="0">
+              <a:rPr lang="ko-KR" altLang="en-US" sz="4400" b="1" dirty="0" smtClean="0">
                 <a:latin typeface="경기천년제목 Medium" panose="02020603020101020101" pitchFamily="18" charset="-127"/>
                 <a:ea typeface="경기천년제목 Medium" panose="02020603020101020101" pitchFamily="18" charset="-127"/>
               </a:rPr>
-              <a:t>THANK YOU</a:t>
+              <a:t>마무리</a:t>
             </a:r>
             <a:endParaRPr lang="ko-KR" altLang="en-US" sz="4400" b="1" dirty="0">
-              <a:latin typeface="경기천년제목 Medium" panose="02020603020101020101" pitchFamily="18" charset="-127"/>
-              <a:ea typeface="경기천년제목 Medium" panose="02020603020101020101" pitchFamily="18" charset="-127"/>
-            </a:endParaRPr>
-          </a:p>
-        </p:txBody>
-      </p:sp>
-      <p:sp>
-        <p:nvSpPr>
-          <p:cNvPr id="7" name="TextBox 6"/>
-          <p:cNvSpPr txBox="1"/>
-          <p:nvPr/>
-        </p:nvSpPr>
-        <p:spPr>
-          <a:xfrm>
-            <a:off x="4241800" y="3202785"/>
-            <a:ext cx="3784600" cy="461665"/>
-          </a:xfrm>
-          <a:prstGeom prst="rect">
-            <a:avLst/>
-          </a:prstGeom>
-          <a:noFill/>
-        </p:spPr>
-        <p:txBody>
-          <a:bodyPr wrap="square" rtlCol="0">
-            <a:spAutoFit/>
-          </a:bodyPr>
-          <a:lstStyle/>
-          <a:p>
-            <a:r>
-              <a:rPr lang="en-US" altLang="ko-KR" sz="2400" dirty="0" smtClean="0">
-                <a:latin typeface="경기천년제목 Medium" panose="02020603020101020101" pitchFamily="18" charset="-127"/>
-                <a:ea typeface="경기천년제목 Medium" panose="02020603020101020101" pitchFamily="18" charset="-127"/>
-              </a:rPr>
-              <a:t>Q&amp;A</a:t>
-            </a:r>
-            <a:endParaRPr lang="ko-KR" altLang="en-US" sz="2400" dirty="0">
               <a:latin typeface="경기천년제목 Medium" panose="02020603020101020101" pitchFamily="18" charset="-127"/>
               <a:ea typeface="경기천년제목 Medium" panose="02020603020101020101" pitchFamily="18" charset="-127"/>
             </a:endParaRPr>
@@ -6671,6 +3807,4514 @@
     <p:extLst>
       <p:ext uri="{BB962C8B-B14F-4D97-AF65-F5344CB8AC3E}">
         <p14:creationId xmlns:p14="http://schemas.microsoft.com/office/powerpoint/2010/main" val="324354115"/>
+      </p:ext>
+    </p:extLst>
+  </p:cSld>
+  <p:clrMapOvr>
+    <a:masterClrMapping/>
+  </p:clrMapOvr>
+  <p:timing>
+    <p:tnLst>
+      <p:par>
+        <p:cTn id="1" dur="indefinite" restart="never" nodeType="tmRoot"/>
+      </p:par>
+    </p:tnLst>
+  </p:timing>
+</p:sld>
+</file>
+
+<file path=ppt/slides/slide2.xml><?xml version="1.0" encoding="utf-8"?>
+<p:sld xmlns:a="http://schemas.openxmlformats.org/drawingml/2006/main" xmlns:r="http://schemas.openxmlformats.org/officeDocument/2006/relationships" xmlns:p="http://schemas.openxmlformats.org/presentationml/2006/main">
+  <p:cSld>
+    <p:bg>
+      <p:bgPr>
+        <a:blipFill dpi="0" rotWithShape="1">
+          <a:blip r:embed="rId2">
+            <a:lum/>
+          </a:blip>
+          <a:srcRect/>
+          <a:stretch>
+            <a:fillRect l="-24000" r="-24000"/>
+          </a:stretch>
+        </a:blipFill>
+        <a:effectLst/>
+      </p:bgPr>
+    </p:bg>
+    <p:spTree>
+      <p:nvGrpSpPr>
+        <p:cNvPr id="1" name=""/>
+        <p:cNvGrpSpPr/>
+        <p:nvPr/>
+      </p:nvGrpSpPr>
+      <p:grpSpPr>
+        <a:xfrm>
+          <a:off x="0" y="0"/>
+          <a:ext cx="0" cy="0"/>
+          <a:chOff x="0" y="0"/>
+          <a:chExt cx="0" cy="0"/>
+        </a:xfrm>
+      </p:grpSpPr>
+      <p:sp>
+        <p:nvSpPr>
+          <p:cNvPr id="8" name="TextBox 7"/>
+          <p:cNvSpPr txBox="1"/>
+          <p:nvPr/>
+        </p:nvSpPr>
+        <p:spPr>
+          <a:xfrm>
+            <a:off x="5075959" y="672887"/>
+            <a:ext cx="2237509" cy="338554"/>
+          </a:xfrm>
+          <a:prstGeom prst="rect">
+            <a:avLst/>
+          </a:prstGeom>
+          <a:noFill/>
+        </p:spPr>
+        <p:txBody>
+          <a:bodyPr wrap="square" rtlCol="0">
+            <a:spAutoFit/>
+          </a:bodyPr>
+          <a:lstStyle/>
+          <a:p>
+            <a:r>
+              <a:rPr lang="ko-KR" altLang="en-US" sz="1600" dirty="0" smtClean="0">
+                <a:solidFill>
+                  <a:schemeClr val="accent2">
+                    <a:lumMod val="50000"/>
+                  </a:schemeClr>
+                </a:solidFill>
+                <a:latin typeface="경기천년제목 Light" panose="02020403020101020101" pitchFamily="18" charset="-127"/>
+                <a:ea typeface="경기천년제목 Light" panose="02020403020101020101" pitchFamily="18" charset="-127"/>
+              </a:rPr>
+              <a:t>사용한 프로그램 및 언어</a:t>
+            </a:r>
+            <a:endParaRPr lang="ko-KR" altLang="en-US" sz="1600" dirty="0">
+              <a:solidFill>
+                <a:schemeClr val="accent2">
+                  <a:lumMod val="50000"/>
+                </a:schemeClr>
+              </a:solidFill>
+              <a:latin typeface="경기천년제목 Light" panose="02020403020101020101" pitchFamily="18" charset="-127"/>
+              <a:ea typeface="경기천년제목 Light" panose="02020403020101020101" pitchFamily="18" charset="-127"/>
+            </a:endParaRPr>
+          </a:p>
+        </p:txBody>
+      </p:sp>
+      <p:sp>
+        <p:nvSpPr>
+          <p:cNvPr id="3" name="직사각형 2"/>
+          <p:cNvSpPr/>
+          <p:nvPr/>
+        </p:nvSpPr>
+        <p:spPr>
+          <a:xfrm>
+            <a:off x="0" y="916233"/>
+            <a:ext cx="12192000" cy="5941767"/>
+          </a:xfrm>
+          <a:prstGeom prst="rect">
+            <a:avLst/>
+          </a:prstGeom>
+          <a:solidFill>
+            <a:schemeClr val="bg1">
+              <a:alpha val="50000"/>
+            </a:schemeClr>
+          </a:solidFill>
+          <a:ln>
+            <a:noFill/>
+          </a:ln>
+        </p:spPr>
+        <p:style>
+          <a:lnRef idx="2">
+            <a:schemeClr val="accent1">
+              <a:shade val="50000"/>
+            </a:schemeClr>
+          </a:lnRef>
+          <a:fillRef idx="1">
+            <a:schemeClr val="accent1"/>
+          </a:fillRef>
+          <a:effectRef idx="0">
+            <a:schemeClr val="accent1"/>
+          </a:effectRef>
+          <a:fontRef idx="minor">
+            <a:schemeClr val="lt1"/>
+          </a:fontRef>
+        </p:style>
+        <p:txBody>
+          <a:bodyPr rtlCol="0" anchor="ctr"/>
+          <a:lstStyle/>
+          <a:p>
+            <a:pPr algn="ctr"/>
+            <a:endParaRPr lang="ko-KR" altLang="en-US"/>
+          </a:p>
+        </p:txBody>
+      </p:sp>
+      <p:sp>
+        <p:nvSpPr>
+          <p:cNvPr id="2" name="직사각형 1"/>
+          <p:cNvSpPr/>
+          <p:nvPr/>
+        </p:nvSpPr>
+        <p:spPr>
+          <a:xfrm>
+            <a:off x="0" y="0"/>
+            <a:ext cx="12192000" cy="920265"/>
+          </a:xfrm>
+          <a:prstGeom prst="rect">
+            <a:avLst/>
+          </a:prstGeom>
+          <a:solidFill>
+            <a:schemeClr val="bg1"/>
+          </a:solidFill>
+          <a:ln>
+            <a:noFill/>
+          </a:ln>
+        </p:spPr>
+        <p:style>
+          <a:lnRef idx="2">
+            <a:schemeClr val="accent1">
+              <a:shade val="50000"/>
+            </a:schemeClr>
+          </a:lnRef>
+          <a:fillRef idx="1">
+            <a:schemeClr val="accent1"/>
+          </a:fillRef>
+          <a:effectRef idx="0">
+            <a:schemeClr val="accent1"/>
+          </a:effectRef>
+          <a:fontRef idx="minor">
+            <a:schemeClr val="lt1"/>
+          </a:fontRef>
+        </p:style>
+        <p:txBody>
+          <a:bodyPr rtlCol="0" anchor="ctr"/>
+          <a:lstStyle/>
+          <a:p>
+            <a:pPr algn="ctr"/>
+            <a:endParaRPr lang="ko-KR" altLang="en-US"/>
+          </a:p>
+        </p:txBody>
+      </p:sp>
+      <p:sp>
+        <p:nvSpPr>
+          <p:cNvPr id="9" name="TextBox 8"/>
+          <p:cNvSpPr txBox="1"/>
+          <p:nvPr/>
+        </p:nvSpPr>
+        <p:spPr>
+          <a:xfrm>
+            <a:off x="814387" y="182549"/>
+            <a:ext cx="4768727" cy="523220"/>
+          </a:xfrm>
+          <a:prstGeom prst="rect">
+            <a:avLst/>
+          </a:prstGeom>
+          <a:noFill/>
+        </p:spPr>
+        <p:txBody>
+          <a:bodyPr wrap="square" rtlCol="0">
+            <a:spAutoFit/>
+          </a:bodyPr>
+          <a:lstStyle/>
+          <a:p>
+            <a:r>
+              <a:rPr lang="ko-KR" altLang="en-US" sz="2800" dirty="0" smtClean="0">
+                <a:latin typeface="경기천년제목 Medium" panose="02020603020101020101" pitchFamily="18" charset="-127"/>
+                <a:ea typeface="경기천년제목 Medium" panose="02020603020101020101" pitchFamily="18" charset="-127"/>
+              </a:rPr>
+              <a:t>프로젝트 소개 </a:t>
+            </a:r>
+            <a:r>
+              <a:rPr lang="en-US" altLang="ko-KR" dirty="0" smtClean="0">
+                <a:solidFill>
+                  <a:srgbClr val="86360E"/>
+                </a:solidFill>
+                <a:latin typeface="경기천년제목 Medium" panose="02020603020101020101" pitchFamily="18" charset="-127"/>
+                <a:ea typeface="경기천년제목 Medium" panose="02020603020101020101" pitchFamily="18" charset="-127"/>
+              </a:rPr>
+              <a:t>‘</a:t>
+            </a:r>
+            <a:r>
+              <a:rPr lang="ko-KR" altLang="en-US" dirty="0" smtClean="0">
+                <a:solidFill>
+                  <a:srgbClr val="86360E"/>
+                </a:solidFill>
+                <a:latin typeface="경기천년제목 Medium" panose="02020603020101020101" pitchFamily="18" charset="-127"/>
+                <a:ea typeface="경기천년제목 Medium" panose="02020603020101020101" pitchFamily="18" charset="-127"/>
+              </a:rPr>
+              <a:t>책</a:t>
+            </a:r>
+            <a:r>
+              <a:rPr lang="en-US" altLang="ko-KR" dirty="0" smtClean="0">
+                <a:solidFill>
+                  <a:srgbClr val="86360E"/>
+                </a:solidFill>
+                <a:latin typeface="경기천년제목 Medium" panose="02020603020101020101" pitchFamily="18" charset="-127"/>
+                <a:ea typeface="경기천년제목 Medium" panose="02020603020101020101" pitchFamily="18" charset="-127"/>
+              </a:rPr>
+              <a:t>, </a:t>
+            </a:r>
+            <a:r>
+              <a:rPr lang="ko-KR" altLang="en-US" dirty="0" smtClean="0">
+                <a:solidFill>
+                  <a:srgbClr val="86360E"/>
+                </a:solidFill>
+                <a:latin typeface="경기천년제목 Medium" panose="02020603020101020101" pitchFamily="18" charset="-127"/>
+                <a:ea typeface="경기천년제목 Medium" panose="02020603020101020101" pitchFamily="18" charset="-127"/>
+              </a:rPr>
+              <a:t>봄</a:t>
+            </a:r>
+            <a:r>
+              <a:rPr lang="en-US" altLang="ko-KR" dirty="0" smtClean="0">
+                <a:solidFill>
+                  <a:srgbClr val="86360E"/>
+                </a:solidFill>
+                <a:latin typeface="경기천년제목 Medium" panose="02020603020101020101" pitchFamily="18" charset="-127"/>
+                <a:ea typeface="경기천년제목 Medium" panose="02020603020101020101" pitchFamily="18" charset="-127"/>
+              </a:rPr>
+              <a:t>’</a:t>
+            </a:r>
+            <a:endParaRPr lang="ko-KR" altLang="en-US" dirty="0">
+              <a:solidFill>
+                <a:srgbClr val="86360E"/>
+              </a:solidFill>
+              <a:latin typeface="경기천년제목 Medium" panose="02020603020101020101" pitchFamily="18" charset="-127"/>
+              <a:ea typeface="경기천년제목 Medium" panose="02020603020101020101" pitchFamily="18" charset="-127"/>
+            </a:endParaRPr>
+          </a:p>
+        </p:txBody>
+      </p:sp>
+      <p:sp>
+        <p:nvSpPr>
+          <p:cNvPr id="12" name="직사각형 11"/>
+          <p:cNvSpPr/>
+          <p:nvPr/>
+        </p:nvSpPr>
+        <p:spPr>
+          <a:xfrm>
+            <a:off x="0" y="416553"/>
+            <a:ext cx="803564" cy="83127"/>
+          </a:xfrm>
+          <a:prstGeom prst="rect">
+            <a:avLst/>
+          </a:prstGeom>
+          <a:solidFill>
+            <a:srgbClr val="86360E"/>
+          </a:solidFill>
+          <a:ln>
+            <a:noFill/>
+          </a:ln>
+        </p:spPr>
+        <p:style>
+          <a:lnRef idx="2">
+            <a:schemeClr val="accent1">
+              <a:shade val="50000"/>
+            </a:schemeClr>
+          </a:lnRef>
+          <a:fillRef idx="1">
+            <a:schemeClr val="accent1"/>
+          </a:fillRef>
+          <a:effectRef idx="0">
+            <a:schemeClr val="accent1"/>
+          </a:effectRef>
+          <a:fontRef idx="minor">
+            <a:schemeClr val="lt1"/>
+          </a:fontRef>
+        </p:style>
+        <p:txBody>
+          <a:bodyPr rtlCol="0" anchor="ctr"/>
+          <a:lstStyle/>
+          <a:p>
+            <a:pPr algn="ctr"/>
+            <a:endParaRPr lang="ko-KR" altLang="en-US"/>
+          </a:p>
+        </p:txBody>
+      </p:sp>
+      <p:pic>
+        <p:nvPicPr>
+          <p:cNvPr id="5" name="그림 4"/>
+          <p:cNvPicPr>
+            <a:picLocks noChangeAspect="1"/>
+          </p:cNvPicPr>
+          <p:nvPr/>
+        </p:nvPicPr>
+        <p:blipFill>
+          <a:blip r:embed="rId3">
+            <a:extLst>
+              <a:ext uri="{28A0092B-C50C-407E-A947-70E740481C1C}">
+                <a14:useLocalDpi xmlns:a14="http://schemas.microsoft.com/office/drawing/2010/main" val="0"/>
+              </a:ext>
+            </a:extLst>
+          </a:blip>
+          <a:stretch>
+            <a:fillRect/>
+          </a:stretch>
+        </p:blipFill>
+        <p:spPr>
+          <a:xfrm>
+            <a:off x="803564" y="2856950"/>
+            <a:ext cx="4120662" cy="2060331"/>
+          </a:xfrm>
+          <a:prstGeom prst="rect">
+            <a:avLst/>
+          </a:prstGeom>
+        </p:spPr>
+      </p:pic>
+      <p:pic>
+        <p:nvPicPr>
+          <p:cNvPr id="6" name="그림 5"/>
+          <p:cNvPicPr>
+            <a:picLocks noChangeAspect="1"/>
+          </p:cNvPicPr>
+          <p:nvPr/>
+        </p:nvPicPr>
+        <p:blipFill rotWithShape="1">
+          <a:blip r:embed="rId4">
+            <a:extLst>
+              <a:ext uri="{28A0092B-C50C-407E-A947-70E740481C1C}">
+                <a14:useLocalDpi xmlns:a14="http://schemas.microsoft.com/office/drawing/2010/main" val="0"/>
+              </a:ext>
+            </a:extLst>
+          </a:blip>
+          <a:srcRect l="18985" t="27952" r="20971" b="24808"/>
+          <a:stretch/>
+        </p:blipFill>
+        <p:spPr>
+          <a:xfrm>
+            <a:off x="7362359" y="2849398"/>
+            <a:ext cx="2391507" cy="1881553"/>
+          </a:xfrm>
+          <a:prstGeom prst="rect">
+            <a:avLst/>
+          </a:prstGeom>
+        </p:spPr>
+      </p:pic>
+    </p:spTree>
+    <p:extLst>
+      <p:ext uri="{BB962C8B-B14F-4D97-AF65-F5344CB8AC3E}">
+        <p14:creationId xmlns:p14="http://schemas.microsoft.com/office/powerpoint/2010/main" val="1713563990"/>
+      </p:ext>
+    </p:extLst>
+  </p:cSld>
+  <p:clrMapOvr>
+    <a:masterClrMapping/>
+  </p:clrMapOvr>
+  <p:timing>
+    <p:tnLst>
+      <p:par>
+        <p:cTn id="1" dur="indefinite" restart="never" nodeType="tmRoot"/>
+      </p:par>
+    </p:tnLst>
+  </p:timing>
+</p:sld>
+</file>
+
+<file path=ppt/slides/slide3.xml><?xml version="1.0" encoding="utf-8"?>
+<p:sld xmlns:a="http://schemas.openxmlformats.org/drawingml/2006/main" xmlns:r="http://schemas.openxmlformats.org/officeDocument/2006/relationships" xmlns:p="http://schemas.openxmlformats.org/presentationml/2006/main">
+  <p:cSld>
+    <p:spTree>
+      <p:nvGrpSpPr>
+        <p:cNvPr id="1" name=""/>
+        <p:cNvGrpSpPr/>
+        <p:nvPr/>
+      </p:nvGrpSpPr>
+      <p:grpSpPr>
+        <a:xfrm>
+          <a:off x="0" y="0"/>
+          <a:ext cx="0" cy="0"/>
+          <a:chOff x="0" y="0"/>
+          <a:chExt cx="0" cy="0"/>
+        </a:xfrm>
+      </p:grpSpPr>
+      <p:sp>
+        <p:nvSpPr>
+          <p:cNvPr id="4" name="TextBox 3"/>
+          <p:cNvSpPr txBox="1"/>
+          <p:nvPr/>
+        </p:nvSpPr>
+        <p:spPr>
+          <a:xfrm>
+            <a:off x="5345721" y="195119"/>
+            <a:ext cx="1524000" cy="523220"/>
+          </a:xfrm>
+          <a:prstGeom prst="rect">
+            <a:avLst/>
+          </a:prstGeom>
+          <a:noFill/>
+        </p:spPr>
+        <p:txBody>
+          <a:bodyPr wrap="square" rtlCol="0">
+            <a:spAutoFit/>
+          </a:bodyPr>
+          <a:lstStyle/>
+          <a:p>
+            <a:r>
+              <a:rPr lang="ko-KR" altLang="en-US" sz="2800" dirty="0" smtClean="0">
+                <a:latin typeface="경기천년제목 Medium" panose="02020603020101020101" pitchFamily="18" charset="-127"/>
+                <a:ea typeface="경기천년제목 Medium" panose="02020603020101020101" pitchFamily="18" charset="-127"/>
+              </a:rPr>
+              <a:t>팀원 소개</a:t>
+            </a:r>
+            <a:endParaRPr lang="ko-KR" altLang="en-US" sz="2800" dirty="0">
+              <a:latin typeface="경기천년제목 Medium" panose="02020603020101020101" pitchFamily="18" charset="-127"/>
+              <a:ea typeface="경기천년제목 Medium" panose="02020603020101020101" pitchFamily="18" charset="-127"/>
+            </a:endParaRPr>
+          </a:p>
+        </p:txBody>
+      </p:sp>
+      <p:sp>
+        <p:nvSpPr>
+          <p:cNvPr id="5" name="액자 4"/>
+          <p:cNvSpPr/>
+          <p:nvPr/>
+        </p:nvSpPr>
+        <p:spPr>
+          <a:xfrm>
+            <a:off x="76200" y="71294"/>
+            <a:ext cx="12039600" cy="6720031"/>
+          </a:xfrm>
+          <a:prstGeom prst="frame">
+            <a:avLst>
+              <a:gd name="adj1" fmla="val 959"/>
+            </a:avLst>
+          </a:prstGeom>
+          <a:solidFill>
+            <a:srgbClr val="86360E"/>
+          </a:solidFill>
+          <a:ln>
+            <a:noFill/>
+          </a:ln>
+        </p:spPr>
+        <p:style>
+          <a:lnRef idx="2">
+            <a:schemeClr val="accent1">
+              <a:shade val="50000"/>
+            </a:schemeClr>
+          </a:lnRef>
+          <a:fillRef idx="1">
+            <a:schemeClr val="accent1"/>
+          </a:fillRef>
+          <a:effectRef idx="0">
+            <a:schemeClr val="accent1"/>
+          </a:effectRef>
+          <a:fontRef idx="minor">
+            <a:schemeClr val="lt1"/>
+          </a:fontRef>
+        </p:style>
+        <p:txBody>
+          <a:bodyPr rtlCol="0" anchor="ctr"/>
+          <a:lstStyle/>
+          <a:p>
+            <a:pPr algn="ctr"/>
+            <a:endParaRPr lang="ko-KR" altLang="en-US">
+              <a:solidFill>
+                <a:schemeClr val="tx1"/>
+              </a:solidFill>
+            </a:endParaRPr>
+          </a:p>
+        </p:txBody>
+      </p:sp>
+      <p:sp>
+        <p:nvSpPr>
+          <p:cNvPr id="8" name="TextBox 7"/>
+          <p:cNvSpPr txBox="1"/>
+          <p:nvPr/>
+        </p:nvSpPr>
+        <p:spPr>
+          <a:xfrm>
+            <a:off x="5347117" y="646511"/>
+            <a:ext cx="1644295" cy="338554"/>
+          </a:xfrm>
+          <a:prstGeom prst="rect">
+            <a:avLst/>
+          </a:prstGeom>
+          <a:noFill/>
+        </p:spPr>
+        <p:txBody>
+          <a:bodyPr wrap="square" rtlCol="0">
+            <a:spAutoFit/>
+          </a:bodyPr>
+          <a:lstStyle/>
+          <a:p>
+            <a:r>
+              <a:rPr lang="ko-KR" altLang="en-US" sz="1600" smtClean="0">
+                <a:solidFill>
+                  <a:schemeClr val="accent2">
+                    <a:lumMod val="50000"/>
+                  </a:schemeClr>
+                </a:solidFill>
+                <a:latin typeface="경기천년제목 Light" panose="02020403020101020101" pitchFamily="18" charset="-127"/>
+                <a:ea typeface="경기천년제목 Light" panose="02020403020101020101" pitchFamily="18" charset="-127"/>
+              </a:rPr>
+              <a:t>팀원 소개 및 역할</a:t>
+            </a:r>
+            <a:endParaRPr lang="ko-KR" altLang="en-US" sz="1600" dirty="0">
+              <a:solidFill>
+                <a:schemeClr val="accent2">
+                  <a:lumMod val="50000"/>
+                </a:schemeClr>
+              </a:solidFill>
+              <a:latin typeface="경기천년제목 Light" panose="02020403020101020101" pitchFamily="18" charset="-127"/>
+              <a:ea typeface="경기천년제목 Light" panose="02020403020101020101" pitchFamily="18" charset="-127"/>
+            </a:endParaRPr>
+          </a:p>
+        </p:txBody>
+      </p:sp>
+      <p:sp>
+        <p:nvSpPr>
+          <p:cNvPr id="3" name="양쪽 모서리가 둥근 사각형 2"/>
+          <p:cNvSpPr/>
+          <p:nvPr/>
+        </p:nvSpPr>
+        <p:spPr>
+          <a:xfrm>
+            <a:off x="581891" y="1560282"/>
+            <a:ext cx="2335878" cy="4596938"/>
+          </a:xfrm>
+          <a:prstGeom prst="round2SameRect">
+            <a:avLst/>
+          </a:prstGeom>
+          <a:noFill/>
+          <a:ln w="38100">
+            <a:solidFill>
+              <a:srgbClr val="86360E"/>
+            </a:solidFill>
+          </a:ln>
+        </p:spPr>
+        <p:style>
+          <a:lnRef idx="2">
+            <a:schemeClr val="accent1">
+              <a:shade val="50000"/>
+            </a:schemeClr>
+          </a:lnRef>
+          <a:fillRef idx="1">
+            <a:schemeClr val="accent1"/>
+          </a:fillRef>
+          <a:effectRef idx="0">
+            <a:schemeClr val="accent1"/>
+          </a:effectRef>
+          <a:fontRef idx="minor">
+            <a:schemeClr val="lt1"/>
+          </a:fontRef>
+        </p:style>
+        <p:txBody>
+          <a:bodyPr rtlCol="0" anchor="ctr"/>
+          <a:lstStyle/>
+          <a:p>
+            <a:pPr algn="ctr"/>
+            <a:r>
+              <a:rPr lang="ko-KR" altLang="en-US" b="1" dirty="0" err="1" smtClean="0">
+                <a:solidFill>
+                  <a:schemeClr val="tx1"/>
+                </a:solidFill>
+              </a:rPr>
+              <a:t>장민경</a:t>
+            </a:r>
+            <a:endParaRPr lang="en-US" altLang="ko-KR" b="1" dirty="0" smtClean="0">
+              <a:solidFill>
+                <a:schemeClr val="tx1"/>
+              </a:solidFill>
+            </a:endParaRPr>
+          </a:p>
+          <a:p>
+            <a:pPr algn="ctr"/>
+            <a:r>
+              <a:rPr lang="ko-KR" altLang="en-US" dirty="0" smtClean="0">
+                <a:solidFill>
+                  <a:schemeClr val="tx1"/>
+                </a:solidFill>
+              </a:rPr>
+              <a:t>커뮤니티</a:t>
+            </a:r>
+            <a:endParaRPr lang="en-US" altLang="ko-KR" dirty="0" smtClean="0">
+              <a:solidFill>
+                <a:schemeClr val="tx1"/>
+              </a:solidFill>
+            </a:endParaRPr>
+          </a:p>
+          <a:p>
+            <a:pPr algn="ctr"/>
+            <a:r>
+              <a:rPr lang="en-US" altLang="ko-KR" dirty="0" smtClean="0">
+                <a:solidFill>
+                  <a:schemeClr val="tx1"/>
+                </a:solidFill>
+              </a:rPr>
+              <a:t>(</a:t>
+            </a:r>
+            <a:r>
+              <a:rPr lang="ko-KR" altLang="en-US" dirty="0" smtClean="0">
+                <a:solidFill>
+                  <a:schemeClr val="tx1"/>
+                </a:solidFill>
+              </a:rPr>
+              <a:t>자유게시판</a:t>
+            </a:r>
+            <a:endParaRPr lang="en-US" altLang="ko-KR" dirty="0" smtClean="0">
+              <a:solidFill>
+                <a:schemeClr val="tx1"/>
+              </a:solidFill>
+            </a:endParaRPr>
+          </a:p>
+          <a:p>
+            <a:pPr algn="ctr"/>
+            <a:r>
+              <a:rPr lang="ko-KR" altLang="en-US" dirty="0" err="1" smtClean="0">
+                <a:solidFill>
+                  <a:schemeClr val="tx1"/>
+                </a:solidFill>
+              </a:rPr>
+              <a:t>리뷰게시판</a:t>
+            </a:r>
+            <a:r>
+              <a:rPr lang="en-US" altLang="ko-KR" dirty="0" smtClean="0">
+                <a:solidFill>
+                  <a:schemeClr val="tx1"/>
+                </a:solidFill>
+              </a:rPr>
+              <a:t>)</a:t>
+            </a:r>
+          </a:p>
+          <a:p>
+            <a:pPr algn="ctr"/>
+            <a:r>
+              <a:rPr lang="ko-KR" altLang="en-US" dirty="0" err="1" smtClean="0">
+                <a:solidFill>
+                  <a:schemeClr val="tx1"/>
+                </a:solidFill>
+              </a:rPr>
+              <a:t>게시글</a:t>
+            </a:r>
+            <a:endParaRPr lang="en-US" altLang="ko-KR" dirty="0" smtClean="0">
+              <a:solidFill>
+                <a:schemeClr val="tx1"/>
+              </a:solidFill>
+            </a:endParaRPr>
+          </a:p>
+          <a:p>
+            <a:pPr algn="ctr"/>
+            <a:r>
+              <a:rPr lang="ko-KR" altLang="en-US" dirty="0" smtClean="0">
+                <a:solidFill>
+                  <a:schemeClr val="tx1"/>
+                </a:solidFill>
+              </a:rPr>
+              <a:t>댓글</a:t>
+            </a:r>
+            <a:endParaRPr lang="ko-KR" altLang="en-US" dirty="0">
+              <a:solidFill>
+                <a:schemeClr val="tx1"/>
+              </a:solidFill>
+            </a:endParaRPr>
+          </a:p>
+        </p:txBody>
+      </p:sp>
+      <p:sp>
+        <p:nvSpPr>
+          <p:cNvPr id="9" name="양쪽 모서리가 둥근 사각형 8"/>
+          <p:cNvSpPr/>
+          <p:nvPr/>
+        </p:nvSpPr>
+        <p:spPr>
+          <a:xfrm>
+            <a:off x="3423460" y="1560282"/>
+            <a:ext cx="2335878" cy="4596938"/>
+          </a:xfrm>
+          <a:prstGeom prst="round2SameRect">
+            <a:avLst/>
+          </a:prstGeom>
+          <a:noFill/>
+          <a:ln w="38100">
+            <a:solidFill>
+              <a:srgbClr val="86360E"/>
+            </a:solidFill>
+          </a:ln>
+        </p:spPr>
+        <p:style>
+          <a:lnRef idx="2">
+            <a:schemeClr val="accent1">
+              <a:shade val="50000"/>
+            </a:schemeClr>
+          </a:lnRef>
+          <a:fillRef idx="1">
+            <a:schemeClr val="accent1"/>
+          </a:fillRef>
+          <a:effectRef idx="0">
+            <a:schemeClr val="accent1"/>
+          </a:effectRef>
+          <a:fontRef idx="minor">
+            <a:schemeClr val="lt1"/>
+          </a:fontRef>
+        </p:style>
+        <p:txBody>
+          <a:bodyPr rtlCol="0" anchor="ctr"/>
+          <a:lstStyle/>
+          <a:p>
+            <a:pPr algn="ctr"/>
+            <a:r>
+              <a:rPr lang="ko-KR" altLang="en-US" b="1" dirty="0" smtClean="0">
+                <a:solidFill>
+                  <a:schemeClr val="tx1"/>
+                </a:solidFill>
+              </a:rPr>
+              <a:t>조계인</a:t>
+            </a:r>
+            <a:endParaRPr lang="en-US" altLang="ko-KR" b="1" dirty="0" smtClean="0">
+              <a:solidFill>
+                <a:schemeClr val="tx1"/>
+              </a:solidFill>
+            </a:endParaRPr>
+          </a:p>
+          <a:p>
+            <a:pPr algn="ctr"/>
+            <a:r>
+              <a:rPr lang="en-US" altLang="ko-KR" dirty="0" err="1" smtClean="0">
+                <a:solidFill>
+                  <a:schemeClr val="tx1"/>
+                </a:solidFill>
+              </a:rPr>
+              <a:t>Ebook</a:t>
+            </a:r>
+            <a:endParaRPr lang="en-US" altLang="ko-KR" dirty="0" smtClean="0">
+              <a:solidFill>
+                <a:schemeClr val="tx1"/>
+              </a:solidFill>
+            </a:endParaRPr>
+          </a:p>
+          <a:p>
+            <a:pPr algn="ctr"/>
+            <a:r>
+              <a:rPr lang="ko-KR" altLang="en-US" dirty="0" smtClean="0">
+                <a:solidFill>
+                  <a:schemeClr val="tx1"/>
+                </a:solidFill>
+              </a:rPr>
+              <a:t>에피소드</a:t>
+            </a:r>
+            <a:endParaRPr lang="en-US" altLang="ko-KR" dirty="0" smtClean="0">
+              <a:solidFill>
+                <a:schemeClr val="tx1"/>
+              </a:solidFill>
+            </a:endParaRPr>
+          </a:p>
+          <a:p>
+            <a:pPr algn="ctr"/>
+            <a:r>
+              <a:rPr lang="ko-KR" altLang="en-US" dirty="0" smtClean="0">
+                <a:solidFill>
+                  <a:schemeClr val="tx1"/>
+                </a:solidFill>
+              </a:rPr>
+              <a:t>좋아요</a:t>
+            </a:r>
+            <a:endParaRPr lang="en-US" altLang="ko-KR" dirty="0" smtClean="0">
+              <a:solidFill>
+                <a:schemeClr val="tx1"/>
+              </a:solidFill>
+            </a:endParaRPr>
+          </a:p>
+          <a:p>
+            <a:pPr algn="ctr"/>
+            <a:r>
+              <a:rPr lang="ko-KR" altLang="en-US" smtClean="0">
+                <a:solidFill>
+                  <a:schemeClr val="tx1"/>
+                </a:solidFill>
+              </a:rPr>
+              <a:t>보관함</a:t>
+            </a:r>
+            <a:endParaRPr lang="ko-KR" altLang="en-US" dirty="0">
+              <a:solidFill>
+                <a:schemeClr val="tx1"/>
+              </a:solidFill>
+            </a:endParaRPr>
+          </a:p>
+        </p:txBody>
+      </p:sp>
+      <p:sp>
+        <p:nvSpPr>
+          <p:cNvPr id="10" name="양쪽 모서리가 둥근 사각형 9"/>
+          <p:cNvSpPr/>
+          <p:nvPr/>
+        </p:nvSpPr>
+        <p:spPr>
+          <a:xfrm>
+            <a:off x="6265029" y="1560282"/>
+            <a:ext cx="2335878" cy="4596938"/>
+          </a:xfrm>
+          <a:prstGeom prst="round2SameRect">
+            <a:avLst/>
+          </a:prstGeom>
+          <a:noFill/>
+          <a:ln w="38100">
+            <a:solidFill>
+              <a:srgbClr val="86360E"/>
+            </a:solidFill>
+          </a:ln>
+        </p:spPr>
+        <p:style>
+          <a:lnRef idx="2">
+            <a:schemeClr val="accent1">
+              <a:shade val="50000"/>
+            </a:schemeClr>
+          </a:lnRef>
+          <a:fillRef idx="1">
+            <a:schemeClr val="accent1"/>
+          </a:fillRef>
+          <a:effectRef idx="0">
+            <a:schemeClr val="accent1"/>
+          </a:effectRef>
+          <a:fontRef idx="minor">
+            <a:schemeClr val="lt1"/>
+          </a:fontRef>
+        </p:style>
+        <p:txBody>
+          <a:bodyPr rtlCol="0" anchor="ctr"/>
+          <a:lstStyle/>
+          <a:p>
+            <a:pPr algn="ctr"/>
+            <a:r>
+              <a:rPr lang="ko-KR" altLang="en-US" b="1" dirty="0" err="1" smtClean="0">
+                <a:solidFill>
+                  <a:schemeClr val="tx1"/>
+                </a:solidFill>
+              </a:rPr>
+              <a:t>강은비</a:t>
+            </a:r>
+            <a:endParaRPr lang="en-US" altLang="ko-KR" b="1" dirty="0" smtClean="0">
+              <a:solidFill>
+                <a:schemeClr val="tx1"/>
+              </a:solidFill>
+            </a:endParaRPr>
+          </a:p>
+          <a:p>
+            <a:pPr algn="ctr"/>
+            <a:r>
+              <a:rPr lang="ko-KR" altLang="en-US" dirty="0" smtClean="0">
+                <a:solidFill>
+                  <a:schemeClr val="tx1"/>
+                </a:solidFill>
+              </a:rPr>
+              <a:t>책</a:t>
+            </a:r>
+            <a:endParaRPr lang="en-US" altLang="ko-KR" dirty="0" smtClean="0">
+              <a:solidFill>
+                <a:schemeClr val="tx1"/>
+              </a:solidFill>
+            </a:endParaRPr>
+          </a:p>
+          <a:p>
+            <a:pPr algn="ctr"/>
+            <a:r>
+              <a:rPr lang="ko-KR" altLang="en-US" smtClean="0">
+                <a:solidFill>
+                  <a:schemeClr val="tx1"/>
+                </a:solidFill>
+              </a:rPr>
+              <a:t>책댓글</a:t>
+            </a:r>
+            <a:endParaRPr lang="en-US" altLang="ko-KR" smtClean="0">
+              <a:solidFill>
+                <a:schemeClr val="tx1"/>
+              </a:solidFill>
+            </a:endParaRPr>
+          </a:p>
+          <a:p>
+            <a:pPr algn="ctr"/>
+            <a:r>
+              <a:rPr lang="ko-KR" altLang="en-US" smtClean="0">
+                <a:solidFill>
+                  <a:schemeClr val="tx1"/>
+                </a:solidFill>
+              </a:rPr>
+              <a:t>장바구니</a:t>
+            </a:r>
+            <a:endParaRPr lang="en-US" altLang="ko-KR" smtClean="0">
+              <a:solidFill>
+                <a:schemeClr val="tx1"/>
+              </a:solidFill>
+            </a:endParaRPr>
+          </a:p>
+          <a:p>
+            <a:pPr algn="ctr"/>
+            <a:r>
+              <a:rPr lang="ko-KR" altLang="en-US" smtClean="0">
+                <a:solidFill>
+                  <a:schemeClr val="tx1"/>
+                </a:solidFill>
+              </a:rPr>
+              <a:t>주문</a:t>
+            </a:r>
+            <a:endParaRPr lang="ko-KR" altLang="en-US" dirty="0">
+              <a:solidFill>
+                <a:schemeClr val="tx1"/>
+              </a:solidFill>
+            </a:endParaRPr>
+          </a:p>
+        </p:txBody>
+      </p:sp>
+      <p:sp>
+        <p:nvSpPr>
+          <p:cNvPr id="11" name="양쪽 모서리가 둥근 사각형 10"/>
+          <p:cNvSpPr/>
+          <p:nvPr/>
+        </p:nvSpPr>
+        <p:spPr>
+          <a:xfrm>
+            <a:off x="9106598" y="1560282"/>
+            <a:ext cx="2335878" cy="4596938"/>
+          </a:xfrm>
+          <a:prstGeom prst="round2SameRect">
+            <a:avLst/>
+          </a:prstGeom>
+          <a:noFill/>
+          <a:ln w="38100">
+            <a:solidFill>
+              <a:srgbClr val="86360E"/>
+            </a:solidFill>
+          </a:ln>
+        </p:spPr>
+        <p:style>
+          <a:lnRef idx="2">
+            <a:schemeClr val="accent1">
+              <a:shade val="50000"/>
+            </a:schemeClr>
+          </a:lnRef>
+          <a:fillRef idx="1">
+            <a:schemeClr val="accent1"/>
+          </a:fillRef>
+          <a:effectRef idx="0">
+            <a:schemeClr val="accent1"/>
+          </a:effectRef>
+          <a:fontRef idx="minor">
+            <a:schemeClr val="lt1"/>
+          </a:fontRef>
+        </p:style>
+        <p:txBody>
+          <a:bodyPr rtlCol="0" anchor="ctr"/>
+          <a:lstStyle/>
+          <a:p>
+            <a:pPr algn="ctr"/>
+            <a:r>
+              <a:rPr lang="ko-KR" altLang="en-US" b="1" dirty="0" smtClean="0">
+                <a:solidFill>
+                  <a:schemeClr val="tx1"/>
+                </a:solidFill>
+              </a:rPr>
+              <a:t>박중현</a:t>
+            </a:r>
+            <a:endParaRPr lang="en-US" altLang="ko-KR" b="1" dirty="0" smtClean="0">
+              <a:solidFill>
+                <a:schemeClr val="tx1"/>
+              </a:solidFill>
+            </a:endParaRPr>
+          </a:p>
+          <a:p>
+            <a:pPr algn="ctr"/>
+            <a:r>
+              <a:rPr lang="ko-KR" altLang="en-US" dirty="0" smtClean="0">
+                <a:solidFill>
+                  <a:schemeClr val="tx1"/>
+                </a:solidFill>
+              </a:rPr>
+              <a:t>팀장</a:t>
+            </a:r>
+            <a:endParaRPr lang="en-US" altLang="ko-KR" dirty="0" smtClean="0">
+              <a:solidFill>
+                <a:schemeClr val="tx1"/>
+              </a:solidFill>
+            </a:endParaRPr>
+          </a:p>
+          <a:p>
+            <a:pPr algn="ctr"/>
+            <a:r>
+              <a:rPr lang="ko-KR" altLang="en-US" dirty="0" smtClean="0">
+                <a:solidFill>
+                  <a:schemeClr val="tx1"/>
+                </a:solidFill>
+              </a:rPr>
+              <a:t>로그인</a:t>
+            </a:r>
+            <a:endParaRPr lang="en-US" altLang="ko-KR" dirty="0" smtClean="0">
+              <a:solidFill>
+                <a:schemeClr val="tx1"/>
+              </a:solidFill>
+            </a:endParaRPr>
+          </a:p>
+          <a:p>
+            <a:pPr algn="ctr"/>
+            <a:r>
+              <a:rPr lang="ko-KR" altLang="en-US" dirty="0" smtClean="0">
+                <a:solidFill>
+                  <a:schemeClr val="tx1"/>
+                </a:solidFill>
+              </a:rPr>
+              <a:t>고객센터</a:t>
+            </a:r>
+            <a:endParaRPr lang="en-US" altLang="ko-KR" dirty="0" smtClean="0">
+              <a:solidFill>
+                <a:schemeClr val="tx1"/>
+              </a:solidFill>
+            </a:endParaRPr>
+          </a:p>
+          <a:p>
+            <a:pPr algn="ctr"/>
+            <a:r>
+              <a:rPr lang="ko-KR" altLang="en-US" dirty="0" smtClean="0">
+                <a:solidFill>
+                  <a:schemeClr val="tx1"/>
+                </a:solidFill>
+              </a:rPr>
+              <a:t>이용권</a:t>
+            </a:r>
+            <a:endParaRPr lang="en-US" altLang="ko-KR" dirty="0" smtClean="0">
+              <a:solidFill>
+                <a:schemeClr val="tx1"/>
+              </a:solidFill>
+            </a:endParaRPr>
+          </a:p>
+          <a:p>
+            <a:pPr algn="ctr"/>
+            <a:r>
+              <a:rPr lang="ko-KR" altLang="en-US" dirty="0" smtClean="0">
+                <a:solidFill>
+                  <a:schemeClr val="tx1"/>
+                </a:solidFill>
+              </a:rPr>
+              <a:t>기타</a:t>
+            </a:r>
+            <a:endParaRPr lang="ko-KR" altLang="en-US" dirty="0">
+              <a:solidFill>
+                <a:schemeClr val="tx1"/>
+              </a:solidFill>
+            </a:endParaRPr>
+          </a:p>
+        </p:txBody>
+      </p:sp>
+    </p:spTree>
+    <p:extLst>
+      <p:ext uri="{BB962C8B-B14F-4D97-AF65-F5344CB8AC3E}">
+        <p14:creationId xmlns:p14="http://schemas.microsoft.com/office/powerpoint/2010/main" val="1834651386"/>
+      </p:ext>
+    </p:extLst>
+  </p:cSld>
+  <p:clrMapOvr>
+    <a:masterClrMapping/>
+  </p:clrMapOvr>
+  <p:timing>
+    <p:tnLst>
+      <p:par>
+        <p:cTn id="1" dur="indefinite" restart="never" nodeType="tmRoot"/>
+      </p:par>
+    </p:tnLst>
+  </p:timing>
+</p:sld>
+</file>
+
+<file path=ppt/slides/slide4.xml><?xml version="1.0" encoding="utf-8"?>
+<p:sld xmlns:a="http://schemas.openxmlformats.org/drawingml/2006/main" xmlns:r="http://schemas.openxmlformats.org/officeDocument/2006/relationships" xmlns:p="http://schemas.openxmlformats.org/presentationml/2006/main">
+  <p:cSld>
+    <p:bg>
+      <p:bgPr>
+        <a:blipFill dpi="0" rotWithShape="1">
+          <a:blip r:embed="rId2">
+            <a:lum/>
+          </a:blip>
+          <a:srcRect/>
+          <a:stretch>
+            <a:fillRect l="-24000" r="-24000"/>
+          </a:stretch>
+        </a:blipFill>
+        <a:effectLst/>
+      </p:bgPr>
+    </p:bg>
+    <p:spTree>
+      <p:nvGrpSpPr>
+        <p:cNvPr id="1" name=""/>
+        <p:cNvGrpSpPr/>
+        <p:nvPr/>
+      </p:nvGrpSpPr>
+      <p:grpSpPr>
+        <a:xfrm>
+          <a:off x="0" y="0"/>
+          <a:ext cx="0" cy="0"/>
+          <a:chOff x="0" y="0"/>
+          <a:chExt cx="0" cy="0"/>
+        </a:xfrm>
+      </p:grpSpPr>
+      <p:sp>
+        <p:nvSpPr>
+          <p:cNvPr id="8" name="TextBox 7"/>
+          <p:cNvSpPr txBox="1"/>
+          <p:nvPr/>
+        </p:nvSpPr>
+        <p:spPr>
+          <a:xfrm>
+            <a:off x="5075959" y="672887"/>
+            <a:ext cx="2237509" cy="338554"/>
+          </a:xfrm>
+          <a:prstGeom prst="rect">
+            <a:avLst/>
+          </a:prstGeom>
+          <a:noFill/>
+        </p:spPr>
+        <p:txBody>
+          <a:bodyPr wrap="square" rtlCol="0">
+            <a:spAutoFit/>
+          </a:bodyPr>
+          <a:lstStyle/>
+          <a:p>
+            <a:r>
+              <a:rPr lang="ko-KR" altLang="en-US" sz="1600" dirty="0" smtClean="0">
+                <a:solidFill>
+                  <a:schemeClr val="accent2">
+                    <a:lumMod val="50000"/>
+                  </a:schemeClr>
+                </a:solidFill>
+                <a:latin typeface="경기천년제목 Light" panose="02020403020101020101" pitchFamily="18" charset="-127"/>
+                <a:ea typeface="경기천년제목 Light" panose="02020403020101020101" pitchFamily="18" charset="-127"/>
+              </a:rPr>
+              <a:t>사용한 프로그램 및 언어</a:t>
+            </a:r>
+            <a:endParaRPr lang="ko-KR" altLang="en-US" sz="1600" dirty="0">
+              <a:solidFill>
+                <a:schemeClr val="accent2">
+                  <a:lumMod val="50000"/>
+                </a:schemeClr>
+              </a:solidFill>
+              <a:latin typeface="경기천년제목 Light" panose="02020403020101020101" pitchFamily="18" charset="-127"/>
+              <a:ea typeface="경기천년제목 Light" panose="02020403020101020101" pitchFamily="18" charset="-127"/>
+            </a:endParaRPr>
+          </a:p>
+        </p:txBody>
+      </p:sp>
+      <p:sp>
+        <p:nvSpPr>
+          <p:cNvPr id="3" name="직사각형 2"/>
+          <p:cNvSpPr/>
+          <p:nvPr/>
+        </p:nvSpPr>
+        <p:spPr>
+          <a:xfrm>
+            <a:off x="3133281" y="8231345"/>
+            <a:ext cx="2919748" cy="1330328"/>
+          </a:xfrm>
+          <a:prstGeom prst="rect">
+            <a:avLst/>
+          </a:prstGeom>
+          <a:solidFill>
+            <a:schemeClr val="tx1">
+              <a:alpha val="50000"/>
+            </a:schemeClr>
+          </a:solidFill>
+          <a:ln>
+            <a:noFill/>
+          </a:ln>
+        </p:spPr>
+        <p:style>
+          <a:lnRef idx="2">
+            <a:schemeClr val="accent1">
+              <a:shade val="50000"/>
+            </a:schemeClr>
+          </a:lnRef>
+          <a:fillRef idx="1">
+            <a:schemeClr val="accent1"/>
+          </a:fillRef>
+          <a:effectRef idx="0">
+            <a:schemeClr val="accent1"/>
+          </a:effectRef>
+          <a:fontRef idx="minor">
+            <a:schemeClr val="lt1"/>
+          </a:fontRef>
+        </p:style>
+        <p:txBody>
+          <a:bodyPr rtlCol="0" anchor="ctr"/>
+          <a:lstStyle/>
+          <a:p>
+            <a:pPr algn="ctr"/>
+            <a:endParaRPr lang="ko-KR" altLang="en-US"/>
+          </a:p>
+        </p:txBody>
+      </p:sp>
+      <p:sp>
+        <p:nvSpPr>
+          <p:cNvPr id="2" name="직사각형 1"/>
+          <p:cNvSpPr/>
+          <p:nvPr/>
+        </p:nvSpPr>
+        <p:spPr>
+          <a:xfrm>
+            <a:off x="0" y="0"/>
+            <a:ext cx="12192000" cy="920265"/>
+          </a:xfrm>
+          <a:prstGeom prst="rect">
+            <a:avLst/>
+          </a:prstGeom>
+          <a:solidFill>
+            <a:schemeClr val="bg1"/>
+          </a:solidFill>
+          <a:ln>
+            <a:noFill/>
+          </a:ln>
+        </p:spPr>
+        <p:style>
+          <a:lnRef idx="2">
+            <a:schemeClr val="accent1">
+              <a:shade val="50000"/>
+            </a:schemeClr>
+          </a:lnRef>
+          <a:fillRef idx="1">
+            <a:schemeClr val="accent1"/>
+          </a:fillRef>
+          <a:effectRef idx="0">
+            <a:schemeClr val="accent1"/>
+          </a:effectRef>
+          <a:fontRef idx="minor">
+            <a:schemeClr val="lt1"/>
+          </a:fontRef>
+        </p:style>
+        <p:txBody>
+          <a:bodyPr rtlCol="0" anchor="ctr"/>
+          <a:lstStyle/>
+          <a:p>
+            <a:pPr algn="ctr"/>
+            <a:endParaRPr lang="ko-KR" altLang="en-US"/>
+          </a:p>
+        </p:txBody>
+      </p:sp>
+      <p:sp>
+        <p:nvSpPr>
+          <p:cNvPr id="9" name="TextBox 8"/>
+          <p:cNvSpPr txBox="1"/>
+          <p:nvPr/>
+        </p:nvSpPr>
+        <p:spPr>
+          <a:xfrm>
+            <a:off x="814388" y="182549"/>
+            <a:ext cx="5385933" cy="523220"/>
+          </a:xfrm>
+          <a:prstGeom prst="rect">
+            <a:avLst/>
+          </a:prstGeom>
+          <a:noFill/>
+        </p:spPr>
+        <p:txBody>
+          <a:bodyPr wrap="square" rtlCol="0">
+            <a:spAutoFit/>
+          </a:bodyPr>
+          <a:lstStyle/>
+          <a:p>
+            <a:r>
+              <a:rPr lang="ko-KR" altLang="en-US" sz="2800" dirty="0" smtClean="0">
+                <a:latin typeface="경기천년제목 Medium" panose="02020603020101020101" pitchFamily="18" charset="-127"/>
+                <a:ea typeface="경기천년제목 Medium" panose="02020603020101020101" pitchFamily="18" charset="-127"/>
+              </a:rPr>
+              <a:t>기술</a:t>
+            </a:r>
+            <a:r>
+              <a:rPr lang="en-US" altLang="ko-KR" sz="2800" dirty="0" smtClean="0">
+                <a:latin typeface="경기천년제목 Medium" panose="02020603020101020101" pitchFamily="18" charset="-127"/>
+                <a:ea typeface="경기천년제목 Medium" panose="02020603020101020101" pitchFamily="18" charset="-127"/>
+              </a:rPr>
+              <a:t> </a:t>
+            </a:r>
+            <a:r>
+              <a:rPr lang="ko-KR" altLang="en-US" sz="2800" dirty="0" smtClean="0">
+                <a:latin typeface="경기천년제목 Medium" panose="02020603020101020101" pitchFamily="18" charset="-127"/>
+                <a:ea typeface="경기천년제목 Medium" panose="02020603020101020101" pitchFamily="18" charset="-127"/>
+              </a:rPr>
+              <a:t>스택 </a:t>
+            </a:r>
+            <a:r>
+              <a:rPr lang="en-US" altLang="ko-KR" dirty="0" smtClean="0">
+                <a:solidFill>
+                  <a:srgbClr val="86360E"/>
+                </a:solidFill>
+                <a:latin typeface="경기천년제목 Medium" panose="02020603020101020101" pitchFamily="18" charset="-127"/>
+                <a:ea typeface="경기천년제목 Medium" panose="02020603020101020101" pitchFamily="18" charset="-127"/>
+              </a:rPr>
+              <a:t>FRONT_END, BACK_END, TOOLS</a:t>
+            </a:r>
+            <a:endParaRPr lang="ko-KR" altLang="en-US" dirty="0">
+              <a:solidFill>
+                <a:srgbClr val="86360E"/>
+              </a:solidFill>
+              <a:latin typeface="경기천년제목 Medium" panose="02020603020101020101" pitchFamily="18" charset="-127"/>
+              <a:ea typeface="경기천년제목 Medium" panose="02020603020101020101" pitchFamily="18" charset="-127"/>
+            </a:endParaRPr>
+          </a:p>
+        </p:txBody>
+      </p:sp>
+      <p:sp>
+        <p:nvSpPr>
+          <p:cNvPr id="12" name="직사각형 11"/>
+          <p:cNvSpPr/>
+          <p:nvPr/>
+        </p:nvSpPr>
+        <p:spPr>
+          <a:xfrm>
+            <a:off x="0" y="416553"/>
+            <a:ext cx="803564" cy="83127"/>
+          </a:xfrm>
+          <a:prstGeom prst="rect">
+            <a:avLst/>
+          </a:prstGeom>
+          <a:solidFill>
+            <a:srgbClr val="86360E"/>
+          </a:solidFill>
+          <a:ln>
+            <a:noFill/>
+          </a:ln>
+        </p:spPr>
+        <p:style>
+          <a:lnRef idx="2">
+            <a:schemeClr val="accent1">
+              <a:shade val="50000"/>
+            </a:schemeClr>
+          </a:lnRef>
+          <a:fillRef idx="1">
+            <a:schemeClr val="accent1"/>
+          </a:fillRef>
+          <a:effectRef idx="0">
+            <a:schemeClr val="accent1"/>
+          </a:effectRef>
+          <a:fontRef idx="minor">
+            <a:schemeClr val="lt1"/>
+          </a:fontRef>
+        </p:style>
+        <p:txBody>
+          <a:bodyPr rtlCol="0" anchor="ctr"/>
+          <a:lstStyle/>
+          <a:p>
+            <a:pPr algn="ctr"/>
+            <a:endParaRPr lang="ko-KR" altLang="en-US"/>
+          </a:p>
+        </p:txBody>
+      </p:sp>
+      <p:sp>
+        <p:nvSpPr>
+          <p:cNvPr id="22" name="모서리가 둥근 직사각형 21"/>
+          <p:cNvSpPr/>
+          <p:nvPr/>
+        </p:nvSpPr>
+        <p:spPr>
+          <a:xfrm>
+            <a:off x="1867535" y="1282677"/>
+            <a:ext cx="1224000" cy="1224000"/>
+          </a:xfrm>
+          <a:prstGeom prst="roundRect">
+            <a:avLst/>
+          </a:prstGeom>
+          <a:solidFill>
+            <a:schemeClr val="bg1"/>
+          </a:solidFill>
+          <a:ln w="31750">
+            <a:solidFill>
+              <a:schemeClr val="bg1">
+                <a:lumMod val="50000"/>
+              </a:schemeClr>
+            </a:solidFill>
+          </a:ln>
+        </p:spPr>
+        <p:style>
+          <a:lnRef idx="2">
+            <a:schemeClr val="accent1">
+              <a:shade val="50000"/>
+            </a:schemeClr>
+          </a:lnRef>
+          <a:fillRef idx="1">
+            <a:schemeClr val="accent1"/>
+          </a:fillRef>
+          <a:effectRef idx="0">
+            <a:schemeClr val="accent1"/>
+          </a:effectRef>
+          <a:fontRef idx="minor">
+            <a:schemeClr val="lt1"/>
+          </a:fontRef>
+        </p:style>
+        <p:txBody>
+          <a:bodyPr rtlCol="0" anchor="ctr"/>
+          <a:lstStyle/>
+          <a:p>
+            <a:pPr algn="ctr"/>
+            <a:endParaRPr lang="ko-KR" altLang="en-US"/>
+          </a:p>
+        </p:txBody>
+      </p:sp>
+      <p:sp>
+        <p:nvSpPr>
+          <p:cNvPr id="42" name="모서리가 둥근 직사각형 41"/>
+          <p:cNvSpPr/>
+          <p:nvPr/>
+        </p:nvSpPr>
+        <p:spPr>
+          <a:xfrm>
+            <a:off x="414935" y="1252553"/>
+            <a:ext cx="1224000" cy="1224000"/>
+          </a:xfrm>
+          <a:prstGeom prst="roundRect">
+            <a:avLst/>
+          </a:prstGeom>
+          <a:solidFill>
+            <a:schemeClr val="bg1"/>
+          </a:solidFill>
+          <a:ln w="31750">
+            <a:solidFill>
+              <a:schemeClr val="bg1">
+                <a:lumMod val="50000"/>
+              </a:schemeClr>
+            </a:solidFill>
+          </a:ln>
+        </p:spPr>
+        <p:style>
+          <a:lnRef idx="2">
+            <a:schemeClr val="accent1">
+              <a:shade val="50000"/>
+            </a:schemeClr>
+          </a:lnRef>
+          <a:fillRef idx="1">
+            <a:schemeClr val="accent1"/>
+          </a:fillRef>
+          <a:effectRef idx="0">
+            <a:schemeClr val="accent1"/>
+          </a:effectRef>
+          <a:fontRef idx="minor">
+            <a:schemeClr val="lt1"/>
+          </a:fontRef>
+        </p:style>
+        <p:txBody>
+          <a:bodyPr rtlCol="0" anchor="ctr"/>
+          <a:lstStyle/>
+          <a:p>
+            <a:pPr algn="ctr"/>
+            <a:endParaRPr lang="ko-KR" altLang="en-US"/>
+          </a:p>
+        </p:txBody>
+      </p:sp>
+      <p:sp>
+        <p:nvSpPr>
+          <p:cNvPr id="43" name="모서리가 둥근 직사각형 42"/>
+          <p:cNvSpPr/>
+          <p:nvPr/>
+        </p:nvSpPr>
+        <p:spPr>
+          <a:xfrm>
+            <a:off x="414728" y="5070374"/>
+            <a:ext cx="1224000" cy="1224000"/>
+          </a:xfrm>
+          <a:prstGeom prst="roundRect">
+            <a:avLst/>
+          </a:prstGeom>
+          <a:solidFill>
+            <a:schemeClr val="bg1"/>
+          </a:solidFill>
+          <a:ln w="31750">
+            <a:solidFill>
+              <a:schemeClr val="bg1">
+                <a:lumMod val="50000"/>
+              </a:schemeClr>
+            </a:solidFill>
+          </a:ln>
+        </p:spPr>
+        <p:style>
+          <a:lnRef idx="2">
+            <a:schemeClr val="accent1">
+              <a:shade val="50000"/>
+            </a:schemeClr>
+          </a:lnRef>
+          <a:fillRef idx="1">
+            <a:schemeClr val="accent1"/>
+          </a:fillRef>
+          <a:effectRef idx="0">
+            <a:schemeClr val="accent1"/>
+          </a:effectRef>
+          <a:fontRef idx="minor">
+            <a:schemeClr val="lt1"/>
+          </a:fontRef>
+        </p:style>
+        <p:txBody>
+          <a:bodyPr rtlCol="0" anchor="ctr"/>
+          <a:lstStyle/>
+          <a:p>
+            <a:pPr algn="ctr"/>
+            <a:endParaRPr lang="ko-KR" altLang="en-US"/>
+          </a:p>
+        </p:txBody>
+      </p:sp>
+      <p:sp>
+        <p:nvSpPr>
+          <p:cNvPr id="44" name="모서리가 둥근 직사각형 43"/>
+          <p:cNvSpPr/>
+          <p:nvPr/>
+        </p:nvSpPr>
+        <p:spPr>
+          <a:xfrm>
+            <a:off x="3304790" y="1310628"/>
+            <a:ext cx="1224000" cy="1224000"/>
+          </a:xfrm>
+          <a:prstGeom prst="roundRect">
+            <a:avLst/>
+          </a:prstGeom>
+          <a:solidFill>
+            <a:schemeClr val="bg1"/>
+          </a:solidFill>
+          <a:ln w="31750">
+            <a:solidFill>
+              <a:schemeClr val="bg1">
+                <a:lumMod val="50000"/>
+              </a:schemeClr>
+            </a:solidFill>
+          </a:ln>
+        </p:spPr>
+        <p:style>
+          <a:lnRef idx="2">
+            <a:schemeClr val="accent1">
+              <a:shade val="50000"/>
+            </a:schemeClr>
+          </a:lnRef>
+          <a:fillRef idx="1">
+            <a:schemeClr val="accent1"/>
+          </a:fillRef>
+          <a:effectRef idx="0">
+            <a:schemeClr val="accent1"/>
+          </a:effectRef>
+          <a:fontRef idx="minor">
+            <a:schemeClr val="lt1"/>
+          </a:fontRef>
+        </p:style>
+        <p:txBody>
+          <a:bodyPr rtlCol="0" anchor="ctr"/>
+          <a:lstStyle/>
+          <a:p>
+            <a:pPr algn="ctr"/>
+            <a:endParaRPr lang="ko-KR" altLang="en-US"/>
+          </a:p>
+        </p:txBody>
+      </p:sp>
+      <p:sp>
+        <p:nvSpPr>
+          <p:cNvPr id="45" name="모서리가 둥근 직사각형 44"/>
+          <p:cNvSpPr/>
+          <p:nvPr/>
+        </p:nvSpPr>
+        <p:spPr>
+          <a:xfrm>
+            <a:off x="4806094" y="1334236"/>
+            <a:ext cx="1224000" cy="1224000"/>
+          </a:xfrm>
+          <a:prstGeom prst="roundRect">
+            <a:avLst/>
+          </a:prstGeom>
+          <a:solidFill>
+            <a:schemeClr val="bg1"/>
+          </a:solidFill>
+          <a:ln w="31750">
+            <a:solidFill>
+              <a:schemeClr val="bg1">
+                <a:lumMod val="50000"/>
+              </a:schemeClr>
+            </a:solidFill>
+          </a:ln>
+        </p:spPr>
+        <p:style>
+          <a:lnRef idx="2">
+            <a:schemeClr val="accent1">
+              <a:shade val="50000"/>
+            </a:schemeClr>
+          </a:lnRef>
+          <a:fillRef idx="1">
+            <a:schemeClr val="accent1"/>
+          </a:fillRef>
+          <a:effectRef idx="0">
+            <a:schemeClr val="accent1"/>
+          </a:effectRef>
+          <a:fontRef idx="minor">
+            <a:schemeClr val="lt1"/>
+          </a:fontRef>
+        </p:style>
+        <p:txBody>
+          <a:bodyPr rtlCol="0" anchor="ctr"/>
+          <a:lstStyle/>
+          <a:p>
+            <a:pPr algn="ctr"/>
+            <a:endParaRPr lang="ko-KR" altLang="en-US"/>
+          </a:p>
+        </p:txBody>
+      </p:sp>
+      <p:sp>
+        <p:nvSpPr>
+          <p:cNvPr id="47" name="모서리가 둥근 직사각형 46"/>
+          <p:cNvSpPr/>
+          <p:nvPr/>
+        </p:nvSpPr>
+        <p:spPr>
+          <a:xfrm>
+            <a:off x="6308236" y="1353287"/>
+            <a:ext cx="1224000" cy="1224000"/>
+          </a:xfrm>
+          <a:prstGeom prst="roundRect">
+            <a:avLst/>
+          </a:prstGeom>
+          <a:solidFill>
+            <a:schemeClr val="bg1"/>
+          </a:solidFill>
+          <a:ln w="31750">
+            <a:solidFill>
+              <a:schemeClr val="bg1">
+                <a:lumMod val="50000"/>
+              </a:schemeClr>
+            </a:solidFill>
+          </a:ln>
+        </p:spPr>
+        <p:style>
+          <a:lnRef idx="2">
+            <a:schemeClr val="accent1">
+              <a:shade val="50000"/>
+            </a:schemeClr>
+          </a:lnRef>
+          <a:fillRef idx="1">
+            <a:schemeClr val="accent1"/>
+          </a:fillRef>
+          <a:effectRef idx="0">
+            <a:schemeClr val="accent1"/>
+          </a:effectRef>
+          <a:fontRef idx="minor">
+            <a:schemeClr val="lt1"/>
+          </a:fontRef>
+        </p:style>
+        <p:txBody>
+          <a:bodyPr rtlCol="0" anchor="ctr"/>
+          <a:lstStyle/>
+          <a:p>
+            <a:pPr algn="ctr"/>
+            <a:endParaRPr lang="ko-KR" altLang="en-US"/>
+          </a:p>
+        </p:txBody>
+      </p:sp>
+      <p:sp>
+        <p:nvSpPr>
+          <p:cNvPr id="51" name="모서리가 둥근 직사각형 50"/>
+          <p:cNvSpPr/>
+          <p:nvPr/>
+        </p:nvSpPr>
+        <p:spPr>
+          <a:xfrm>
+            <a:off x="4888034" y="5065439"/>
+            <a:ext cx="1224000" cy="1224000"/>
+          </a:xfrm>
+          <a:prstGeom prst="roundRect">
+            <a:avLst/>
+          </a:prstGeom>
+          <a:solidFill>
+            <a:schemeClr val="bg1"/>
+          </a:solidFill>
+          <a:ln w="31750">
+            <a:solidFill>
+              <a:schemeClr val="bg1">
+                <a:lumMod val="50000"/>
+              </a:schemeClr>
+            </a:solidFill>
+          </a:ln>
+        </p:spPr>
+        <p:style>
+          <a:lnRef idx="2">
+            <a:schemeClr val="accent1">
+              <a:shade val="50000"/>
+            </a:schemeClr>
+          </a:lnRef>
+          <a:fillRef idx="1">
+            <a:schemeClr val="accent1"/>
+          </a:fillRef>
+          <a:effectRef idx="0">
+            <a:schemeClr val="accent1"/>
+          </a:effectRef>
+          <a:fontRef idx="minor">
+            <a:schemeClr val="lt1"/>
+          </a:fontRef>
+        </p:style>
+        <p:txBody>
+          <a:bodyPr rtlCol="0" anchor="ctr"/>
+          <a:lstStyle/>
+          <a:p>
+            <a:pPr algn="ctr"/>
+            <a:endParaRPr lang="ko-KR" altLang="en-US"/>
+          </a:p>
+        </p:txBody>
+      </p:sp>
+      <p:sp>
+        <p:nvSpPr>
+          <p:cNvPr id="52" name="모서리가 둥근 직사각형 51"/>
+          <p:cNvSpPr/>
+          <p:nvPr/>
+        </p:nvSpPr>
+        <p:spPr>
+          <a:xfrm>
+            <a:off x="414728" y="3044735"/>
+            <a:ext cx="1224000" cy="1224000"/>
+          </a:xfrm>
+          <a:prstGeom prst="roundRect">
+            <a:avLst/>
+          </a:prstGeom>
+          <a:solidFill>
+            <a:schemeClr val="bg1"/>
+          </a:solidFill>
+          <a:ln w="31750">
+            <a:solidFill>
+              <a:schemeClr val="bg1">
+                <a:lumMod val="50000"/>
+              </a:schemeClr>
+            </a:solidFill>
+          </a:ln>
+        </p:spPr>
+        <p:style>
+          <a:lnRef idx="2">
+            <a:schemeClr val="accent1">
+              <a:shade val="50000"/>
+            </a:schemeClr>
+          </a:lnRef>
+          <a:fillRef idx="1">
+            <a:schemeClr val="accent1"/>
+          </a:fillRef>
+          <a:effectRef idx="0">
+            <a:schemeClr val="accent1"/>
+          </a:effectRef>
+          <a:fontRef idx="minor">
+            <a:schemeClr val="lt1"/>
+          </a:fontRef>
+        </p:style>
+        <p:txBody>
+          <a:bodyPr rtlCol="0" anchor="ctr"/>
+          <a:lstStyle/>
+          <a:p>
+            <a:pPr algn="ctr"/>
+            <a:endParaRPr lang="ko-KR" altLang="en-US"/>
+          </a:p>
+        </p:txBody>
+      </p:sp>
+      <p:sp>
+        <p:nvSpPr>
+          <p:cNvPr id="57" name="모서리가 둥근 직사각형 56"/>
+          <p:cNvSpPr/>
+          <p:nvPr/>
+        </p:nvSpPr>
+        <p:spPr>
+          <a:xfrm>
+            <a:off x="1866776" y="5065439"/>
+            <a:ext cx="1224000" cy="1224000"/>
+          </a:xfrm>
+          <a:prstGeom prst="roundRect">
+            <a:avLst/>
+          </a:prstGeom>
+          <a:solidFill>
+            <a:schemeClr val="bg1"/>
+          </a:solidFill>
+          <a:ln w="31750">
+            <a:solidFill>
+              <a:schemeClr val="bg1">
+                <a:lumMod val="50000"/>
+              </a:schemeClr>
+            </a:solidFill>
+          </a:ln>
+        </p:spPr>
+        <p:style>
+          <a:lnRef idx="2">
+            <a:schemeClr val="accent1">
+              <a:shade val="50000"/>
+            </a:schemeClr>
+          </a:lnRef>
+          <a:fillRef idx="1">
+            <a:schemeClr val="accent1"/>
+          </a:fillRef>
+          <a:effectRef idx="0">
+            <a:schemeClr val="accent1"/>
+          </a:effectRef>
+          <a:fontRef idx="minor">
+            <a:schemeClr val="lt1"/>
+          </a:fontRef>
+        </p:style>
+        <p:txBody>
+          <a:bodyPr rtlCol="0" anchor="ctr"/>
+          <a:lstStyle/>
+          <a:p>
+            <a:pPr algn="ctr"/>
+            <a:endParaRPr lang="ko-KR" altLang="en-US"/>
+          </a:p>
+        </p:txBody>
+      </p:sp>
+      <p:sp>
+        <p:nvSpPr>
+          <p:cNvPr id="58" name="모서리가 둥근 직사각형 57"/>
+          <p:cNvSpPr/>
+          <p:nvPr/>
+        </p:nvSpPr>
+        <p:spPr>
+          <a:xfrm>
+            <a:off x="3391982" y="5070374"/>
+            <a:ext cx="1224000" cy="1224000"/>
+          </a:xfrm>
+          <a:prstGeom prst="roundRect">
+            <a:avLst/>
+          </a:prstGeom>
+          <a:solidFill>
+            <a:schemeClr val="bg1"/>
+          </a:solidFill>
+          <a:ln w="31750">
+            <a:solidFill>
+              <a:schemeClr val="bg1">
+                <a:lumMod val="50000"/>
+              </a:schemeClr>
+            </a:solidFill>
+          </a:ln>
+        </p:spPr>
+        <p:style>
+          <a:lnRef idx="2">
+            <a:schemeClr val="accent1">
+              <a:shade val="50000"/>
+            </a:schemeClr>
+          </a:lnRef>
+          <a:fillRef idx="1">
+            <a:schemeClr val="accent1"/>
+          </a:fillRef>
+          <a:effectRef idx="0">
+            <a:schemeClr val="accent1"/>
+          </a:effectRef>
+          <a:fontRef idx="minor">
+            <a:schemeClr val="lt1"/>
+          </a:fontRef>
+        </p:style>
+        <p:txBody>
+          <a:bodyPr rtlCol="0" anchor="ctr"/>
+          <a:lstStyle/>
+          <a:p>
+            <a:pPr algn="ctr"/>
+            <a:endParaRPr lang="ko-KR" altLang="en-US"/>
+          </a:p>
+        </p:txBody>
+      </p:sp>
+      <p:sp>
+        <p:nvSpPr>
+          <p:cNvPr id="59" name="모서리가 둥근 직사각형 58"/>
+          <p:cNvSpPr/>
+          <p:nvPr/>
+        </p:nvSpPr>
+        <p:spPr>
+          <a:xfrm>
+            <a:off x="3385739" y="3065030"/>
+            <a:ext cx="1224000" cy="1224000"/>
+          </a:xfrm>
+          <a:prstGeom prst="roundRect">
+            <a:avLst/>
+          </a:prstGeom>
+          <a:solidFill>
+            <a:schemeClr val="bg1"/>
+          </a:solidFill>
+          <a:ln w="31750">
+            <a:solidFill>
+              <a:schemeClr val="bg1">
+                <a:lumMod val="50000"/>
+              </a:schemeClr>
+            </a:solidFill>
+          </a:ln>
+        </p:spPr>
+        <p:style>
+          <a:lnRef idx="2">
+            <a:schemeClr val="accent1">
+              <a:shade val="50000"/>
+            </a:schemeClr>
+          </a:lnRef>
+          <a:fillRef idx="1">
+            <a:schemeClr val="accent1"/>
+          </a:fillRef>
+          <a:effectRef idx="0">
+            <a:schemeClr val="accent1"/>
+          </a:effectRef>
+          <a:fontRef idx="minor">
+            <a:schemeClr val="lt1"/>
+          </a:fontRef>
+        </p:style>
+        <p:txBody>
+          <a:bodyPr rtlCol="0" anchor="ctr"/>
+          <a:lstStyle/>
+          <a:p>
+            <a:pPr algn="ctr"/>
+            <a:endParaRPr lang="ko-KR" altLang="en-US"/>
+          </a:p>
+        </p:txBody>
+      </p:sp>
+      <p:pic>
+        <p:nvPicPr>
+          <p:cNvPr id="19" name="그림 18"/>
+          <p:cNvPicPr>
+            <a:picLocks noChangeAspect="1"/>
+          </p:cNvPicPr>
+          <p:nvPr/>
+        </p:nvPicPr>
+        <p:blipFill>
+          <a:blip r:embed="rId3" cstate="print">
+            <a:extLst>
+              <a:ext uri="{28A0092B-C50C-407E-A947-70E740481C1C}">
+                <a14:useLocalDpi xmlns:a14="http://schemas.microsoft.com/office/drawing/2010/main" val="0"/>
+              </a:ext>
+            </a:extLst>
+          </a:blip>
+          <a:stretch>
+            <a:fillRect/>
+          </a:stretch>
+        </p:blipFill>
+        <p:spPr>
+          <a:xfrm>
+            <a:off x="1984235" y="1426533"/>
+            <a:ext cx="990600" cy="990600"/>
+          </a:xfrm>
+          <a:prstGeom prst="rect">
+            <a:avLst/>
+          </a:prstGeom>
+          <a:ln>
+            <a:noFill/>
+          </a:ln>
+          <a:effectLst>
+            <a:outerShdw blurRad="292100" dist="139700" dir="2700000" algn="tl" rotWithShape="0">
+              <a:srgbClr val="333333">
+                <a:alpha val="65000"/>
+              </a:srgbClr>
+            </a:outerShdw>
+          </a:effectLst>
+        </p:spPr>
+      </p:pic>
+      <p:pic>
+        <p:nvPicPr>
+          <p:cNvPr id="63" name="그림 62"/>
+          <p:cNvPicPr>
+            <a:picLocks noChangeAspect="1"/>
+          </p:cNvPicPr>
+          <p:nvPr/>
+        </p:nvPicPr>
+        <p:blipFill>
+          <a:blip r:embed="rId4" cstate="print">
+            <a:extLst>
+              <a:ext uri="{28A0092B-C50C-407E-A947-70E740481C1C}">
+                <a14:useLocalDpi xmlns:a14="http://schemas.microsoft.com/office/drawing/2010/main" val="0"/>
+              </a:ext>
+            </a:extLst>
+          </a:blip>
+          <a:stretch>
+            <a:fillRect/>
+          </a:stretch>
+        </p:blipFill>
+        <p:spPr>
+          <a:xfrm>
+            <a:off x="3318031" y="1366528"/>
+            <a:ext cx="1210759" cy="1210759"/>
+          </a:xfrm>
+          <a:prstGeom prst="rect">
+            <a:avLst/>
+          </a:prstGeom>
+        </p:spPr>
+      </p:pic>
+      <p:pic>
+        <p:nvPicPr>
+          <p:cNvPr id="64" name="그림 63"/>
+          <p:cNvPicPr>
+            <a:picLocks noChangeAspect="1"/>
+          </p:cNvPicPr>
+          <p:nvPr/>
+        </p:nvPicPr>
+        <p:blipFill>
+          <a:blip r:embed="rId5" cstate="print">
+            <a:extLst>
+              <a:ext uri="{28A0092B-C50C-407E-A947-70E740481C1C}">
+                <a14:useLocalDpi xmlns:a14="http://schemas.microsoft.com/office/drawing/2010/main" val="0"/>
+              </a:ext>
+            </a:extLst>
+          </a:blip>
+          <a:stretch>
+            <a:fillRect/>
+          </a:stretch>
+        </p:blipFill>
+        <p:spPr>
+          <a:xfrm>
+            <a:off x="4892031" y="1382279"/>
+            <a:ext cx="1005896" cy="1152349"/>
+          </a:xfrm>
+          <a:prstGeom prst="rect">
+            <a:avLst/>
+          </a:prstGeom>
+        </p:spPr>
+      </p:pic>
+      <p:pic>
+        <p:nvPicPr>
+          <p:cNvPr id="65" name="그림 64"/>
+          <p:cNvPicPr>
+            <a:picLocks noChangeAspect="1"/>
+          </p:cNvPicPr>
+          <p:nvPr/>
+        </p:nvPicPr>
+        <p:blipFill>
+          <a:blip r:embed="rId6" cstate="print">
+            <a:extLst>
+              <a:ext uri="{28A0092B-C50C-407E-A947-70E740481C1C}">
+                <a14:useLocalDpi xmlns:a14="http://schemas.microsoft.com/office/drawing/2010/main" val="0"/>
+              </a:ext>
+            </a:extLst>
+          </a:blip>
+          <a:stretch>
+            <a:fillRect/>
+          </a:stretch>
+        </p:blipFill>
+        <p:spPr>
+          <a:xfrm>
+            <a:off x="6363470" y="1505064"/>
+            <a:ext cx="1132554" cy="951169"/>
+          </a:xfrm>
+          <a:prstGeom prst="rect">
+            <a:avLst/>
+          </a:prstGeom>
+        </p:spPr>
+      </p:pic>
+      <p:pic>
+        <p:nvPicPr>
+          <p:cNvPr id="66" name="그림 65"/>
+          <p:cNvPicPr>
+            <a:picLocks noChangeAspect="1"/>
+          </p:cNvPicPr>
+          <p:nvPr/>
+        </p:nvPicPr>
+        <p:blipFill>
+          <a:blip r:embed="rId7" cstate="print">
+            <a:extLst>
+              <a:ext uri="{28A0092B-C50C-407E-A947-70E740481C1C}">
+                <a14:useLocalDpi xmlns:a14="http://schemas.microsoft.com/office/drawing/2010/main" val="0"/>
+              </a:ext>
+            </a:extLst>
+          </a:blip>
+          <a:stretch>
+            <a:fillRect/>
+          </a:stretch>
+        </p:blipFill>
+        <p:spPr>
+          <a:xfrm>
+            <a:off x="486163" y="1336818"/>
+            <a:ext cx="1075718" cy="1075718"/>
+          </a:xfrm>
+          <a:prstGeom prst="rect">
+            <a:avLst/>
+          </a:prstGeom>
+        </p:spPr>
+      </p:pic>
+      <p:pic>
+        <p:nvPicPr>
+          <p:cNvPr id="67" name="그림 66"/>
+          <p:cNvPicPr>
+            <a:picLocks noChangeAspect="1"/>
+          </p:cNvPicPr>
+          <p:nvPr/>
+        </p:nvPicPr>
+        <p:blipFill>
+          <a:blip r:embed="rId8" cstate="print">
+            <a:extLst>
+              <a:ext uri="{28A0092B-C50C-407E-A947-70E740481C1C}">
+                <a14:useLocalDpi xmlns:a14="http://schemas.microsoft.com/office/drawing/2010/main" val="0"/>
+              </a:ext>
+            </a:extLst>
+          </a:blip>
+          <a:stretch>
+            <a:fillRect/>
+          </a:stretch>
+        </p:blipFill>
+        <p:spPr>
+          <a:xfrm>
+            <a:off x="5038887" y="5179608"/>
+            <a:ext cx="986326" cy="986326"/>
+          </a:xfrm>
+          <a:prstGeom prst="rect">
+            <a:avLst/>
+          </a:prstGeom>
+        </p:spPr>
+      </p:pic>
+      <p:pic>
+        <p:nvPicPr>
+          <p:cNvPr id="68" name="그림 67"/>
+          <p:cNvPicPr>
+            <a:picLocks noChangeAspect="1"/>
+          </p:cNvPicPr>
+          <p:nvPr/>
+        </p:nvPicPr>
+        <p:blipFill>
+          <a:blip r:embed="rId9" cstate="print">
+            <a:extLst>
+              <a:ext uri="{28A0092B-C50C-407E-A947-70E740481C1C}">
+                <a14:useLocalDpi xmlns:a14="http://schemas.microsoft.com/office/drawing/2010/main" val="0"/>
+              </a:ext>
+            </a:extLst>
+          </a:blip>
+          <a:stretch>
+            <a:fillRect/>
+          </a:stretch>
+        </p:blipFill>
+        <p:spPr>
+          <a:xfrm>
+            <a:off x="560807" y="3192301"/>
+            <a:ext cx="945754" cy="945754"/>
+          </a:xfrm>
+          <a:prstGeom prst="rect">
+            <a:avLst/>
+          </a:prstGeom>
+        </p:spPr>
+      </p:pic>
+      <p:pic>
+        <p:nvPicPr>
+          <p:cNvPr id="70" name="그림 69"/>
+          <p:cNvPicPr>
+            <a:picLocks noChangeAspect="1"/>
+          </p:cNvPicPr>
+          <p:nvPr/>
+        </p:nvPicPr>
+        <p:blipFill>
+          <a:blip r:embed="rId10" cstate="print">
+            <a:extLst>
+              <a:ext uri="{28A0092B-C50C-407E-A947-70E740481C1C}">
+                <a14:useLocalDpi xmlns:a14="http://schemas.microsoft.com/office/drawing/2010/main" val="0"/>
+              </a:ext>
+            </a:extLst>
+          </a:blip>
+          <a:stretch>
+            <a:fillRect/>
+          </a:stretch>
+        </p:blipFill>
+        <p:spPr>
+          <a:xfrm>
+            <a:off x="486163" y="5173879"/>
+            <a:ext cx="1071307" cy="1071307"/>
+          </a:xfrm>
+          <a:prstGeom prst="rect">
+            <a:avLst/>
+          </a:prstGeom>
+        </p:spPr>
+      </p:pic>
+      <p:pic>
+        <p:nvPicPr>
+          <p:cNvPr id="72" name="그림 71"/>
+          <p:cNvPicPr>
+            <a:picLocks noChangeAspect="1"/>
+          </p:cNvPicPr>
+          <p:nvPr/>
+        </p:nvPicPr>
+        <p:blipFill>
+          <a:blip r:embed="rId11" cstate="print">
+            <a:extLst>
+              <a:ext uri="{28A0092B-C50C-407E-A947-70E740481C1C}">
+                <a14:useLocalDpi xmlns:a14="http://schemas.microsoft.com/office/drawing/2010/main" val="0"/>
+              </a:ext>
+            </a:extLst>
+          </a:blip>
+          <a:stretch>
+            <a:fillRect/>
+          </a:stretch>
+        </p:blipFill>
+        <p:spPr>
+          <a:xfrm>
+            <a:off x="3462155" y="5128381"/>
+            <a:ext cx="1097566" cy="1097566"/>
+          </a:xfrm>
+          <a:prstGeom prst="rect">
+            <a:avLst/>
+          </a:prstGeom>
+        </p:spPr>
+      </p:pic>
+      <p:sp>
+        <p:nvSpPr>
+          <p:cNvPr id="37" name="모서리가 둥근 직사각형 36"/>
+          <p:cNvSpPr/>
+          <p:nvPr/>
+        </p:nvSpPr>
+        <p:spPr>
+          <a:xfrm>
+            <a:off x="9251540" y="1329995"/>
+            <a:ext cx="1224000" cy="1224000"/>
+          </a:xfrm>
+          <a:prstGeom prst="roundRect">
+            <a:avLst/>
+          </a:prstGeom>
+          <a:solidFill>
+            <a:schemeClr val="bg1"/>
+          </a:solidFill>
+          <a:ln w="31750">
+            <a:solidFill>
+              <a:schemeClr val="bg1">
+                <a:lumMod val="50000"/>
+              </a:schemeClr>
+            </a:solidFill>
+          </a:ln>
+        </p:spPr>
+        <p:style>
+          <a:lnRef idx="2">
+            <a:schemeClr val="accent1">
+              <a:shade val="50000"/>
+            </a:schemeClr>
+          </a:lnRef>
+          <a:fillRef idx="1">
+            <a:schemeClr val="accent1"/>
+          </a:fillRef>
+          <a:effectRef idx="0">
+            <a:schemeClr val="accent1"/>
+          </a:effectRef>
+          <a:fontRef idx="minor">
+            <a:schemeClr val="lt1"/>
+          </a:fontRef>
+        </p:style>
+        <p:txBody>
+          <a:bodyPr rtlCol="0" anchor="ctr"/>
+          <a:lstStyle/>
+          <a:p>
+            <a:pPr algn="ctr"/>
+            <a:endParaRPr lang="ko-KR" altLang="en-US"/>
+          </a:p>
+        </p:txBody>
+      </p:sp>
+      <p:pic>
+        <p:nvPicPr>
+          <p:cNvPr id="38" name="Picture 2" descr="Thymeleaf] 타임리프"/>
+          <p:cNvPicPr>
+            <a:picLocks noChangeAspect="1" noChangeArrowheads="1"/>
+          </p:cNvPicPr>
+          <p:nvPr/>
+        </p:nvPicPr>
+        <p:blipFill>
+          <a:blip r:embed="rId12" cstate="print">
+            <a:extLst>
+              <a:ext uri="{28A0092B-C50C-407E-A947-70E740481C1C}">
+                <a14:useLocalDpi xmlns:a14="http://schemas.microsoft.com/office/drawing/2010/main" val="0"/>
+              </a:ext>
+            </a:extLst>
+          </a:blip>
+          <a:srcRect/>
+          <a:stretch>
+            <a:fillRect/>
+          </a:stretch>
+        </p:blipFill>
+        <p:spPr bwMode="auto">
+          <a:xfrm>
+            <a:off x="9365063" y="1459567"/>
+            <a:ext cx="1005232" cy="1007201"/>
+          </a:xfrm>
+          <a:prstGeom prst="rect">
+            <a:avLst/>
+          </a:prstGeom>
+          <a:noFill/>
+          <a:extLst>
+            <a:ext uri="{909E8E84-426E-40DD-AFC4-6F175D3DCCD1}">
+              <a14:hiddenFill xmlns:a14="http://schemas.microsoft.com/office/drawing/2010/main">
+                <a:solidFill>
+                  <a:srgbClr val="FFFFFF"/>
+                </a:solidFill>
+              </a14:hiddenFill>
+            </a:ext>
+          </a:extLst>
+        </p:spPr>
+      </p:pic>
+      <p:sp>
+        <p:nvSpPr>
+          <p:cNvPr id="46" name="모서리가 둥근 직사각형 45"/>
+          <p:cNvSpPr/>
+          <p:nvPr/>
+        </p:nvSpPr>
+        <p:spPr>
+          <a:xfrm>
+            <a:off x="6308236" y="3068820"/>
+            <a:ext cx="1224000" cy="1224000"/>
+          </a:xfrm>
+          <a:prstGeom prst="roundRect">
+            <a:avLst/>
+          </a:prstGeom>
+          <a:solidFill>
+            <a:schemeClr val="bg1"/>
+          </a:solidFill>
+          <a:ln w="31750">
+            <a:solidFill>
+              <a:schemeClr val="bg1">
+                <a:lumMod val="50000"/>
+              </a:schemeClr>
+            </a:solidFill>
+          </a:ln>
+        </p:spPr>
+        <p:style>
+          <a:lnRef idx="2">
+            <a:schemeClr val="accent1">
+              <a:shade val="50000"/>
+            </a:schemeClr>
+          </a:lnRef>
+          <a:fillRef idx="1">
+            <a:schemeClr val="accent1"/>
+          </a:fillRef>
+          <a:effectRef idx="0">
+            <a:schemeClr val="accent1"/>
+          </a:effectRef>
+          <a:fontRef idx="minor">
+            <a:schemeClr val="lt1"/>
+          </a:fontRef>
+        </p:style>
+        <p:txBody>
+          <a:bodyPr rtlCol="0" anchor="ctr"/>
+          <a:lstStyle/>
+          <a:p>
+            <a:pPr algn="ctr"/>
+            <a:endParaRPr lang="ko-KR" altLang="en-US"/>
+          </a:p>
+        </p:txBody>
+      </p:sp>
+      <p:pic>
+        <p:nvPicPr>
+          <p:cNvPr id="48" name="그림 47"/>
+          <p:cNvPicPr>
+            <a:picLocks noChangeAspect="1"/>
+          </p:cNvPicPr>
+          <p:nvPr/>
+        </p:nvPicPr>
+        <p:blipFill>
+          <a:blip r:embed="rId13"/>
+          <a:stretch>
+            <a:fillRect/>
+          </a:stretch>
+        </p:blipFill>
+        <p:spPr>
+          <a:xfrm>
+            <a:off x="6405969" y="3154926"/>
+            <a:ext cx="1028534" cy="1031540"/>
+          </a:xfrm>
+          <a:prstGeom prst="rect">
+            <a:avLst/>
+          </a:prstGeom>
+        </p:spPr>
+      </p:pic>
+      <p:sp>
+        <p:nvSpPr>
+          <p:cNvPr id="49" name="모서리가 둥근 직사각형 48"/>
+          <p:cNvSpPr/>
+          <p:nvPr/>
+        </p:nvSpPr>
+        <p:spPr>
+          <a:xfrm>
+            <a:off x="4892031" y="3068820"/>
+            <a:ext cx="1224000" cy="1224000"/>
+          </a:xfrm>
+          <a:prstGeom prst="roundRect">
+            <a:avLst/>
+          </a:prstGeom>
+          <a:solidFill>
+            <a:schemeClr val="bg1"/>
+          </a:solidFill>
+          <a:ln w="31750">
+            <a:solidFill>
+              <a:schemeClr val="bg1">
+                <a:lumMod val="50000"/>
+              </a:schemeClr>
+            </a:solidFill>
+          </a:ln>
+        </p:spPr>
+        <p:style>
+          <a:lnRef idx="2">
+            <a:schemeClr val="accent1">
+              <a:shade val="50000"/>
+            </a:schemeClr>
+          </a:lnRef>
+          <a:fillRef idx="1">
+            <a:schemeClr val="accent1"/>
+          </a:fillRef>
+          <a:effectRef idx="0">
+            <a:schemeClr val="accent1"/>
+          </a:effectRef>
+          <a:fontRef idx="minor">
+            <a:schemeClr val="lt1"/>
+          </a:fontRef>
+        </p:style>
+        <p:txBody>
+          <a:bodyPr rtlCol="0" anchor="ctr"/>
+          <a:lstStyle/>
+          <a:p>
+            <a:pPr algn="ctr"/>
+            <a:endParaRPr lang="ko-KR" altLang="en-US"/>
+          </a:p>
+        </p:txBody>
+      </p:sp>
+      <p:pic>
+        <p:nvPicPr>
+          <p:cNvPr id="50" name="그림 49"/>
+          <p:cNvPicPr>
+            <a:picLocks noChangeAspect="1"/>
+          </p:cNvPicPr>
+          <p:nvPr/>
+        </p:nvPicPr>
+        <p:blipFill>
+          <a:blip r:embed="rId14"/>
+          <a:stretch>
+            <a:fillRect/>
+          </a:stretch>
+        </p:blipFill>
+        <p:spPr>
+          <a:xfrm>
+            <a:off x="4982848" y="3188269"/>
+            <a:ext cx="1042365" cy="998197"/>
+          </a:xfrm>
+          <a:prstGeom prst="rect">
+            <a:avLst/>
+          </a:prstGeom>
+        </p:spPr>
+      </p:pic>
+      <p:sp>
+        <p:nvSpPr>
+          <p:cNvPr id="53" name="모서리가 둥근 직사각형 52"/>
+          <p:cNvSpPr/>
+          <p:nvPr/>
+        </p:nvSpPr>
+        <p:spPr>
+          <a:xfrm>
+            <a:off x="7749398" y="1352229"/>
+            <a:ext cx="1224000" cy="1224000"/>
+          </a:xfrm>
+          <a:prstGeom prst="roundRect">
+            <a:avLst/>
+          </a:prstGeom>
+          <a:solidFill>
+            <a:schemeClr val="bg1"/>
+          </a:solidFill>
+          <a:ln w="31750">
+            <a:solidFill>
+              <a:schemeClr val="bg1">
+                <a:lumMod val="50000"/>
+              </a:schemeClr>
+            </a:solidFill>
+          </a:ln>
+        </p:spPr>
+        <p:style>
+          <a:lnRef idx="2">
+            <a:schemeClr val="accent1">
+              <a:shade val="50000"/>
+            </a:schemeClr>
+          </a:lnRef>
+          <a:fillRef idx="1">
+            <a:schemeClr val="accent1"/>
+          </a:fillRef>
+          <a:effectRef idx="0">
+            <a:schemeClr val="accent1"/>
+          </a:effectRef>
+          <a:fontRef idx="minor">
+            <a:schemeClr val="lt1"/>
+          </a:fontRef>
+        </p:style>
+        <p:txBody>
+          <a:bodyPr rtlCol="0" anchor="ctr"/>
+          <a:lstStyle/>
+          <a:p>
+            <a:pPr algn="ctr"/>
+            <a:endParaRPr lang="ko-KR" altLang="en-US"/>
+          </a:p>
+        </p:txBody>
+      </p:sp>
+      <p:pic>
+        <p:nvPicPr>
+          <p:cNvPr id="54" name="그림 53"/>
+          <p:cNvPicPr>
+            <a:picLocks noChangeAspect="1"/>
+          </p:cNvPicPr>
+          <p:nvPr/>
+        </p:nvPicPr>
+        <p:blipFill>
+          <a:blip r:embed="rId15"/>
+          <a:stretch>
+            <a:fillRect/>
+          </a:stretch>
+        </p:blipFill>
+        <p:spPr>
+          <a:xfrm>
+            <a:off x="7819578" y="1483352"/>
+            <a:ext cx="1047896" cy="952633"/>
+          </a:xfrm>
+          <a:prstGeom prst="rect">
+            <a:avLst/>
+          </a:prstGeom>
+        </p:spPr>
+      </p:pic>
+      <p:pic>
+        <p:nvPicPr>
+          <p:cNvPr id="7" name="그림 6"/>
+          <p:cNvPicPr>
+            <a:picLocks noChangeAspect="1"/>
+          </p:cNvPicPr>
+          <p:nvPr/>
+        </p:nvPicPr>
+        <p:blipFill>
+          <a:blip r:embed="rId16"/>
+          <a:stretch>
+            <a:fillRect/>
+          </a:stretch>
+        </p:blipFill>
+        <p:spPr>
+          <a:xfrm>
+            <a:off x="3520577" y="3135294"/>
+            <a:ext cx="943107" cy="1086002"/>
+          </a:xfrm>
+          <a:prstGeom prst="rect">
+            <a:avLst/>
+          </a:prstGeom>
+        </p:spPr>
+      </p:pic>
+      <p:sp>
+        <p:nvSpPr>
+          <p:cNvPr id="55" name="모서리가 둥근 직사각형 54"/>
+          <p:cNvSpPr/>
+          <p:nvPr/>
+        </p:nvSpPr>
+        <p:spPr>
+          <a:xfrm>
+            <a:off x="1867535" y="3044735"/>
+            <a:ext cx="1224000" cy="1224000"/>
+          </a:xfrm>
+          <a:prstGeom prst="roundRect">
+            <a:avLst/>
+          </a:prstGeom>
+          <a:solidFill>
+            <a:schemeClr val="bg1"/>
+          </a:solidFill>
+          <a:ln w="31750">
+            <a:solidFill>
+              <a:schemeClr val="bg1">
+                <a:lumMod val="50000"/>
+              </a:schemeClr>
+            </a:solidFill>
+          </a:ln>
+        </p:spPr>
+        <p:style>
+          <a:lnRef idx="2">
+            <a:schemeClr val="accent1">
+              <a:shade val="50000"/>
+            </a:schemeClr>
+          </a:lnRef>
+          <a:fillRef idx="1">
+            <a:schemeClr val="accent1"/>
+          </a:fillRef>
+          <a:effectRef idx="0">
+            <a:schemeClr val="accent1"/>
+          </a:effectRef>
+          <a:fontRef idx="minor">
+            <a:schemeClr val="lt1"/>
+          </a:fontRef>
+        </p:style>
+        <p:txBody>
+          <a:bodyPr rtlCol="0" anchor="ctr"/>
+          <a:lstStyle/>
+          <a:p>
+            <a:pPr algn="ctr"/>
+            <a:endParaRPr lang="ko-KR" altLang="en-US"/>
+          </a:p>
+        </p:txBody>
+      </p:sp>
+      <p:pic>
+        <p:nvPicPr>
+          <p:cNvPr id="10" name="그림 9"/>
+          <p:cNvPicPr>
+            <a:picLocks noChangeAspect="1"/>
+          </p:cNvPicPr>
+          <p:nvPr/>
+        </p:nvPicPr>
+        <p:blipFill>
+          <a:blip r:embed="rId17"/>
+          <a:stretch>
+            <a:fillRect/>
+          </a:stretch>
+        </p:blipFill>
+        <p:spPr>
+          <a:xfrm>
+            <a:off x="1985131" y="3261087"/>
+            <a:ext cx="1018352" cy="937956"/>
+          </a:xfrm>
+          <a:prstGeom prst="rect">
+            <a:avLst/>
+          </a:prstGeom>
+        </p:spPr>
+      </p:pic>
+      <p:sp>
+        <p:nvSpPr>
+          <p:cNvPr id="11" name="AutoShape 4" descr="Github 로고 - 무료 소셜 미디어개 아이콘"/>
+          <p:cNvSpPr>
+            <a:spLocks noChangeAspect="1" noChangeArrowheads="1"/>
+          </p:cNvSpPr>
+          <p:nvPr/>
+        </p:nvSpPr>
+        <p:spPr bwMode="auto">
+          <a:xfrm>
+            <a:off x="155575" y="-144463"/>
+            <a:ext cx="304800" cy="304801"/>
+          </a:xfrm>
+          <a:prstGeom prst="rect">
+            <a:avLst/>
+          </a:prstGeom>
+          <a:noFill/>
+          <a:extLst>
+            <a:ext uri="{909E8E84-426E-40DD-AFC4-6F175D3DCCD1}">
+              <a14:hiddenFill xmlns:a14="http://schemas.microsoft.com/office/drawing/2010/main">
+                <a:solidFill>
+                  <a:srgbClr val="FFFFFF"/>
+                </a:solidFill>
+              </a14:hiddenFill>
+            </a:ext>
+          </a:extLst>
+        </p:spPr>
+        <p:txBody>
+          <a:bodyPr vert="horz" wrap="square" lIns="91440" tIns="45720" rIns="91440" bIns="45720" numCol="1" anchor="t" anchorCtr="0" compatLnSpc="1">
+            <a:prstTxWarp prst="textNoShape">
+              <a:avLst/>
+            </a:prstTxWarp>
+          </a:bodyPr>
+          <a:lstStyle/>
+          <a:p>
+            <a:endParaRPr lang="ko-KR" altLang="en-US"/>
+          </a:p>
+        </p:txBody>
+      </p:sp>
+      <p:pic>
+        <p:nvPicPr>
+          <p:cNvPr id="1030" name="Picture 6" descr="Github 로고 - 무료 소셜 미디어개 아이콘"/>
+          <p:cNvPicPr>
+            <a:picLocks noChangeAspect="1" noChangeArrowheads="1"/>
+          </p:cNvPicPr>
+          <p:nvPr/>
+        </p:nvPicPr>
+        <p:blipFill>
+          <a:blip r:embed="rId18" cstate="print">
+            <a:extLst>
+              <a:ext uri="{28A0092B-C50C-407E-A947-70E740481C1C}">
+                <a14:useLocalDpi xmlns:a14="http://schemas.microsoft.com/office/drawing/2010/main" val="0"/>
+              </a:ext>
+            </a:extLst>
+          </a:blip>
+          <a:srcRect/>
+          <a:stretch>
+            <a:fillRect/>
+          </a:stretch>
+        </p:blipFill>
+        <p:spPr bwMode="auto">
+          <a:xfrm>
+            <a:off x="1938843" y="5138631"/>
+            <a:ext cx="1077616" cy="1077616"/>
+          </a:xfrm>
+          <a:prstGeom prst="rect">
+            <a:avLst/>
+          </a:prstGeom>
+          <a:noFill/>
+          <a:extLst>
+            <a:ext uri="{909E8E84-426E-40DD-AFC4-6F175D3DCCD1}">
+              <a14:hiddenFill xmlns:a14="http://schemas.microsoft.com/office/drawing/2010/main">
+                <a:solidFill>
+                  <a:srgbClr val="FFFFFF"/>
+                </a:solidFill>
+              </a14:hiddenFill>
+            </a:ext>
+          </a:extLst>
+        </p:spPr>
+      </p:pic>
+    </p:spTree>
+    <p:extLst>
+      <p:ext uri="{BB962C8B-B14F-4D97-AF65-F5344CB8AC3E}">
+        <p14:creationId xmlns:p14="http://schemas.microsoft.com/office/powerpoint/2010/main" val="4143007214"/>
+      </p:ext>
+    </p:extLst>
+  </p:cSld>
+  <p:clrMapOvr>
+    <a:masterClrMapping/>
+  </p:clrMapOvr>
+  <p:timing>
+    <p:tnLst>
+      <p:par>
+        <p:cTn id="1" dur="indefinite" restart="never" nodeType="tmRoot"/>
+      </p:par>
+    </p:tnLst>
+  </p:timing>
+</p:sld>
+</file>
+
+<file path=ppt/slides/slide5.xml><?xml version="1.0" encoding="utf-8"?>
+<p:sld xmlns:a="http://schemas.openxmlformats.org/drawingml/2006/main" xmlns:r="http://schemas.openxmlformats.org/officeDocument/2006/relationships" xmlns:p="http://schemas.openxmlformats.org/presentationml/2006/main">
+  <p:cSld>
+    <p:bg>
+      <p:bgPr>
+        <a:blipFill dpi="0" rotWithShape="1">
+          <a:blip r:embed="rId2">
+            <a:lum/>
+          </a:blip>
+          <a:srcRect/>
+          <a:stretch>
+            <a:fillRect l="-24000" r="-24000"/>
+          </a:stretch>
+        </a:blipFill>
+        <a:effectLst/>
+      </p:bgPr>
+    </p:bg>
+    <p:spTree>
+      <p:nvGrpSpPr>
+        <p:cNvPr id="1" name=""/>
+        <p:cNvGrpSpPr/>
+        <p:nvPr/>
+      </p:nvGrpSpPr>
+      <p:grpSpPr>
+        <a:xfrm>
+          <a:off x="0" y="0"/>
+          <a:ext cx="0" cy="0"/>
+          <a:chOff x="0" y="0"/>
+          <a:chExt cx="0" cy="0"/>
+        </a:xfrm>
+      </p:grpSpPr>
+      <p:sp>
+        <p:nvSpPr>
+          <p:cNvPr id="46" name="직사각형 45"/>
+          <p:cNvSpPr/>
+          <p:nvPr/>
+        </p:nvSpPr>
+        <p:spPr>
+          <a:xfrm>
+            <a:off x="0" y="916233"/>
+            <a:ext cx="12192000" cy="5941767"/>
+          </a:xfrm>
+          <a:prstGeom prst="rect">
+            <a:avLst/>
+          </a:prstGeom>
+          <a:solidFill>
+            <a:schemeClr val="bg1">
+              <a:alpha val="50000"/>
+            </a:schemeClr>
+          </a:solidFill>
+          <a:ln>
+            <a:noFill/>
+          </a:ln>
+        </p:spPr>
+        <p:style>
+          <a:lnRef idx="2">
+            <a:schemeClr val="accent1">
+              <a:shade val="50000"/>
+            </a:schemeClr>
+          </a:lnRef>
+          <a:fillRef idx="1">
+            <a:schemeClr val="accent1"/>
+          </a:fillRef>
+          <a:effectRef idx="0">
+            <a:schemeClr val="accent1"/>
+          </a:effectRef>
+          <a:fontRef idx="minor">
+            <a:schemeClr val="lt1"/>
+          </a:fontRef>
+        </p:style>
+        <p:txBody>
+          <a:bodyPr rtlCol="0" anchor="ctr"/>
+          <a:lstStyle/>
+          <a:p>
+            <a:pPr algn="ctr"/>
+            <a:endParaRPr lang="ko-KR" altLang="en-US"/>
+          </a:p>
+        </p:txBody>
+      </p:sp>
+      <p:sp>
+        <p:nvSpPr>
+          <p:cNvPr id="8" name="TextBox 7"/>
+          <p:cNvSpPr txBox="1"/>
+          <p:nvPr/>
+        </p:nvSpPr>
+        <p:spPr>
+          <a:xfrm>
+            <a:off x="5075959" y="672887"/>
+            <a:ext cx="2237509" cy="338554"/>
+          </a:xfrm>
+          <a:prstGeom prst="rect">
+            <a:avLst/>
+          </a:prstGeom>
+          <a:noFill/>
+        </p:spPr>
+        <p:txBody>
+          <a:bodyPr wrap="square" rtlCol="0">
+            <a:spAutoFit/>
+          </a:bodyPr>
+          <a:lstStyle/>
+          <a:p>
+            <a:r>
+              <a:rPr lang="ko-KR" altLang="en-US" sz="1600" dirty="0" smtClean="0">
+                <a:solidFill>
+                  <a:schemeClr val="accent2">
+                    <a:lumMod val="50000"/>
+                  </a:schemeClr>
+                </a:solidFill>
+                <a:latin typeface="경기천년제목 Light" panose="02020403020101020101" pitchFamily="18" charset="-127"/>
+                <a:ea typeface="경기천년제목 Light" panose="02020403020101020101" pitchFamily="18" charset="-127"/>
+              </a:rPr>
+              <a:t>사용한 프로그램 및 언어</a:t>
+            </a:r>
+            <a:endParaRPr lang="ko-KR" altLang="en-US" sz="1600" dirty="0">
+              <a:solidFill>
+                <a:schemeClr val="accent2">
+                  <a:lumMod val="50000"/>
+                </a:schemeClr>
+              </a:solidFill>
+              <a:latin typeface="경기천년제목 Light" panose="02020403020101020101" pitchFamily="18" charset="-127"/>
+              <a:ea typeface="경기천년제목 Light" panose="02020403020101020101" pitchFamily="18" charset="-127"/>
+            </a:endParaRPr>
+          </a:p>
+        </p:txBody>
+      </p:sp>
+      <p:sp>
+        <p:nvSpPr>
+          <p:cNvPr id="2" name="직사각형 1"/>
+          <p:cNvSpPr/>
+          <p:nvPr/>
+        </p:nvSpPr>
+        <p:spPr>
+          <a:xfrm>
+            <a:off x="0" y="0"/>
+            <a:ext cx="12192000" cy="920265"/>
+          </a:xfrm>
+          <a:prstGeom prst="rect">
+            <a:avLst/>
+          </a:prstGeom>
+          <a:solidFill>
+            <a:schemeClr val="bg1"/>
+          </a:solidFill>
+          <a:ln>
+            <a:noFill/>
+          </a:ln>
+        </p:spPr>
+        <p:style>
+          <a:lnRef idx="2">
+            <a:schemeClr val="accent1">
+              <a:shade val="50000"/>
+            </a:schemeClr>
+          </a:lnRef>
+          <a:fillRef idx="1">
+            <a:schemeClr val="accent1"/>
+          </a:fillRef>
+          <a:effectRef idx="0">
+            <a:schemeClr val="accent1"/>
+          </a:effectRef>
+          <a:fontRef idx="minor">
+            <a:schemeClr val="lt1"/>
+          </a:fontRef>
+        </p:style>
+        <p:txBody>
+          <a:bodyPr rtlCol="0" anchor="ctr"/>
+          <a:lstStyle/>
+          <a:p>
+            <a:pPr algn="ctr"/>
+            <a:endParaRPr lang="ko-KR" altLang="en-US"/>
+          </a:p>
+        </p:txBody>
+      </p:sp>
+      <p:sp>
+        <p:nvSpPr>
+          <p:cNvPr id="9" name="TextBox 8"/>
+          <p:cNvSpPr txBox="1"/>
+          <p:nvPr/>
+        </p:nvSpPr>
+        <p:spPr>
+          <a:xfrm>
+            <a:off x="814388" y="182549"/>
+            <a:ext cx="4909404" cy="523220"/>
+          </a:xfrm>
+          <a:prstGeom prst="rect">
+            <a:avLst/>
+          </a:prstGeom>
+          <a:noFill/>
+        </p:spPr>
+        <p:txBody>
+          <a:bodyPr wrap="square" rtlCol="0">
+            <a:spAutoFit/>
+          </a:bodyPr>
+          <a:lstStyle/>
+          <a:p>
+            <a:r>
+              <a:rPr lang="ko-KR" altLang="en-US" sz="2800" dirty="0" smtClean="0">
+                <a:latin typeface="경기천년제목 Medium" panose="02020603020101020101" pitchFamily="18" charset="-127"/>
+                <a:ea typeface="경기천년제목 Medium" panose="02020603020101020101" pitchFamily="18" charset="-127"/>
+              </a:rPr>
+              <a:t>프로젝트 설계 </a:t>
+            </a:r>
+            <a:r>
+              <a:rPr lang="en-US" altLang="ko-KR" dirty="0" smtClean="0">
+                <a:solidFill>
+                  <a:srgbClr val="86360E"/>
+                </a:solidFill>
+                <a:latin typeface="경기천년제목 Medium" panose="02020603020101020101" pitchFamily="18" charset="-127"/>
+                <a:ea typeface="경기천년제목 Medium" panose="02020603020101020101" pitchFamily="18" charset="-127"/>
+              </a:rPr>
+              <a:t>ERD</a:t>
+            </a:r>
+            <a:endParaRPr lang="ko-KR" altLang="en-US" dirty="0">
+              <a:solidFill>
+                <a:srgbClr val="86360E"/>
+              </a:solidFill>
+              <a:latin typeface="경기천년제목 Medium" panose="02020603020101020101" pitchFamily="18" charset="-127"/>
+              <a:ea typeface="경기천년제목 Medium" panose="02020603020101020101" pitchFamily="18" charset="-127"/>
+            </a:endParaRPr>
+          </a:p>
+        </p:txBody>
+      </p:sp>
+      <p:sp>
+        <p:nvSpPr>
+          <p:cNvPr id="12" name="직사각형 11"/>
+          <p:cNvSpPr/>
+          <p:nvPr/>
+        </p:nvSpPr>
+        <p:spPr>
+          <a:xfrm>
+            <a:off x="0" y="416553"/>
+            <a:ext cx="803564" cy="83127"/>
+          </a:xfrm>
+          <a:prstGeom prst="rect">
+            <a:avLst/>
+          </a:prstGeom>
+          <a:solidFill>
+            <a:srgbClr val="86360E"/>
+          </a:solidFill>
+          <a:ln>
+            <a:noFill/>
+          </a:ln>
+        </p:spPr>
+        <p:style>
+          <a:lnRef idx="2">
+            <a:schemeClr val="accent1">
+              <a:shade val="50000"/>
+            </a:schemeClr>
+          </a:lnRef>
+          <a:fillRef idx="1">
+            <a:schemeClr val="accent1"/>
+          </a:fillRef>
+          <a:effectRef idx="0">
+            <a:schemeClr val="accent1"/>
+          </a:effectRef>
+          <a:fontRef idx="minor">
+            <a:schemeClr val="lt1"/>
+          </a:fontRef>
+        </p:style>
+        <p:txBody>
+          <a:bodyPr rtlCol="0" anchor="ctr"/>
+          <a:lstStyle/>
+          <a:p>
+            <a:pPr algn="ctr"/>
+            <a:endParaRPr lang="ko-KR" altLang="en-US"/>
+          </a:p>
+        </p:txBody>
+      </p:sp>
+      <p:pic>
+        <p:nvPicPr>
+          <p:cNvPr id="3" name="그림 2"/>
+          <p:cNvPicPr>
+            <a:picLocks noChangeAspect="1"/>
+          </p:cNvPicPr>
+          <p:nvPr/>
+        </p:nvPicPr>
+        <p:blipFill>
+          <a:blip r:embed="rId3">
+            <a:extLst>
+              <a:ext uri="{BEBA8EAE-BF5A-486C-A8C5-ECC9F3942E4B}">
+                <a14:imgProps xmlns:a14="http://schemas.microsoft.com/office/drawing/2010/main">
+                  <a14:imgLayer r:embed="rId4">
+                    <a14:imgEffect>
+                      <a14:sharpenSoften amount="5000"/>
+                    </a14:imgEffect>
+                  </a14:imgLayer>
+                </a14:imgProps>
+              </a:ext>
+            </a:extLst>
+          </a:blip>
+          <a:stretch>
+            <a:fillRect/>
+          </a:stretch>
+        </p:blipFill>
+        <p:spPr>
+          <a:xfrm>
+            <a:off x="0" y="888318"/>
+            <a:ext cx="12192000" cy="6056756"/>
+          </a:xfrm>
+          <a:prstGeom prst="rect">
+            <a:avLst/>
+          </a:prstGeom>
+        </p:spPr>
+      </p:pic>
+    </p:spTree>
+    <p:extLst>
+      <p:ext uri="{BB962C8B-B14F-4D97-AF65-F5344CB8AC3E}">
+        <p14:creationId xmlns:p14="http://schemas.microsoft.com/office/powerpoint/2010/main" val="3389645633"/>
+      </p:ext>
+    </p:extLst>
+  </p:cSld>
+  <p:clrMapOvr>
+    <a:masterClrMapping/>
+  </p:clrMapOvr>
+  <p:timing>
+    <p:tnLst>
+      <p:par>
+        <p:cTn id="1" dur="indefinite" restart="never" nodeType="tmRoot"/>
+      </p:par>
+    </p:tnLst>
+  </p:timing>
+</p:sld>
+</file>
+
+<file path=ppt/slides/slide6.xml><?xml version="1.0" encoding="utf-8"?>
+<p:sld xmlns:a="http://schemas.openxmlformats.org/drawingml/2006/main" xmlns:r="http://schemas.openxmlformats.org/officeDocument/2006/relationships" xmlns:p="http://schemas.openxmlformats.org/presentationml/2006/main">
+  <p:cSld>
+    <p:bg>
+      <p:bgPr>
+        <a:blipFill dpi="0" rotWithShape="1">
+          <a:blip r:embed="rId2">
+            <a:lum/>
+          </a:blip>
+          <a:srcRect/>
+          <a:stretch>
+            <a:fillRect l="-24000" r="-24000"/>
+          </a:stretch>
+        </a:blipFill>
+        <a:effectLst/>
+      </p:bgPr>
+    </p:bg>
+    <p:spTree>
+      <p:nvGrpSpPr>
+        <p:cNvPr id="1" name=""/>
+        <p:cNvGrpSpPr/>
+        <p:nvPr/>
+      </p:nvGrpSpPr>
+      <p:grpSpPr>
+        <a:xfrm>
+          <a:off x="0" y="0"/>
+          <a:ext cx="0" cy="0"/>
+          <a:chOff x="0" y="0"/>
+          <a:chExt cx="0" cy="0"/>
+        </a:xfrm>
+      </p:grpSpPr>
+      <p:sp>
+        <p:nvSpPr>
+          <p:cNvPr id="46" name="직사각형 45"/>
+          <p:cNvSpPr/>
+          <p:nvPr/>
+        </p:nvSpPr>
+        <p:spPr>
+          <a:xfrm>
+            <a:off x="0" y="916233"/>
+            <a:ext cx="12192000" cy="5941767"/>
+          </a:xfrm>
+          <a:prstGeom prst="rect">
+            <a:avLst/>
+          </a:prstGeom>
+          <a:solidFill>
+            <a:schemeClr val="bg1">
+              <a:alpha val="50000"/>
+            </a:schemeClr>
+          </a:solidFill>
+          <a:ln>
+            <a:noFill/>
+          </a:ln>
+        </p:spPr>
+        <p:style>
+          <a:lnRef idx="2">
+            <a:schemeClr val="accent1">
+              <a:shade val="50000"/>
+            </a:schemeClr>
+          </a:lnRef>
+          <a:fillRef idx="1">
+            <a:schemeClr val="accent1"/>
+          </a:fillRef>
+          <a:effectRef idx="0">
+            <a:schemeClr val="accent1"/>
+          </a:effectRef>
+          <a:fontRef idx="minor">
+            <a:schemeClr val="lt1"/>
+          </a:fontRef>
+        </p:style>
+        <p:txBody>
+          <a:bodyPr rtlCol="0" anchor="ctr"/>
+          <a:lstStyle/>
+          <a:p>
+            <a:pPr algn="ctr"/>
+            <a:endParaRPr lang="ko-KR" altLang="en-US"/>
+          </a:p>
+        </p:txBody>
+      </p:sp>
+      <p:sp>
+        <p:nvSpPr>
+          <p:cNvPr id="8" name="TextBox 7"/>
+          <p:cNvSpPr txBox="1"/>
+          <p:nvPr/>
+        </p:nvSpPr>
+        <p:spPr>
+          <a:xfrm>
+            <a:off x="5075959" y="672887"/>
+            <a:ext cx="2237509" cy="338554"/>
+          </a:xfrm>
+          <a:prstGeom prst="rect">
+            <a:avLst/>
+          </a:prstGeom>
+          <a:noFill/>
+        </p:spPr>
+        <p:txBody>
+          <a:bodyPr wrap="square" rtlCol="0">
+            <a:spAutoFit/>
+          </a:bodyPr>
+          <a:lstStyle/>
+          <a:p>
+            <a:r>
+              <a:rPr lang="ko-KR" altLang="en-US" sz="1600" dirty="0" smtClean="0">
+                <a:solidFill>
+                  <a:schemeClr val="accent2">
+                    <a:lumMod val="50000"/>
+                  </a:schemeClr>
+                </a:solidFill>
+                <a:latin typeface="경기천년제목 Light" panose="02020403020101020101" pitchFamily="18" charset="-127"/>
+                <a:ea typeface="경기천년제목 Light" panose="02020403020101020101" pitchFamily="18" charset="-127"/>
+              </a:rPr>
+              <a:t>사용한 프로그램 및 언어</a:t>
+            </a:r>
+            <a:endParaRPr lang="ko-KR" altLang="en-US" sz="1600" dirty="0">
+              <a:solidFill>
+                <a:schemeClr val="accent2">
+                  <a:lumMod val="50000"/>
+                </a:schemeClr>
+              </a:solidFill>
+              <a:latin typeface="경기천년제목 Light" panose="02020403020101020101" pitchFamily="18" charset="-127"/>
+              <a:ea typeface="경기천년제목 Light" panose="02020403020101020101" pitchFamily="18" charset="-127"/>
+            </a:endParaRPr>
+          </a:p>
+        </p:txBody>
+      </p:sp>
+      <p:sp>
+        <p:nvSpPr>
+          <p:cNvPr id="2" name="직사각형 1"/>
+          <p:cNvSpPr/>
+          <p:nvPr/>
+        </p:nvSpPr>
+        <p:spPr>
+          <a:xfrm>
+            <a:off x="0" y="0"/>
+            <a:ext cx="12192000" cy="920265"/>
+          </a:xfrm>
+          <a:prstGeom prst="rect">
+            <a:avLst/>
+          </a:prstGeom>
+          <a:solidFill>
+            <a:schemeClr val="bg1"/>
+          </a:solidFill>
+          <a:ln>
+            <a:noFill/>
+          </a:ln>
+        </p:spPr>
+        <p:style>
+          <a:lnRef idx="2">
+            <a:schemeClr val="accent1">
+              <a:shade val="50000"/>
+            </a:schemeClr>
+          </a:lnRef>
+          <a:fillRef idx="1">
+            <a:schemeClr val="accent1"/>
+          </a:fillRef>
+          <a:effectRef idx="0">
+            <a:schemeClr val="accent1"/>
+          </a:effectRef>
+          <a:fontRef idx="minor">
+            <a:schemeClr val="lt1"/>
+          </a:fontRef>
+        </p:style>
+        <p:txBody>
+          <a:bodyPr rtlCol="0" anchor="ctr"/>
+          <a:lstStyle/>
+          <a:p>
+            <a:pPr algn="ctr"/>
+            <a:endParaRPr lang="ko-KR" altLang="en-US"/>
+          </a:p>
+        </p:txBody>
+      </p:sp>
+      <p:sp>
+        <p:nvSpPr>
+          <p:cNvPr id="9" name="TextBox 8"/>
+          <p:cNvSpPr txBox="1"/>
+          <p:nvPr/>
+        </p:nvSpPr>
+        <p:spPr>
+          <a:xfrm>
+            <a:off x="814388" y="182549"/>
+            <a:ext cx="4909404" cy="523220"/>
+          </a:xfrm>
+          <a:prstGeom prst="rect">
+            <a:avLst/>
+          </a:prstGeom>
+          <a:noFill/>
+        </p:spPr>
+        <p:txBody>
+          <a:bodyPr wrap="square" rtlCol="0">
+            <a:spAutoFit/>
+          </a:bodyPr>
+          <a:lstStyle/>
+          <a:p>
+            <a:r>
+              <a:rPr lang="ko-KR" altLang="en-US" sz="2800" dirty="0" smtClean="0">
+                <a:latin typeface="경기천년제목 Medium" panose="02020603020101020101" pitchFamily="18" charset="-127"/>
+                <a:ea typeface="경기천년제목 Medium" panose="02020603020101020101" pitchFamily="18" charset="-127"/>
+              </a:rPr>
+              <a:t>프로젝트 설계 </a:t>
+            </a:r>
+            <a:r>
+              <a:rPr lang="ko-KR" altLang="en-US" dirty="0" smtClean="0">
+                <a:solidFill>
+                  <a:srgbClr val="86360E"/>
+                </a:solidFill>
+                <a:latin typeface="경기천년제목 Medium" panose="02020603020101020101" pitchFamily="18" charset="-127"/>
+                <a:ea typeface="경기천년제목 Medium" panose="02020603020101020101" pitchFamily="18" charset="-127"/>
+              </a:rPr>
+              <a:t>주</a:t>
+            </a:r>
+            <a:r>
+              <a:rPr lang="ko-KR" altLang="en-US" dirty="0">
+                <a:solidFill>
+                  <a:srgbClr val="86360E"/>
+                </a:solidFill>
+                <a:latin typeface="경기천년제목 Medium" panose="02020603020101020101" pitchFamily="18" charset="-127"/>
+                <a:ea typeface="경기천년제목 Medium" panose="02020603020101020101" pitchFamily="18" charset="-127"/>
+              </a:rPr>
+              <a:t>요</a:t>
+            </a:r>
+            <a:r>
+              <a:rPr lang="ko-KR" altLang="en-US" dirty="0" smtClean="0">
+                <a:solidFill>
+                  <a:srgbClr val="86360E"/>
+                </a:solidFill>
+                <a:latin typeface="경기천년제목 Medium" panose="02020603020101020101" pitchFamily="18" charset="-127"/>
+                <a:ea typeface="경기천년제목 Medium" panose="02020603020101020101" pitchFamily="18" charset="-127"/>
+              </a:rPr>
+              <a:t>  </a:t>
+            </a:r>
+            <a:r>
+              <a:rPr lang="en-US" altLang="ko-KR" dirty="0" smtClean="0">
+                <a:solidFill>
+                  <a:srgbClr val="86360E"/>
+                </a:solidFill>
+                <a:latin typeface="경기천년제목 Medium" panose="02020603020101020101" pitchFamily="18" charset="-127"/>
+                <a:ea typeface="경기천년제목 Medium" panose="02020603020101020101" pitchFamily="18" charset="-127"/>
+              </a:rPr>
+              <a:t>Entity</a:t>
+            </a:r>
+            <a:endParaRPr lang="ko-KR" altLang="en-US" dirty="0">
+              <a:solidFill>
+                <a:srgbClr val="86360E"/>
+              </a:solidFill>
+              <a:latin typeface="경기천년제목 Medium" panose="02020603020101020101" pitchFamily="18" charset="-127"/>
+              <a:ea typeface="경기천년제목 Medium" panose="02020603020101020101" pitchFamily="18" charset="-127"/>
+            </a:endParaRPr>
+          </a:p>
+        </p:txBody>
+      </p:sp>
+      <p:sp>
+        <p:nvSpPr>
+          <p:cNvPr id="12" name="직사각형 11"/>
+          <p:cNvSpPr/>
+          <p:nvPr/>
+        </p:nvSpPr>
+        <p:spPr>
+          <a:xfrm>
+            <a:off x="0" y="416553"/>
+            <a:ext cx="803564" cy="83127"/>
+          </a:xfrm>
+          <a:prstGeom prst="rect">
+            <a:avLst/>
+          </a:prstGeom>
+          <a:solidFill>
+            <a:srgbClr val="86360E"/>
+          </a:solidFill>
+          <a:ln>
+            <a:noFill/>
+          </a:ln>
+        </p:spPr>
+        <p:style>
+          <a:lnRef idx="2">
+            <a:schemeClr val="accent1">
+              <a:shade val="50000"/>
+            </a:schemeClr>
+          </a:lnRef>
+          <a:fillRef idx="1">
+            <a:schemeClr val="accent1"/>
+          </a:fillRef>
+          <a:effectRef idx="0">
+            <a:schemeClr val="accent1"/>
+          </a:effectRef>
+          <a:fontRef idx="minor">
+            <a:schemeClr val="lt1"/>
+          </a:fontRef>
+        </p:style>
+        <p:txBody>
+          <a:bodyPr rtlCol="0" anchor="ctr"/>
+          <a:lstStyle/>
+          <a:p>
+            <a:pPr algn="ctr"/>
+            <a:endParaRPr lang="ko-KR" altLang="en-US"/>
+          </a:p>
+        </p:txBody>
+      </p:sp>
+      <p:pic>
+        <p:nvPicPr>
+          <p:cNvPr id="5" name="그림 4"/>
+          <p:cNvPicPr>
+            <a:picLocks noChangeAspect="1"/>
+          </p:cNvPicPr>
+          <p:nvPr/>
+        </p:nvPicPr>
+        <p:blipFill>
+          <a:blip r:embed="rId3"/>
+          <a:stretch>
+            <a:fillRect/>
+          </a:stretch>
+        </p:blipFill>
+        <p:spPr>
+          <a:xfrm>
+            <a:off x="401783" y="1163612"/>
+            <a:ext cx="2460456" cy="5333442"/>
+          </a:xfrm>
+          <a:prstGeom prst="rect">
+            <a:avLst/>
+          </a:prstGeom>
+        </p:spPr>
+      </p:pic>
+      <p:sp>
+        <p:nvSpPr>
+          <p:cNvPr id="7" name="TextBox 6"/>
+          <p:cNvSpPr txBox="1"/>
+          <p:nvPr/>
+        </p:nvSpPr>
+        <p:spPr>
+          <a:xfrm>
+            <a:off x="3573379" y="2237098"/>
+            <a:ext cx="5871410" cy="369332"/>
+          </a:xfrm>
+          <a:prstGeom prst="rect">
+            <a:avLst/>
+          </a:prstGeom>
+          <a:solidFill>
+            <a:schemeClr val="bg1"/>
+          </a:solidFill>
+        </p:spPr>
+        <p:txBody>
+          <a:bodyPr wrap="square" rtlCol="0">
+            <a:spAutoFit/>
+          </a:bodyPr>
+          <a:lstStyle/>
+          <a:p>
+            <a:r>
+              <a:rPr lang="en-US" altLang="ko-KR" dirty="0" smtClean="0"/>
+              <a:t>ROLE : ANONYMOUS, USER , WRITER, ADMIN, SUPER </a:t>
+            </a:r>
+            <a:endParaRPr lang="ko-KR" altLang="en-US" dirty="0"/>
+          </a:p>
+        </p:txBody>
+      </p:sp>
+      <p:sp>
+        <p:nvSpPr>
+          <p:cNvPr id="13" name="TextBox 12"/>
+          <p:cNvSpPr txBox="1"/>
+          <p:nvPr/>
+        </p:nvSpPr>
+        <p:spPr>
+          <a:xfrm>
+            <a:off x="3573379" y="2963568"/>
+            <a:ext cx="4415589" cy="369332"/>
+          </a:xfrm>
+          <a:prstGeom prst="rect">
+            <a:avLst/>
+          </a:prstGeom>
+          <a:solidFill>
+            <a:schemeClr val="bg1"/>
+          </a:solidFill>
+        </p:spPr>
+        <p:txBody>
+          <a:bodyPr wrap="square" rtlCol="0">
+            <a:spAutoFit/>
+          </a:bodyPr>
+          <a:lstStyle/>
+          <a:p>
+            <a:r>
+              <a:rPr lang="en-US" altLang="ko-KR" dirty="0" smtClean="0"/>
+              <a:t>USER_STATUS : ACTIVE, DISABLE, BLOCK</a:t>
+            </a:r>
+            <a:endParaRPr lang="ko-KR" altLang="en-US" dirty="0"/>
+          </a:p>
+        </p:txBody>
+      </p:sp>
+      <p:sp>
+        <p:nvSpPr>
+          <p:cNvPr id="14" name="TextBox 13"/>
+          <p:cNvSpPr txBox="1"/>
+          <p:nvPr/>
+        </p:nvSpPr>
+        <p:spPr>
+          <a:xfrm>
+            <a:off x="3573379" y="3690039"/>
+            <a:ext cx="4511842" cy="369332"/>
+          </a:xfrm>
+          <a:prstGeom prst="rect">
+            <a:avLst/>
+          </a:prstGeom>
+          <a:solidFill>
+            <a:schemeClr val="bg1"/>
+          </a:solidFill>
+        </p:spPr>
+        <p:txBody>
+          <a:bodyPr wrap="square" rtlCol="0">
+            <a:spAutoFit/>
+          </a:bodyPr>
+          <a:lstStyle/>
+          <a:p>
+            <a:r>
+              <a:rPr lang="en-US" altLang="ko-KR" dirty="0" smtClean="0"/>
+              <a:t>ROLE : WOORI, KAKAO, NAVER, GOOGLE</a:t>
+            </a:r>
+            <a:endParaRPr lang="ko-KR" altLang="en-US" dirty="0"/>
+          </a:p>
+        </p:txBody>
+      </p:sp>
+    </p:spTree>
+    <p:extLst>
+      <p:ext uri="{BB962C8B-B14F-4D97-AF65-F5344CB8AC3E}">
+        <p14:creationId xmlns:p14="http://schemas.microsoft.com/office/powerpoint/2010/main" val="2370495794"/>
+      </p:ext>
+    </p:extLst>
+  </p:cSld>
+  <p:clrMapOvr>
+    <a:masterClrMapping/>
+  </p:clrMapOvr>
+  <p:timing>
+    <p:tnLst>
+      <p:par>
+        <p:cTn id="1" dur="indefinite" restart="never" nodeType="tmRoot"/>
+      </p:par>
+    </p:tnLst>
+  </p:timing>
+</p:sld>
+</file>
+
+<file path=ppt/slides/slide7.xml><?xml version="1.0" encoding="utf-8"?>
+<p:sld xmlns:a="http://schemas.openxmlformats.org/drawingml/2006/main" xmlns:r="http://schemas.openxmlformats.org/officeDocument/2006/relationships" xmlns:p="http://schemas.openxmlformats.org/presentationml/2006/main">
+  <p:cSld>
+    <p:bg>
+      <p:bgPr>
+        <a:blipFill dpi="0" rotWithShape="1">
+          <a:blip r:embed="rId2">
+            <a:lum/>
+          </a:blip>
+          <a:srcRect/>
+          <a:stretch>
+            <a:fillRect l="-24000" r="-24000"/>
+          </a:stretch>
+        </a:blipFill>
+        <a:effectLst/>
+      </p:bgPr>
+    </p:bg>
+    <p:spTree>
+      <p:nvGrpSpPr>
+        <p:cNvPr id="1" name=""/>
+        <p:cNvGrpSpPr/>
+        <p:nvPr/>
+      </p:nvGrpSpPr>
+      <p:grpSpPr>
+        <a:xfrm>
+          <a:off x="0" y="0"/>
+          <a:ext cx="0" cy="0"/>
+          <a:chOff x="0" y="0"/>
+          <a:chExt cx="0" cy="0"/>
+        </a:xfrm>
+      </p:grpSpPr>
+      <p:sp>
+        <p:nvSpPr>
+          <p:cNvPr id="46" name="직사각형 45"/>
+          <p:cNvSpPr/>
+          <p:nvPr/>
+        </p:nvSpPr>
+        <p:spPr>
+          <a:xfrm>
+            <a:off x="0" y="916233"/>
+            <a:ext cx="12192000" cy="5941767"/>
+          </a:xfrm>
+          <a:prstGeom prst="rect">
+            <a:avLst/>
+          </a:prstGeom>
+          <a:solidFill>
+            <a:schemeClr val="bg1">
+              <a:alpha val="50000"/>
+            </a:schemeClr>
+          </a:solidFill>
+          <a:ln>
+            <a:noFill/>
+          </a:ln>
+        </p:spPr>
+        <p:style>
+          <a:lnRef idx="2">
+            <a:schemeClr val="accent1">
+              <a:shade val="50000"/>
+            </a:schemeClr>
+          </a:lnRef>
+          <a:fillRef idx="1">
+            <a:schemeClr val="accent1"/>
+          </a:fillRef>
+          <a:effectRef idx="0">
+            <a:schemeClr val="accent1"/>
+          </a:effectRef>
+          <a:fontRef idx="minor">
+            <a:schemeClr val="lt1"/>
+          </a:fontRef>
+        </p:style>
+        <p:txBody>
+          <a:bodyPr rtlCol="0" anchor="ctr"/>
+          <a:lstStyle/>
+          <a:p>
+            <a:pPr algn="ctr"/>
+            <a:endParaRPr lang="ko-KR" altLang="en-US"/>
+          </a:p>
+        </p:txBody>
+      </p:sp>
+      <p:sp>
+        <p:nvSpPr>
+          <p:cNvPr id="8" name="TextBox 7"/>
+          <p:cNvSpPr txBox="1"/>
+          <p:nvPr/>
+        </p:nvSpPr>
+        <p:spPr>
+          <a:xfrm>
+            <a:off x="5075959" y="672887"/>
+            <a:ext cx="2237509" cy="338554"/>
+          </a:xfrm>
+          <a:prstGeom prst="rect">
+            <a:avLst/>
+          </a:prstGeom>
+          <a:noFill/>
+        </p:spPr>
+        <p:txBody>
+          <a:bodyPr wrap="square" rtlCol="0">
+            <a:spAutoFit/>
+          </a:bodyPr>
+          <a:lstStyle/>
+          <a:p>
+            <a:r>
+              <a:rPr lang="ko-KR" altLang="en-US" sz="1600" dirty="0" smtClean="0">
+                <a:solidFill>
+                  <a:schemeClr val="accent2">
+                    <a:lumMod val="50000"/>
+                  </a:schemeClr>
+                </a:solidFill>
+                <a:latin typeface="경기천년제목 Light" panose="02020403020101020101" pitchFamily="18" charset="-127"/>
+                <a:ea typeface="경기천년제목 Light" panose="02020403020101020101" pitchFamily="18" charset="-127"/>
+              </a:rPr>
+              <a:t>사용한 프로그램 및 언어</a:t>
+            </a:r>
+            <a:endParaRPr lang="ko-KR" altLang="en-US" sz="1600" dirty="0">
+              <a:solidFill>
+                <a:schemeClr val="accent2">
+                  <a:lumMod val="50000"/>
+                </a:schemeClr>
+              </a:solidFill>
+              <a:latin typeface="경기천년제목 Light" panose="02020403020101020101" pitchFamily="18" charset="-127"/>
+              <a:ea typeface="경기천년제목 Light" panose="02020403020101020101" pitchFamily="18" charset="-127"/>
+            </a:endParaRPr>
+          </a:p>
+        </p:txBody>
+      </p:sp>
+      <p:sp>
+        <p:nvSpPr>
+          <p:cNvPr id="2" name="직사각형 1"/>
+          <p:cNvSpPr/>
+          <p:nvPr/>
+        </p:nvSpPr>
+        <p:spPr>
+          <a:xfrm>
+            <a:off x="0" y="0"/>
+            <a:ext cx="12192000" cy="920265"/>
+          </a:xfrm>
+          <a:prstGeom prst="rect">
+            <a:avLst/>
+          </a:prstGeom>
+          <a:solidFill>
+            <a:schemeClr val="bg1"/>
+          </a:solidFill>
+          <a:ln>
+            <a:noFill/>
+          </a:ln>
+        </p:spPr>
+        <p:style>
+          <a:lnRef idx="2">
+            <a:schemeClr val="accent1">
+              <a:shade val="50000"/>
+            </a:schemeClr>
+          </a:lnRef>
+          <a:fillRef idx="1">
+            <a:schemeClr val="accent1"/>
+          </a:fillRef>
+          <a:effectRef idx="0">
+            <a:schemeClr val="accent1"/>
+          </a:effectRef>
+          <a:fontRef idx="minor">
+            <a:schemeClr val="lt1"/>
+          </a:fontRef>
+        </p:style>
+        <p:txBody>
+          <a:bodyPr rtlCol="0" anchor="ctr"/>
+          <a:lstStyle/>
+          <a:p>
+            <a:pPr algn="ctr"/>
+            <a:endParaRPr lang="ko-KR" altLang="en-US"/>
+          </a:p>
+        </p:txBody>
+      </p:sp>
+      <p:sp>
+        <p:nvSpPr>
+          <p:cNvPr id="9" name="TextBox 8"/>
+          <p:cNvSpPr txBox="1"/>
+          <p:nvPr/>
+        </p:nvSpPr>
+        <p:spPr>
+          <a:xfrm>
+            <a:off x="814388" y="182549"/>
+            <a:ext cx="4909404" cy="523220"/>
+          </a:xfrm>
+          <a:prstGeom prst="rect">
+            <a:avLst/>
+          </a:prstGeom>
+          <a:noFill/>
+        </p:spPr>
+        <p:txBody>
+          <a:bodyPr wrap="square" rtlCol="0">
+            <a:spAutoFit/>
+          </a:bodyPr>
+          <a:lstStyle/>
+          <a:p>
+            <a:r>
+              <a:rPr lang="ko-KR" altLang="en-US" sz="2800" dirty="0" smtClean="0">
+                <a:latin typeface="경기천년제목 Medium" panose="02020603020101020101" pitchFamily="18" charset="-127"/>
+                <a:ea typeface="경기천년제목 Medium" panose="02020603020101020101" pitchFamily="18" charset="-127"/>
+              </a:rPr>
+              <a:t>프로젝트 설계 </a:t>
+            </a:r>
+            <a:r>
+              <a:rPr lang="ko-KR" altLang="en-US" dirty="0" smtClean="0">
+                <a:solidFill>
+                  <a:srgbClr val="86360E"/>
+                </a:solidFill>
+                <a:latin typeface="경기천년제목 Medium" panose="02020603020101020101" pitchFamily="18" charset="-127"/>
+                <a:ea typeface="경기천년제목 Medium" panose="02020603020101020101" pitchFamily="18" charset="-127"/>
+              </a:rPr>
+              <a:t>주</a:t>
+            </a:r>
+            <a:r>
+              <a:rPr lang="ko-KR" altLang="en-US" dirty="0">
+                <a:solidFill>
+                  <a:srgbClr val="86360E"/>
+                </a:solidFill>
+                <a:latin typeface="경기천년제목 Medium" panose="02020603020101020101" pitchFamily="18" charset="-127"/>
+                <a:ea typeface="경기천년제목 Medium" panose="02020603020101020101" pitchFamily="18" charset="-127"/>
+              </a:rPr>
+              <a:t>요</a:t>
+            </a:r>
+            <a:r>
+              <a:rPr lang="ko-KR" altLang="en-US" dirty="0" smtClean="0">
+                <a:solidFill>
+                  <a:srgbClr val="86360E"/>
+                </a:solidFill>
+                <a:latin typeface="경기천년제목 Medium" panose="02020603020101020101" pitchFamily="18" charset="-127"/>
+                <a:ea typeface="경기천년제목 Medium" panose="02020603020101020101" pitchFamily="18" charset="-127"/>
+              </a:rPr>
+              <a:t>  </a:t>
+            </a:r>
+            <a:r>
+              <a:rPr lang="en-US" altLang="ko-KR" dirty="0" smtClean="0">
+                <a:solidFill>
+                  <a:srgbClr val="86360E"/>
+                </a:solidFill>
+                <a:latin typeface="경기천년제목 Medium" panose="02020603020101020101" pitchFamily="18" charset="-127"/>
+                <a:ea typeface="경기천년제목 Medium" panose="02020603020101020101" pitchFamily="18" charset="-127"/>
+              </a:rPr>
+              <a:t>Entity</a:t>
+            </a:r>
+            <a:endParaRPr lang="ko-KR" altLang="en-US" dirty="0">
+              <a:solidFill>
+                <a:srgbClr val="86360E"/>
+              </a:solidFill>
+              <a:latin typeface="경기천년제목 Medium" panose="02020603020101020101" pitchFamily="18" charset="-127"/>
+              <a:ea typeface="경기천년제목 Medium" panose="02020603020101020101" pitchFamily="18" charset="-127"/>
+            </a:endParaRPr>
+          </a:p>
+        </p:txBody>
+      </p:sp>
+      <p:sp>
+        <p:nvSpPr>
+          <p:cNvPr id="12" name="직사각형 11"/>
+          <p:cNvSpPr/>
+          <p:nvPr/>
+        </p:nvSpPr>
+        <p:spPr>
+          <a:xfrm>
+            <a:off x="0" y="416553"/>
+            <a:ext cx="803564" cy="83127"/>
+          </a:xfrm>
+          <a:prstGeom prst="rect">
+            <a:avLst/>
+          </a:prstGeom>
+          <a:solidFill>
+            <a:srgbClr val="86360E"/>
+          </a:solidFill>
+          <a:ln>
+            <a:noFill/>
+          </a:ln>
+        </p:spPr>
+        <p:style>
+          <a:lnRef idx="2">
+            <a:schemeClr val="accent1">
+              <a:shade val="50000"/>
+            </a:schemeClr>
+          </a:lnRef>
+          <a:fillRef idx="1">
+            <a:schemeClr val="accent1"/>
+          </a:fillRef>
+          <a:effectRef idx="0">
+            <a:schemeClr val="accent1"/>
+          </a:effectRef>
+          <a:fontRef idx="minor">
+            <a:schemeClr val="lt1"/>
+          </a:fontRef>
+        </p:style>
+        <p:txBody>
+          <a:bodyPr rtlCol="0" anchor="ctr"/>
+          <a:lstStyle/>
+          <a:p>
+            <a:pPr algn="ctr"/>
+            <a:endParaRPr lang="ko-KR" altLang="en-US"/>
+          </a:p>
+        </p:txBody>
+      </p:sp>
+      <p:pic>
+        <p:nvPicPr>
+          <p:cNvPr id="4" name="그림 3"/>
+          <p:cNvPicPr>
+            <a:picLocks noChangeAspect="1"/>
+          </p:cNvPicPr>
+          <p:nvPr/>
+        </p:nvPicPr>
+        <p:blipFill>
+          <a:blip r:embed="rId3"/>
+          <a:stretch>
+            <a:fillRect/>
+          </a:stretch>
+        </p:blipFill>
+        <p:spPr>
+          <a:xfrm>
+            <a:off x="569141" y="1164602"/>
+            <a:ext cx="2462817" cy="4544294"/>
+          </a:xfrm>
+          <a:prstGeom prst="rect">
+            <a:avLst/>
+          </a:prstGeom>
+        </p:spPr>
+      </p:pic>
+      <p:pic>
+        <p:nvPicPr>
+          <p:cNvPr id="6" name="그림 5"/>
+          <p:cNvPicPr>
+            <a:picLocks noChangeAspect="1"/>
+          </p:cNvPicPr>
+          <p:nvPr/>
+        </p:nvPicPr>
+        <p:blipFill>
+          <a:blip r:embed="rId4"/>
+          <a:stretch>
+            <a:fillRect/>
+          </a:stretch>
+        </p:blipFill>
+        <p:spPr>
+          <a:xfrm>
+            <a:off x="3752498" y="1194536"/>
+            <a:ext cx="2070785" cy="5403240"/>
+          </a:xfrm>
+          <a:prstGeom prst="rect">
+            <a:avLst/>
+          </a:prstGeom>
+        </p:spPr>
+      </p:pic>
+      <p:pic>
+        <p:nvPicPr>
+          <p:cNvPr id="10" name="그림 9"/>
+          <p:cNvPicPr>
+            <a:picLocks noChangeAspect="1"/>
+          </p:cNvPicPr>
+          <p:nvPr/>
+        </p:nvPicPr>
+        <p:blipFill>
+          <a:blip r:embed="rId5"/>
+          <a:stretch>
+            <a:fillRect/>
+          </a:stretch>
+        </p:blipFill>
+        <p:spPr>
+          <a:xfrm>
+            <a:off x="6614657" y="1254786"/>
+            <a:ext cx="4502522" cy="4089791"/>
+          </a:xfrm>
+          <a:prstGeom prst="rect">
+            <a:avLst/>
+          </a:prstGeom>
+        </p:spPr>
+      </p:pic>
+    </p:spTree>
+    <p:extLst>
+      <p:ext uri="{BB962C8B-B14F-4D97-AF65-F5344CB8AC3E}">
+        <p14:creationId xmlns:p14="http://schemas.microsoft.com/office/powerpoint/2010/main" val="295326370"/>
+      </p:ext>
+    </p:extLst>
+  </p:cSld>
+  <p:clrMapOvr>
+    <a:masterClrMapping/>
+  </p:clrMapOvr>
+  <p:timing>
+    <p:tnLst>
+      <p:par>
+        <p:cTn id="1" dur="indefinite" restart="never" nodeType="tmRoot"/>
+      </p:par>
+    </p:tnLst>
+  </p:timing>
+</p:sld>
+</file>
+
+<file path=ppt/slides/slide8.xml><?xml version="1.0" encoding="utf-8"?>
+<p:sld xmlns:a="http://schemas.openxmlformats.org/drawingml/2006/main" xmlns:r="http://schemas.openxmlformats.org/officeDocument/2006/relationships" xmlns:p="http://schemas.openxmlformats.org/presentationml/2006/main">
+  <p:cSld>
+    <p:bg>
+      <p:bgPr>
+        <a:blipFill dpi="0" rotWithShape="1">
+          <a:blip r:embed="rId2">
+            <a:lum/>
+          </a:blip>
+          <a:srcRect/>
+          <a:stretch>
+            <a:fillRect l="-24000" r="-24000"/>
+          </a:stretch>
+        </a:blipFill>
+        <a:effectLst/>
+      </p:bgPr>
+    </p:bg>
+    <p:spTree>
+      <p:nvGrpSpPr>
+        <p:cNvPr id="1" name=""/>
+        <p:cNvGrpSpPr/>
+        <p:nvPr/>
+      </p:nvGrpSpPr>
+      <p:grpSpPr>
+        <a:xfrm>
+          <a:off x="0" y="0"/>
+          <a:ext cx="0" cy="0"/>
+          <a:chOff x="0" y="0"/>
+          <a:chExt cx="0" cy="0"/>
+        </a:xfrm>
+      </p:grpSpPr>
+      <p:sp>
+        <p:nvSpPr>
+          <p:cNvPr id="46" name="직사각형 45"/>
+          <p:cNvSpPr/>
+          <p:nvPr/>
+        </p:nvSpPr>
+        <p:spPr>
+          <a:xfrm>
+            <a:off x="0" y="916233"/>
+            <a:ext cx="12192000" cy="5941767"/>
+          </a:xfrm>
+          <a:prstGeom prst="rect">
+            <a:avLst/>
+          </a:prstGeom>
+          <a:solidFill>
+            <a:schemeClr val="bg1">
+              <a:alpha val="50000"/>
+            </a:schemeClr>
+          </a:solidFill>
+          <a:ln>
+            <a:noFill/>
+          </a:ln>
+        </p:spPr>
+        <p:style>
+          <a:lnRef idx="2">
+            <a:schemeClr val="accent1">
+              <a:shade val="50000"/>
+            </a:schemeClr>
+          </a:lnRef>
+          <a:fillRef idx="1">
+            <a:schemeClr val="accent1"/>
+          </a:fillRef>
+          <a:effectRef idx="0">
+            <a:schemeClr val="accent1"/>
+          </a:effectRef>
+          <a:fontRef idx="minor">
+            <a:schemeClr val="lt1"/>
+          </a:fontRef>
+        </p:style>
+        <p:txBody>
+          <a:bodyPr rtlCol="0" anchor="ctr"/>
+          <a:lstStyle/>
+          <a:p>
+            <a:pPr algn="ctr"/>
+            <a:endParaRPr lang="ko-KR" altLang="en-US"/>
+          </a:p>
+        </p:txBody>
+      </p:sp>
+      <p:sp>
+        <p:nvSpPr>
+          <p:cNvPr id="8" name="TextBox 7"/>
+          <p:cNvSpPr txBox="1"/>
+          <p:nvPr/>
+        </p:nvSpPr>
+        <p:spPr>
+          <a:xfrm>
+            <a:off x="5075959" y="672887"/>
+            <a:ext cx="2237509" cy="338554"/>
+          </a:xfrm>
+          <a:prstGeom prst="rect">
+            <a:avLst/>
+          </a:prstGeom>
+          <a:noFill/>
+        </p:spPr>
+        <p:txBody>
+          <a:bodyPr wrap="square" rtlCol="0">
+            <a:spAutoFit/>
+          </a:bodyPr>
+          <a:lstStyle/>
+          <a:p>
+            <a:r>
+              <a:rPr lang="ko-KR" altLang="en-US" sz="1600" dirty="0" smtClean="0">
+                <a:solidFill>
+                  <a:schemeClr val="accent2">
+                    <a:lumMod val="50000"/>
+                  </a:schemeClr>
+                </a:solidFill>
+                <a:latin typeface="경기천년제목 Light" panose="02020403020101020101" pitchFamily="18" charset="-127"/>
+                <a:ea typeface="경기천년제목 Light" panose="02020403020101020101" pitchFamily="18" charset="-127"/>
+              </a:rPr>
+              <a:t>사용한 프로그램 및 언어</a:t>
+            </a:r>
+            <a:endParaRPr lang="ko-KR" altLang="en-US" sz="1600" dirty="0">
+              <a:solidFill>
+                <a:schemeClr val="accent2">
+                  <a:lumMod val="50000"/>
+                </a:schemeClr>
+              </a:solidFill>
+              <a:latin typeface="경기천년제목 Light" panose="02020403020101020101" pitchFamily="18" charset="-127"/>
+              <a:ea typeface="경기천년제목 Light" panose="02020403020101020101" pitchFamily="18" charset="-127"/>
+            </a:endParaRPr>
+          </a:p>
+        </p:txBody>
+      </p:sp>
+      <p:sp>
+        <p:nvSpPr>
+          <p:cNvPr id="2" name="직사각형 1"/>
+          <p:cNvSpPr/>
+          <p:nvPr/>
+        </p:nvSpPr>
+        <p:spPr>
+          <a:xfrm>
+            <a:off x="0" y="0"/>
+            <a:ext cx="12192000" cy="920265"/>
+          </a:xfrm>
+          <a:prstGeom prst="rect">
+            <a:avLst/>
+          </a:prstGeom>
+          <a:solidFill>
+            <a:schemeClr val="bg1"/>
+          </a:solidFill>
+          <a:ln>
+            <a:noFill/>
+          </a:ln>
+        </p:spPr>
+        <p:style>
+          <a:lnRef idx="2">
+            <a:schemeClr val="accent1">
+              <a:shade val="50000"/>
+            </a:schemeClr>
+          </a:lnRef>
+          <a:fillRef idx="1">
+            <a:schemeClr val="accent1"/>
+          </a:fillRef>
+          <a:effectRef idx="0">
+            <a:schemeClr val="accent1"/>
+          </a:effectRef>
+          <a:fontRef idx="minor">
+            <a:schemeClr val="lt1"/>
+          </a:fontRef>
+        </p:style>
+        <p:txBody>
+          <a:bodyPr rtlCol="0" anchor="ctr"/>
+          <a:lstStyle/>
+          <a:p>
+            <a:pPr algn="ctr"/>
+            <a:endParaRPr lang="ko-KR" altLang="en-US"/>
+          </a:p>
+        </p:txBody>
+      </p:sp>
+      <p:sp>
+        <p:nvSpPr>
+          <p:cNvPr id="9" name="TextBox 8"/>
+          <p:cNvSpPr txBox="1"/>
+          <p:nvPr/>
+        </p:nvSpPr>
+        <p:spPr>
+          <a:xfrm>
+            <a:off x="814388" y="182549"/>
+            <a:ext cx="4909404" cy="523220"/>
+          </a:xfrm>
+          <a:prstGeom prst="rect">
+            <a:avLst/>
+          </a:prstGeom>
+          <a:noFill/>
+        </p:spPr>
+        <p:txBody>
+          <a:bodyPr wrap="square" rtlCol="0">
+            <a:spAutoFit/>
+          </a:bodyPr>
+          <a:lstStyle/>
+          <a:p>
+            <a:r>
+              <a:rPr lang="ko-KR" altLang="en-US" sz="2800" dirty="0" smtClean="0">
+                <a:latin typeface="경기천년제목 Medium" panose="02020603020101020101" pitchFamily="18" charset="-127"/>
+                <a:ea typeface="경기천년제목 Medium" panose="02020603020101020101" pitchFamily="18" charset="-127"/>
+              </a:rPr>
+              <a:t>프로젝트 설계 </a:t>
+            </a:r>
+            <a:r>
+              <a:rPr lang="en-US" altLang="ko-KR" dirty="0" smtClean="0">
+                <a:solidFill>
+                  <a:srgbClr val="86360E"/>
+                </a:solidFill>
+                <a:latin typeface="경기천년제목 Medium" panose="02020603020101020101" pitchFamily="18" charset="-127"/>
+                <a:ea typeface="경기천년제목 Medium" panose="02020603020101020101" pitchFamily="18" charset="-127"/>
+              </a:rPr>
+              <a:t>Exception</a:t>
+            </a:r>
+            <a:r>
+              <a:rPr lang="ko-KR" altLang="en-US" dirty="0" smtClean="0">
+                <a:solidFill>
+                  <a:srgbClr val="86360E"/>
+                </a:solidFill>
+                <a:latin typeface="경기천년제목 Medium" panose="02020603020101020101" pitchFamily="18" charset="-127"/>
+                <a:ea typeface="경기천년제목 Medium" panose="02020603020101020101" pitchFamily="18" charset="-127"/>
+              </a:rPr>
+              <a:t>처리</a:t>
+            </a:r>
+            <a:endParaRPr lang="ko-KR" altLang="en-US" dirty="0">
+              <a:solidFill>
+                <a:srgbClr val="86360E"/>
+              </a:solidFill>
+              <a:latin typeface="경기천년제목 Medium" panose="02020603020101020101" pitchFamily="18" charset="-127"/>
+              <a:ea typeface="경기천년제목 Medium" panose="02020603020101020101" pitchFamily="18" charset="-127"/>
+            </a:endParaRPr>
+          </a:p>
+        </p:txBody>
+      </p:sp>
+      <p:sp>
+        <p:nvSpPr>
+          <p:cNvPr id="12" name="직사각형 11"/>
+          <p:cNvSpPr/>
+          <p:nvPr/>
+        </p:nvSpPr>
+        <p:spPr>
+          <a:xfrm>
+            <a:off x="0" y="416553"/>
+            <a:ext cx="803564" cy="83127"/>
+          </a:xfrm>
+          <a:prstGeom prst="rect">
+            <a:avLst/>
+          </a:prstGeom>
+          <a:solidFill>
+            <a:srgbClr val="86360E"/>
+          </a:solidFill>
+          <a:ln>
+            <a:noFill/>
+          </a:ln>
+        </p:spPr>
+        <p:style>
+          <a:lnRef idx="2">
+            <a:schemeClr val="accent1">
+              <a:shade val="50000"/>
+            </a:schemeClr>
+          </a:lnRef>
+          <a:fillRef idx="1">
+            <a:schemeClr val="accent1"/>
+          </a:fillRef>
+          <a:effectRef idx="0">
+            <a:schemeClr val="accent1"/>
+          </a:effectRef>
+          <a:fontRef idx="minor">
+            <a:schemeClr val="lt1"/>
+          </a:fontRef>
+        </p:style>
+        <p:txBody>
+          <a:bodyPr rtlCol="0" anchor="ctr"/>
+          <a:lstStyle/>
+          <a:p>
+            <a:pPr algn="ctr"/>
+            <a:endParaRPr lang="ko-KR" altLang="en-US"/>
+          </a:p>
+        </p:txBody>
+      </p:sp>
+      <p:pic>
+        <p:nvPicPr>
+          <p:cNvPr id="3" name="그림 2"/>
+          <p:cNvPicPr>
+            <a:picLocks noChangeAspect="1"/>
+          </p:cNvPicPr>
+          <p:nvPr/>
+        </p:nvPicPr>
+        <p:blipFill>
+          <a:blip r:embed="rId3"/>
+          <a:stretch>
+            <a:fillRect/>
+          </a:stretch>
+        </p:blipFill>
+        <p:spPr>
+          <a:xfrm>
+            <a:off x="525716" y="1585135"/>
+            <a:ext cx="11140567" cy="4516818"/>
+          </a:xfrm>
+          <a:prstGeom prst="rect">
+            <a:avLst/>
+          </a:prstGeom>
+        </p:spPr>
+      </p:pic>
+    </p:spTree>
+    <p:extLst>
+      <p:ext uri="{BB962C8B-B14F-4D97-AF65-F5344CB8AC3E}">
+        <p14:creationId xmlns:p14="http://schemas.microsoft.com/office/powerpoint/2010/main" val="4114179579"/>
+      </p:ext>
+    </p:extLst>
+  </p:cSld>
+  <p:clrMapOvr>
+    <a:masterClrMapping/>
+  </p:clrMapOvr>
+  <p:timing>
+    <p:tnLst>
+      <p:par>
+        <p:cTn id="1" dur="indefinite" restart="never" nodeType="tmRoot"/>
+      </p:par>
+    </p:tnLst>
+  </p:timing>
+</p:sld>
+</file>
+
+<file path=ppt/slides/slide9.xml><?xml version="1.0" encoding="utf-8"?>
+<p:sld xmlns:a="http://schemas.openxmlformats.org/drawingml/2006/main" xmlns:r="http://schemas.openxmlformats.org/officeDocument/2006/relationships" xmlns:p="http://schemas.openxmlformats.org/presentationml/2006/main">
+  <p:cSld>
+    <p:bg>
+      <p:bgPr>
+        <a:blipFill dpi="0" rotWithShape="1">
+          <a:blip r:embed="rId2">
+            <a:lum/>
+          </a:blip>
+          <a:srcRect/>
+          <a:stretch>
+            <a:fillRect l="-24000" r="-24000"/>
+          </a:stretch>
+        </a:blipFill>
+        <a:effectLst/>
+      </p:bgPr>
+    </p:bg>
+    <p:spTree>
+      <p:nvGrpSpPr>
+        <p:cNvPr id="1" name=""/>
+        <p:cNvGrpSpPr/>
+        <p:nvPr/>
+      </p:nvGrpSpPr>
+      <p:grpSpPr>
+        <a:xfrm>
+          <a:off x="0" y="0"/>
+          <a:ext cx="0" cy="0"/>
+          <a:chOff x="0" y="0"/>
+          <a:chExt cx="0" cy="0"/>
+        </a:xfrm>
+      </p:grpSpPr>
+      <p:sp>
+        <p:nvSpPr>
+          <p:cNvPr id="46" name="직사각형 45"/>
+          <p:cNvSpPr/>
+          <p:nvPr/>
+        </p:nvSpPr>
+        <p:spPr>
+          <a:xfrm>
+            <a:off x="0" y="990018"/>
+            <a:ext cx="12192000" cy="5941767"/>
+          </a:xfrm>
+          <a:prstGeom prst="rect">
+            <a:avLst/>
+          </a:prstGeom>
+          <a:solidFill>
+            <a:schemeClr val="bg1">
+              <a:alpha val="50000"/>
+            </a:schemeClr>
+          </a:solidFill>
+          <a:ln>
+            <a:noFill/>
+          </a:ln>
+        </p:spPr>
+        <p:style>
+          <a:lnRef idx="2">
+            <a:schemeClr val="accent1">
+              <a:shade val="50000"/>
+            </a:schemeClr>
+          </a:lnRef>
+          <a:fillRef idx="1">
+            <a:schemeClr val="accent1"/>
+          </a:fillRef>
+          <a:effectRef idx="0">
+            <a:schemeClr val="accent1"/>
+          </a:effectRef>
+          <a:fontRef idx="minor">
+            <a:schemeClr val="lt1"/>
+          </a:fontRef>
+        </p:style>
+        <p:txBody>
+          <a:bodyPr rtlCol="0" anchor="ctr"/>
+          <a:lstStyle/>
+          <a:p>
+            <a:pPr algn="ctr"/>
+            <a:endParaRPr lang="ko-KR" altLang="en-US"/>
+          </a:p>
+        </p:txBody>
+      </p:sp>
+      <p:sp>
+        <p:nvSpPr>
+          <p:cNvPr id="8" name="TextBox 7"/>
+          <p:cNvSpPr txBox="1"/>
+          <p:nvPr/>
+        </p:nvSpPr>
+        <p:spPr>
+          <a:xfrm>
+            <a:off x="5075959" y="672887"/>
+            <a:ext cx="2237509" cy="338554"/>
+          </a:xfrm>
+          <a:prstGeom prst="rect">
+            <a:avLst/>
+          </a:prstGeom>
+          <a:noFill/>
+        </p:spPr>
+        <p:txBody>
+          <a:bodyPr wrap="square" rtlCol="0">
+            <a:spAutoFit/>
+          </a:bodyPr>
+          <a:lstStyle/>
+          <a:p>
+            <a:r>
+              <a:rPr lang="ko-KR" altLang="en-US" sz="1600" dirty="0" smtClean="0">
+                <a:solidFill>
+                  <a:schemeClr val="accent2">
+                    <a:lumMod val="50000"/>
+                  </a:schemeClr>
+                </a:solidFill>
+                <a:latin typeface="경기천년제목 Light" panose="02020403020101020101" pitchFamily="18" charset="-127"/>
+                <a:ea typeface="경기천년제목 Light" panose="02020403020101020101" pitchFamily="18" charset="-127"/>
+              </a:rPr>
+              <a:t>사용한 프로그램 및 언어</a:t>
+            </a:r>
+            <a:endParaRPr lang="ko-KR" altLang="en-US" sz="1600" dirty="0">
+              <a:solidFill>
+                <a:schemeClr val="accent2">
+                  <a:lumMod val="50000"/>
+                </a:schemeClr>
+              </a:solidFill>
+              <a:latin typeface="경기천년제목 Light" panose="02020403020101020101" pitchFamily="18" charset="-127"/>
+              <a:ea typeface="경기천년제목 Light" panose="02020403020101020101" pitchFamily="18" charset="-127"/>
+            </a:endParaRPr>
+          </a:p>
+        </p:txBody>
+      </p:sp>
+      <p:sp>
+        <p:nvSpPr>
+          <p:cNvPr id="2" name="직사각형 1"/>
+          <p:cNvSpPr/>
+          <p:nvPr/>
+        </p:nvSpPr>
+        <p:spPr>
+          <a:xfrm>
+            <a:off x="0" y="0"/>
+            <a:ext cx="12192000" cy="920265"/>
+          </a:xfrm>
+          <a:prstGeom prst="rect">
+            <a:avLst/>
+          </a:prstGeom>
+          <a:solidFill>
+            <a:schemeClr val="bg1"/>
+          </a:solidFill>
+          <a:ln>
+            <a:noFill/>
+          </a:ln>
+        </p:spPr>
+        <p:style>
+          <a:lnRef idx="2">
+            <a:schemeClr val="accent1">
+              <a:shade val="50000"/>
+            </a:schemeClr>
+          </a:lnRef>
+          <a:fillRef idx="1">
+            <a:schemeClr val="accent1"/>
+          </a:fillRef>
+          <a:effectRef idx="0">
+            <a:schemeClr val="accent1"/>
+          </a:effectRef>
+          <a:fontRef idx="minor">
+            <a:schemeClr val="lt1"/>
+          </a:fontRef>
+        </p:style>
+        <p:txBody>
+          <a:bodyPr rtlCol="0" anchor="ctr"/>
+          <a:lstStyle/>
+          <a:p>
+            <a:pPr algn="ctr"/>
+            <a:endParaRPr lang="ko-KR" altLang="en-US"/>
+          </a:p>
+        </p:txBody>
+      </p:sp>
+      <p:sp>
+        <p:nvSpPr>
+          <p:cNvPr id="9" name="TextBox 8"/>
+          <p:cNvSpPr txBox="1"/>
+          <p:nvPr/>
+        </p:nvSpPr>
+        <p:spPr>
+          <a:xfrm>
+            <a:off x="814388" y="182549"/>
+            <a:ext cx="4909404" cy="523220"/>
+          </a:xfrm>
+          <a:prstGeom prst="rect">
+            <a:avLst/>
+          </a:prstGeom>
+          <a:noFill/>
+        </p:spPr>
+        <p:txBody>
+          <a:bodyPr wrap="square" rtlCol="0">
+            <a:spAutoFit/>
+          </a:bodyPr>
+          <a:lstStyle/>
+          <a:p>
+            <a:r>
+              <a:rPr lang="ko-KR" altLang="en-US" sz="2800" dirty="0" smtClean="0">
+                <a:latin typeface="경기천년제목 Medium" panose="02020603020101020101" pitchFamily="18" charset="-127"/>
+                <a:ea typeface="경기천년제목 Medium" panose="02020603020101020101" pitchFamily="18" charset="-127"/>
+              </a:rPr>
+              <a:t>프로젝트 설계 </a:t>
+            </a:r>
+            <a:r>
+              <a:rPr lang="ko-KR" altLang="en-US" dirty="0" smtClean="0">
+                <a:solidFill>
+                  <a:srgbClr val="86360E"/>
+                </a:solidFill>
+                <a:latin typeface="경기천년제목 Medium" panose="02020603020101020101" pitchFamily="18" charset="-127"/>
+                <a:ea typeface="경기천년제목 Medium" panose="02020603020101020101" pitchFamily="18" charset="-127"/>
+              </a:rPr>
+              <a:t>권한 제어</a:t>
+            </a:r>
+            <a:endParaRPr lang="ko-KR" altLang="en-US" dirty="0">
+              <a:solidFill>
+                <a:srgbClr val="86360E"/>
+              </a:solidFill>
+              <a:latin typeface="경기천년제목 Medium" panose="02020603020101020101" pitchFamily="18" charset="-127"/>
+              <a:ea typeface="경기천년제목 Medium" panose="02020603020101020101" pitchFamily="18" charset="-127"/>
+            </a:endParaRPr>
+          </a:p>
+        </p:txBody>
+      </p:sp>
+      <p:sp>
+        <p:nvSpPr>
+          <p:cNvPr id="12" name="직사각형 11"/>
+          <p:cNvSpPr/>
+          <p:nvPr/>
+        </p:nvSpPr>
+        <p:spPr>
+          <a:xfrm>
+            <a:off x="0" y="416553"/>
+            <a:ext cx="803564" cy="83127"/>
+          </a:xfrm>
+          <a:prstGeom prst="rect">
+            <a:avLst/>
+          </a:prstGeom>
+          <a:solidFill>
+            <a:srgbClr val="86360E"/>
+          </a:solidFill>
+          <a:ln>
+            <a:noFill/>
+          </a:ln>
+        </p:spPr>
+        <p:style>
+          <a:lnRef idx="2">
+            <a:schemeClr val="accent1">
+              <a:shade val="50000"/>
+            </a:schemeClr>
+          </a:lnRef>
+          <a:fillRef idx="1">
+            <a:schemeClr val="accent1"/>
+          </a:fillRef>
+          <a:effectRef idx="0">
+            <a:schemeClr val="accent1"/>
+          </a:effectRef>
+          <a:fontRef idx="minor">
+            <a:schemeClr val="lt1"/>
+          </a:fontRef>
+        </p:style>
+        <p:txBody>
+          <a:bodyPr rtlCol="0" anchor="ctr"/>
+          <a:lstStyle/>
+          <a:p>
+            <a:pPr algn="ctr"/>
+            <a:endParaRPr lang="ko-KR" altLang="en-US"/>
+          </a:p>
+        </p:txBody>
+      </p:sp>
+      <p:pic>
+        <p:nvPicPr>
+          <p:cNvPr id="4" name="그림 3"/>
+          <p:cNvPicPr>
+            <a:picLocks noChangeAspect="1"/>
+          </p:cNvPicPr>
+          <p:nvPr/>
+        </p:nvPicPr>
+        <p:blipFill>
+          <a:blip r:embed="rId3"/>
+          <a:stretch>
+            <a:fillRect/>
+          </a:stretch>
+        </p:blipFill>
+        <p:spPr>
+          <a:xfrm>
+            <a:off x="661572" y="1102814"/>
+            <a:ext cx="8819312" cy="3415063"/>
+          </a:xfrm>
+          <a:prstGeom prst="rect">
+            <a:avLst/>
+          </a:prstGeom>
+        </p:spPr>
+      </p:pic>
+      <p:pic>
+        <p:nvPicPr>
+          <p:cNvPr id="5" name="그림 4"/>
+          <p:cNvPicPr>
+            <a:picLocks noChangeAspect="1"/>
+          </p:cNvPicPr>
+          <p:nvPr/>
+        </p:nvPicPr>
+        <p:blipFill>
+          <a:blip r:embed="rId4"/>
+          <a:stretch>
+            <a:fillRect/>
+          </a:stretch>
+        </p:blipFill>
+        <p:spPr>
+          <a:xfrm>
+            <a:off x="646259" y="4366313"/>
+            <a:ext cx="9291826" cy="2301165"/>
+          </a:xfrm>
+          <a:prstGeom prst="rect">
+            <a:avLst/>
+          </a:prstGeom>
+        </p:spPr>
+      </p:pic>
+    </p:spTree>
+    <p:extLst>
+      <p:ext uri="{BB962C8B-B14F-4D97-AF65-F5344CB8AC3E}">
+        <p14:creationId xmlns:p14="http://schemas.microsoft.com/office/powerpoint/2010/main" val="1166255664"/>
       </p:ext>
     </p:extLst>
   </p:cSld>
